--- a/ui/MG-RAST_Class_v3.6.1.pptx
+++ b/ui/MG-RAST_Class_v3.6.1.pptx
@@ -5,7 +5,7 @@
     <p:sldMasterId id="2147483648" r:id="rId1"/>
   </p:sldMasterIdLst>
   <p:notesMasterIdLst>
-    <p:notesMasterId r:id="rId46"/>
+    <p:notesMasterId r:id="rId52"/>
   </p:notesMasterIdLst>
   <p:sldIdLst>
     <p:sldId id="256" r:id="rId2"/>
@@ -23,35 +23,41 @@
     <p:sldId id="268" r:id="rId14"/>
     <p:sldId id="269" r:id="rId15"/>
     <p:sldId id="293" r:id="rId16"/>
-    <p:sldId id="291" r:id="rId17"/>
-    <p:sldId id="292" r:id="rId18"/>
-    <p:sldId id="300" r:id="rId19"/>
-    <p:sldId id="299" r:id="rId20"/>
-    <p:sldId id="301" r:id="rId21"/>
-    <p:sldId id="302" r:id="rId22"/>
-    <p:sldId id="298" r:id="rId23"/>
-    <p:sldId id="262" r:id="rId24"/>
-    <p:sldId id="281" r:id="rId25"/>
-    <p:sldId id="282" r:id="rId26"/>
-    <p:sldId id="275" r:id="rId27"/>
-    <p:sldId id="283" r:id="rId28"/>
-    <p:sldId id="284" r:id="rId29"/>
-    <p:sldId id="277" r:id="rId30"/>
-    <p:sldId id="278" r:id="rId31"/>
-    <p:sldId id="279" r:id="rId32"/>
-    <p:sldId id="280" r:id="rId33"/>
-    <p:sldId id="285" r:id="rId34"/>
-    <p:sldId id="286" r:id="rId35"/>
-    <p:sldId id="287" r:id="rId36"/>
-    <p:sldId id="295" r:id="rId37"/>
-    <p:sldId id="303" r:id="rId38"/>
-    <p:sldId id="304" r:id="rId39"/>
-    <p:sldId id="296" r:id="rId40"/>
-    <p:sldId id="307" r:id="rId41"/>
-    <p:sldId id="308" r:id="rId42"/>
-    <p:sldId id="289" r:id="rId43"/>
-    <p:sldId id="290" r:id="rId44"/>
-    <p:sldId id="305" r:id="rId45"/>
+    <p:sldId id="309" r:id="rId17"/>
+    <p:sldId id="291" r:id="rId18"/>
+    <p:sldId id="292" r:id="rId19"/>
+    <p:sldId id="300" r:id="rId20"/>
+    <p:sldId id="299" r:id="rId21"/>
+    <p:sldId id="301" r:id="rId22"/>
+    <p:sldId id="302" r:id="rId23"/>
+    <p:sldId id="298" r:id="rId24"/>
+    <p:sldId id="262" r:id="rId25"/>
+    <p:sldId id="281" r:id="rId26"/>
+    <p:sldId id="282" r:id="rId27"/>
+    <p:sldId id="275" r:id="rId28"/>
+    <p:sldId id="283" r:id="rId29"/>
+    <p:sldId id="284" r:id="rId30"/>
+    <p:sldId id="277" r:id="rId31"/>
+    <p:sldId id="278" r:id="rId32"/>
+    <p:sldId id="279" r:id="rId33"/>
+    <p:sldId id="280" r:id="rId34"/>
+    <p:sldId id="285" r:id="rId35"/>
+    <p:sldId id="286" r:id="rId36"/>
+    <p:sldId id="287" r:id="rId37"/>
+    <p:sldId id="295" r:id="rId38"/>
+    <p:sldId id="316" r:id="rId39"/>
+    <p:sldId id="303" r:id="rId40"/>
+    <p:sldId id="304" r:id="rId41"/>
+    <p:sldId id="317" r:id="rId42"/>
+    <p:sldId id="296" r:id="rId43"/>
+    <p:sldId id="307" r:id="rId44"/>
+    <p:sldId id="308" r:id="rId45"/>
+    <p:sldId id="289" r:id="rId46"/>
+    <p:sldId id="311" r:id="rId47"/>
+    <p:sldId id="312" r:id="rId48"/>
+    <p:sldId id="315" r:id="rId49"/>
+    <p:sldId id="290" r:id="rId50"/>
+    <p:sldId id="305" r:id="rId51"/>
   </p:sldIdLst>
   <p:sldSz cx="9144000" cy="6858000" type="screen4x3"/>
   <p:notesSz cx="6858000" cy="9144000"/>
@@ -155,15 +161,18 @@
 
 <file path=ppt/commentAuthors.xml><?xml version="1.0" encoding="utf-8"?>
 <p:cmAuthorLst xmlns:a="http://schemas.openxmlformats.org/drawingml/2006/main" xmlns:r="http://schemas.openxmlformats.org/officeDocument/2006/relationships" xmlns:p="http://schemas.openxmlformats.org/presentationml/2006/main">
-  <p:cmAuthor id="0" name="Elizabeth Glass" initials="" lastIdx="2" clrIdx="0"/>
+  <p:cmAuthor id="0" name="Elizabeth Glass" initials="" lastIdx="4" clrIdx="0"/>
 </p:cmAuthorLst>
 </file>
 
 <file path=ppt/comments/comment1.xml><?xml version="1.0" encoding="utf-8"?>
 <p:cmLst xmlns:a="http://schemas.openxmlformats.org/drawingml/2006/main" xmlns:r="http://schemas.openxmlformats.org/officeDocument/2006/relationships" xmlns:p="http://schemas.openxmlformats.org/presentationml/2006/main">
-  <p:cm authorId="0" dt="2015-08-24T15:58:37.793" idx="1">
-    <p:pos x="4928" y="1483"/>
-    <p:text>This needs to be looked into - errors on MG-RAST page. Why zero? do the sample suck or is it a bug?</p:text>
+  <p:cm authorId="0" dt="2015-09-11T13:33:33.031" idx="4">
+    <p:pos x="5022" y="2276"/>
+    <p:text>Here we are looking for class engagement again - get them talking about the samples they chose and have them show what reults they got and compare with others.
+Review factors that can resutl in major differneces.
+Can they get away with only slecting a handful of samples out of 100 and make conclusions?
+</p:text>
   </p:cm>
 </p:cmLst>
 </file>
@@ -606,6 +615,121 @@
 </p:notes>
 </file>
 
+<file path=ppt/notesSlides/notesSlide10.xml><?xml version="1.0" encoding="utf-8"?>
+<p:notes xmlns:a="http://schemas.openxmlformats.org/drawingml/2006/main" xmlns:r="http://schemas.openxmlformats.org/officeDocument/2006/relationships" xmlns:p="http://schemas.openxmlformats.org/presentationml/2006/main">
+  <p:cSld>
+    <p:spTree>
+      <p:nvGrpSpPr>
+        <p:cNvPr id="1" name=""/>
+        <p:cNvGrpSpPr/>
+        <p:nvPr/>
+      </p:nvGrpSpPr>
+      <p:grpSpPr>
+        <a:xfrm>
+          <a:off x="0" y="0"/>
+          <a:ext cx="0" cy="0"/>
+          <a:chOff x="0" y="0"/>
+          <a:chExt cx="0" cy="0"/>
+        </a:xfrm>
+      </p:grpSpPr>
+      <p:sp>
+        <p:nvSpPr>
+          <p:cNvPr id="2" name="Slide Image Placeholder 1"/>
+          <p:cNvSpPr>
+            <a:spLocks noGrp="1" noRot="1" noChangeAspect="1"/>
+          </p:cNvSpPr>
+          <p:nvPr>
+            <p:ph type="sldImg"/>
+          </p:nvPr>
+        </p:nvSpPr>
+        <p:spPr/>
+      </p:sp>
+      <p:sp>
+        <p:nvSpPr>
+          <p:cNvPr id="3" name="Notes Placeholder 2"/>
+          <p:cNvSpPr>
+            <a:spLocks noGrp="1"/>
+          </p:cNvSpPr>
+          <p:nvPr>
+            <p:ph type="body" idx="1"/>
+          </p:nvPr>
+        </p:nvSpPr>
+        <p:spPr/>
+        <p:txBody>
+          <a:bodyPr/>
+          <a:lstStyle/>
+          <a:p>
+            <a:pPr marL="0" marR="0" indent="0" algn="l" defTabSz="457200" rtl="0" eaLnBrk="1" fontAlgn="auto" latinLnBrk="0" hangingPunct="1">
+              <a:lnSpc>
+                <a:spcPct val="100000"/>
+              </a:lnSpc>
+              <a:spcBef>
+                <a:spcPts val="0"/>
+              </a:spcBef>
+              <a:spcAft>
+                <a:spcPts val="0"/>
+              </a:spcAft>
+              <a:buClrTx/>
+              <a:buSzTx/>
+              <a:buFontTx/>
+              <a:buNone/>
+              <a:tabLst/>
+              <a:defRPr/>
+            </a:pPr>
+            <a:r>
+              <a:rPr lang="en-US" dirty="0" smtClean="0"/>
+              <a:t>Enzymes examined by </a:t>
+            </a:r>
+            <a:r>
+              <a:rPr lang="en-US" dirty="0" err="1" smtClean="0"/>
+              <a:t>Tiedje</a:t>
+            </a:r>
+            <a:r>
+              <a:rPr lang="en-US" dirty="0" smtClean="0"/>
+              <a:t> et al in orange rectangle.</a:t>
+            </a:r>
+          </a:p>
+          <a:p>
+            <a:endParaRPr lang="en-US" dirty="0"/>
+          </a:p>
+        </p:txBody>
+      </p:sp>
+      <p:sp>
+        <p:nvSpPr>
+          <p:cNvPr id="4" name="Slide Number Placeholder 3"/>
+          <p:cNvSpPr>
+            <a:spLocks noGrp="1"/>
+          </p:cNvSpPr>
+          <p:nvPr>
+            <p:ph type="sldNum" sz="quarter" idx="10"/>
+          </p:nvPr>
+        </p:nvSpPr>
+        <p:spPr/>
+        <p:txBody>
+          <a:bodyPr/>
+          <a:lstStyle/>
+          <a:p>
+            <a:fld id="{97999313-7BED-0A41-ABB2-37ECF3C0903E}" type="slidenum">
+              <a:rPr lang="en-US" smtClean="0"/>
+              <a:t>44</a:t>
+            </a:fld>
+            <a:endParaRPr lang="en-US"/>
+          </a:p>
+        </p:txBody>
+      </p:sp>
+    </p:spTree>
+    <p:extLst>
+      <p:ext uri="{BB962C8B-B14F-4D97-AF65-F5344CB8AC3E}">
+        <p14:creationId xmlns:p14="http://schemas.microsoft.com/office/powerpoint/2010/main" val="2696457137"/>
+      </p:ext>
+    </p:extLst>
+  </p:cSld>
+  <p:clrMapOvr>
+    <a:masterClrMapping/>
+  </p:clrMapOvr>
+</p:notes>
+</file>
+
 <file path=ppt/notesSlides/notesSlide2.xml><?xml version="1.0" encoding="utf-8"?>
 <p:notes xmlns:a="http://schemas.openxmlformats.org/drawingml/2006/main" xmlns:r="http://schemas.openxmlformats.org/officeDocument/2006/relationships" xmlns:p="http://schemas.openxmlformats.org/presentationml/2006/main">
   <p:cSld>
@@ -650,7 +774,15 @@
           <a:bodyPr/>
           <a:lstStyle/>
           <a:p>
-            <a:endParaRPr lang="en-US" dirty="0"/>
+            <a:r>
+              <a:rPr lang="en-US" b="1" dirty="0" smtClean="0"/>
+              <a:t>There is another example of downloading data via the CMD-LINE</a:t>
+            </a:r>
+            <a:r>
+              <a:rPr lang="en-US" b="1" baseline="0" dirty="0" smtClean="0"/>
+              <a:t> in example 9.</a:t>
+            </a:r>
+            <a:endParaRPr lang="en-US" b="1" dirty="0"/>
           </a:p>
         </p:txBody>
       </p:sp>
@@ -671,7 +803,7 @@
           <a:p>
             <a:fld id="{97999313-7BED-0A41-ABB2-37ECF3C0903E}" type="slidenum">
               <a:rPr lang="en-US" smtClean="0"/>
-              <a:t>20</a:t>
+              <a:t>15</a:t>
             </a:fld>
             <a:endParaRPr lang="en-US"/>
           </a:p>
@@ -680,7 +812,7 @@
     </p:spTree>
     <p:extLst>
       <p:ext uri="{BB962C8B-B14F-4D97-AF65-F5344CB8AC3E}">
-        <p14:creationId xmlns:p14="http://schemas.microsoft.com/office/powerpoint/2010/main" val="2936025905"/>
+        <p14:creationId xmlns:p14="http://schemas.microsoft.com/office/powerpoint/2010/main" val="867644844"/>
       </p:ext>
     </p:extLst>
   </p:cSld>
@@ -734,76 +866,6 @@
           <a:bodyPr/>
           <a:lstStyle/>
           <a:p>
-            <a:r>
-              <a:rPr lang="en-US" dirty="0" smtClean="0"/>
-              <a:t>Best</a:t>
-            </a:r>
-            <a:r>
-              <a:rPr lang="en-US" baseline="0" dirty="0" smtClean="0"/>
-              <a:t>   DRISEE score:   </a:t>
-            </a:r>
-            <a:r>
-              <a:rPr lang="en-US" b="1" dirty="0" smtClean="0">
-                <a:effectLst/>
-              </a:rPr>
-              <a:t>MG-RAST ID</a:t>
-            </a:r>
-            <a:r>
-              <a:rPr lang="en-US" dirty="0" smtClean="0">
-                <a:effectLst/>
-              </a:rPr>
-              <a:t>   4472276.3 </a:t>
-            </a:r>
-            <a:r>
-              <a:rPr lang="en-US" sz="1200" kern="1200" dirty="0" smtClean="0">
-                <a:solidFill>
-                  <a:schemeClr val="tx1"/>
-                </a:solidFill>
-                <a:effectLst/>
-                <a:latin typeface="+mn-lt"/>
-                <a:ea typeface="+mn-ea"/>
-                <a:cs typeface="+mn-cs"/>
-              </a:rPr>
-              <a:t>(31873)</a:t>
-            </a:r>
-            <a:r>
-              <a:rPr lang="en-US" dirty="0" smtClean="0"/>
-              <a:t> </a:t>
-            </a:r>
-          </a:p>
-          <a:p>
-            <a:r>
-              <a:rPr lang="en-US" dirty="0" smtClean="0"/>
-              <a:t>Worst DRISEE score:   </a:t>
-            </a:r>
-            <a:r>
-              <a:rPr lang="en-US" b="1" dirty="0" smtClean="0">
-                <a:effectLst/>
-              </a:rPr>
-              <a:t>MG-RAST ID</a:t>
-            </a:r>
-            <a:r>
-              <a:rPr lang="en-US" dirty="0" smtClean="0">
-                <a:effectLst/>
-              </a:rPr>
-              <a:t>   4473393.3 </a:t>
-            </a:r>
-            <a:r>
-              <a:rPr lang="en-US" sz="1200" kern="1200" dirty="0" smtClean="0">
-                <a:solidFill>
-                  <a:schemeClr val="tx1"/>
-                </a:solidFill>
-                <a:effectLst/>
-                <a:latin typeface="+mn-lt"/>
-                <a:ea typeface="+mn-ea"/>
-                <a:cs typeface="+mn-cs"/>
-              </a:rPr>
-              <a:t>(32990)</a:t>
-            </a:r>
-            <a:r>
-              <a:rPr lang="en-US" dirty="0" smtClean="0"/>
-              <a:t> </a:t>
-            </a:r>
             <a:endParaRPr lang="en-US" dirty="0"/>
           </a:p>
         </p:txBody>
@@ -825,7 +887,7 @@
           <a:p>
             <a:fld id="{97999313-7BED-0A41-ABB2-37ECF3C0903E}" type="slidenum">
               <a:rPr lang="en-US" smtClean="0"/>
-              <a:t>26</a:t>
+              <a:t>21</a:t>
             </a:fld>
             <a:endParaRPr lang="en-US"/>
           </a:p>
@@ -834,7 +896,7 @@
     </p:spTree>
     <p:extLst>
       <p:ext uri="{BB962C8B-B14F-4D97-AF65-F5344CB8AC3E}">
-        <p14:creationId xmlns:p14="http://schemas.microsoft.com/office/powerpoint/2010/main" val="2018494987"/>
+        <p14:creationId xmlns:p14="http://schemas.microsoft.com/office/powerpoint/2010/main" val="2936025905"/>
       </p:ext>
     </p:extLst>
   </p:cSld>
@@ -888,24 +950,7 @@
           <a:bodyPr/>
           <a:lstStyle/>
           <a:p>
-            <a:r>
-              <a:rPr lang="en-US" sz="4000" b="1" dirty="0" smtClean="0"/>
-              <a:t>Here a live browse through the Overview should be made.</a:t>
-            </a:r>
-          </a:p>
-          <a:p>
-            <a:endParaRPr lang="en-US" sz="4000" b="1" dirty="0" smtClean="0"/>
-          </a:p>
-          <a:p>
-            <a:r>
-              <a:rPr lang="en-US" sz="4000" b="1" dirty="0" smtClean="0"/>
-              <a:t>Note that quality should be looked at.  Segway</a:t>
-            </a:r>
-            <a:r>
-              <a:rPr lang="en-US" sz="4000" b="1" baseline="0" dirty="0" smtClean="0"/>
-              <a:t> into QC section.</a:t>
-            </a:r>
-            <a:endParaRPr lang="en-US" sz="4000" b="1" dirty="0"/>
+            <a:endParaRPr lang="en-US" dirty="0"/>
           </a:p>
         </p:txBody>
       </p:sp>
@@ -926,7 +971,7 @@
           <a:p>
             <a:fld id="{97999313-7BED-0A41-ABB2-37ECF3C0903E}" type="slidenum">
               <a:rPr lang="en-US" smtClean="0"/>
-              <a:t>28</a:t>
+              <a:t>27</a:t>
             </a:fld>
             <a:endParaRPr lang="en-US"/>
           </a:p>
@@ -935,7 +980,7 @@
     </p:spTree>
     <p:extLst>
       <p:ext uri="{BB962C8B-B14F-4D97-AF65-F5344CB8AC3E}">
-        <p14:creationId xmlns:p14="http://schemas.microsoft.com/office/powerpoint/2010/main" val="1087269415"/>
+        <p14:creationId xmlns:p14="http://schemas.microsoft.com/office/powerpoint/2010/main" val="2018494987"/>
       </p:ext>
     </p:extLst>
   </p:cSld>
@@ -990,18 +1035,23 @@
           <a:lstStyle/>
           <a:p>
             <a:r>
-              <a:rPr lang="en-US" b="1" dirty="0" smtClean="0"/>
-              <a:t>Folker – please note that they may run</a:t>
-            </a:r>
-            <a:r>
-              <a:rPr lang="en-US" b="1" baseline="0" dirty="0" smtClean="0"/>
-              <a:t> into a problem with the feature limit with the workspace.  </a:t>
-            </a:r>
-            <a:r>
-              <a:rPr lang="en-US" baseline="0" dirty="0" smtClean="0"/>
-              <a:t>This may be a great time to talk about how the CLI/R tools can overcome these limits – rather than having to whittle down the data they are looking at.</a:t>
-            </a:r>
-            <a:endParaRPr lang="en-US" dirty="0"/>
+              <a:rPr lang="en-US" sz="4000" b="1" dirty="0" smtClean="0"/>
+              <a:t>Here a live browse through the Overview should be made.</a:t>
+            </a:r>
+          </a:p>
+          <a:p>
+            <a:endParaRPr lang="en-US" sz="4000" b="1" dirty="0" smtClean="0"/>
+          </a:p>
+          <a:p>
+            <a:r>
+              <a:rPr lang="en-US" sz="4000" b="1" dirty="0" smtClean="0"/>
+              <a:t>Note that quality should be looked at.  Segway</a:t>
+            </a:r>
+            <a:r>
+              <a:rPr lang="en-US" sz="4000" b="1" baseline="0" dirty="0" smtClean="0"/>
+              <a:t> into QC section.</a:t>
+            </a:r>
+            <a:endParaRPr lang="en-US" sz="4000" b="1" dirty="0"/>
           </a:p>
         </p:txBody>
       </p:sp>
@@ -1022,7 +1072,7 @@
           <a:p>
             <a:fld id="{97999313-7BED-0A41-ABB2-37ECF3C0903E}" type="slidenum">
               <a:rPr lang="en-US" smtClean="0"/>
-              <a:t>36</a:t>
+              <a:t>29</a:t>
             </a:fld>
             <a:endParaRPr lang="en-US"/>
           </a:p>
@@ -1031,7 +1081,7 @@
     </p:spTree>
     <p:extLst>
       <p:ext uri="{BB962C8B-B14F-4D97-AF65-F5344CB8AC3E}">
-        <p14:creationId xmlns:p14="http://schemas.microsoft.com/office/powerpoint/2010/main" val="4058247105"/>
+        <p14:creationId xmlns:p14="http://schemas.microsoft.com/office/powerpoint/2010/main" val="1087269415"/>
       </p:ext>
     </p:extLst>
   </p:cSld>
@@ -1086,12 +1136,16 @@
           <a:lstStyle/>
           <a:p>
             <a:r>
-              <a:rPr lang="en-US" dirty="0" smtClean="0"/>
-              <a:t>5</a:t>
+              <a:rPr lang="en-US" b="1" dirty="0" smtClean="0"/>
+              <a:t>Folker – please note that they may run</a:t>
+            </a:r>
+            <a:r>
+              <a:rPr lang="en-US" b="1" baseline="0" dirty="0" smtClean="0"/>
+              <a:t> into a problem with the feature limit with the workspace.  </a:t>
             </a:r>
             <a:r>
               <a:rPr lang="en-US" baseline="0" dirty="0" smtClean="0"/>
-              <a:t> random healthy patient, fecal samples from HMP with DRISEE scores around 1.</a:t>
+              <a:t>This may be a great time to talk about how the CLI/R tools can overcome these limits – rather than having to whittle down the data they are looking at.</a:t>
             </a:r>
             <a:endParaRPr lang="en-US" dirty="0"/>
           </a:p>
@@ -1123,7 +1177,7 @@
     </p:spTree>
     <p:extLst>
       <p:ext uri="{BB962C8B-B14F-4D97-AF65-F5344CB8AC3E}">
-        <p14:creationId xmlns:p14="http://schemas.microsoft.com/office/powerpoint/2010/main" val="2881324708"/>
+        <p14:creationId xmlns:p14="http://schemas.microsoft.com/office/powerpoint/2010/main" val="4058247105"/>
       </p:ext>
     </p:extLst>
   </p:cSld>
@@ -1179,15 +1233,11 @@
           <a:p>
             <a:r>
               <a:rPr lang="en-US" dirty="0" smtClean="0"/>
-              <a:t>Enzymes examined by </a:t>
-            </a:r>
-            <a:r>
-              <a:rPr lang="en-US" dirty="0" err="1" smtClean="0"/>
-              <a:t>Tiedje</a:t>
-            </a:r>
-            <a:r>
-              <a:rPr lang="en-US" dirty="0" smtClean="0"/>
-              <a:t> et al in orange rectangle.</a:t>
+              <a:t>5</a:t>
+            </a:r>
+            <a:r>
+              <a:rPr lang="en-US" baseline="0" dirty="0" smtClean="0"/>
+              <a:t> random healthy patient, fecal samples from HMP with DRISEE scores around 1.</a:t>
             </a:r>
             <a:endParaRPr lang="en-US" dirty="0"/>
           </a:p>
@@ -1210,7 +1260,7 @@
           <a:p>
             <a:fld id="{97999313-7BED-0A41-ABB2-37ECF3C0903E}" type="slidenum">
               <a:rPr lang="en-US" smtClean="0"/>
-              <a:t>40</a:t>
+              <a:t>39</a:t>
             </a:fld>
             <a:endParaRPr lang="en-US"/>
           </a:p>
@@ -1219,7 +1269,7 @@
     </p:spTree>
     <p:extLst>
       <p:ext uri="{BB962C8B-B14F-4D97-AF65-F5344CB8AC3E}">
-        <p14:creationId xmlns:p14="http://schemas.microsoft.com/office/powerpoint/2010/main" val="4104628215"/>
+        <p14:creationId xmlns:p14="http://schemas.microsoft.com/office/powerpoint/2010/main" val="2881324708"/>
       </p:ext>
     </p:extLst>
   </p:cSld>
@@ -1273,37 +1323,22 @@
           <a:bodyPr/>
           <a:lstStyle/>
           <a:p>
-            <a:pPr marL="0" marR="0" indent="0" algn="l" defTabSz="457200" rtl="0" eaLnBrk="1" fontAlgn="auto" latinLnBrk="0" hangingPunct="1">
-              <a:lnSpc>
-                <a:spcPct val="100000"/>
-              </a:lnSpc>
-              <a:spcBef>
-                <a:spcPts val="0"/>
-              </a:spcBef>
-              <a:spcAft>
-                <a:spcPts val="0"/>
-              </a:spcAft>
-              <a:buClrTx/>
-              <a:buSzTx/>
-              <a:buFontTx/>
-              <a:buNone/>
-              <a:tabLst/>
-              <a:defRPr/>
-            </a:pPr>
-            <a:r>
-              <a:rPr lang="en-US" dirty="0" smtClean="0"/>
-              <a:t>Enzymes examined by </a:t>
+            <a:r>
+              <a:rPr lang="en-US" dirty="0" smtClean="0"/>
+              <a:t>Check out the </a:t>
             </a:r>
             <a:r>
               <a:rPr lang="en-US" dirty="0" err="1" smtClean="0"/>
-              <a:t>Tiedje</a:t>
-            </a:r>
-            <a:r>
-              <a:rPr lang="en-US" dirty="0" smtClean="0"/>
-              <a:t> et al in orange rectangle.</a:t>
-            </a:r>
-          </a:p>
-          <a:p>
+              <a:t>heatmap</a:t>
+            </a:r>
+            <a:r>
+              <a:rPr lang="en-US" dirty="0" smtClean="0"/>
+              <a:t> you created – what is the same, different in your sample?  How can you</a:t>
+            </a:r>
+            <a:r>
+              <a:rPr lang="en-US" baseline="0" dirty="0" smtClean="0"/>
+              <a:t> more quantitative information?  Create a table!</a:t>
+            </a:r>
             <a:endParaRPr lang="en-US" dirty="0"/>
           </a:p>
         </p:txBody>
@@ -1325,7 +1360,7 @@
           <a:p>
             <a:fld id="{97999313-7BED-0A41-ABB2-37ECF3C0903E}" type="slidenum">
               <a:rPr lang="en-US" smtClean="0"/>
-              <a:t>41</a:t>
+              <a:t>40</a:t>
             </a:fld>
             <a:endParaRPr lang="en-US"/>
           </a:p>
@@ -1334,7 +1369,103 @@
     </p:spTree>
     <p:extLst>
       <p:ext uri="{BB962C8B-B14F-4D97-AF65-F5344CB8AC3E}">
-        <p14:creationId xmlns:p14="http://schemas.microsoft.com/office/powerpoint/2010/main" val="2696457137"/>
+        <p14:creationId xmlns:p14="http://schemas.microsoft.com/office/powerpoint/2010/main" val="857275798"/>
+      </p:ext>
+    </p:extLst>
+  </p:cSld>
+  <p:clrMapOvr>
+    <a:masterClrMapping/>
+  </p:clrMapOvr>
+</p:notes>
+</file>
+
+<file path=ppt/notesSlides/notesSlide9.xml><?xml version="1.0" encoding="utf-8"?>
+<p:notes xmlns:a="http://schemas.openxmlformats.org/drawingml/2006/main" xmlns:r="http://schemas.openxmlformats.org/officeDocument/2006/relationships" xmlns:p="http://schemas.openxmlformats.org/presentationml/2006/main">
+  <p:cSld>
+    <p:spTree>
+      <p:nvGrpSpPr>
+        <p:cNvPr id="1" name=""/>
+        <p:cNvGrpSpPr/>
+        <p:nvPr/>
+      </p:nvGrpSpPr>
+      <p:grpSpPr>
+        <a:xfrm>
+          <a:off x="0" y="0"/>
+          <a:ext cx="0" cy="0"/>
+          <a:chOff x="0" y="0"/>
+          <a:chExt cx="0" cy="0"/>
+        </a:xfrm>
+      </p:grpSpPr>
+      <p:sp>
+        <p:nvSpPr>
+          <p:cNvPr id="2" name="Slide Image Placeholder 1"/>
+          <p:cNvSpPr>
+            <a:spLocks noGrp="1" noRot="1" noChangeAspect="1"/>
+          </p:cNvSpPr>
+          <p:nvPr>
+            <p:ph type="sldImg"/>
+          </p:nvPr>
+        </p:nvSpPr>
+        <p:spPr/>
+      </p:sp>
+      <p:sp>
+        <p:nvSpPr>
+          <p:cNvPr id="3" name="Notes Placeholder 2"/>
+          <p:cNvSpPr>
+            <a:spLocks noGrp="1"/>
+          </p:cNvSpPr>
+          <p:nvPr>
+            <p:ph type="body" idx="1"/>
+          </p:nvPr>
+        </p:nvSpPr>
+        <p:spPr/>
+        <p:txBody>
+          <a:bodyPr/>
+          <a:lstStyle/>
+          <a:p>
+            <a:r>
+              <a:rPr lang="en-US" dirty="0" smtClean="0"/>
+              <a:t>Enzymes examined by </a:t>
+            </a:r>
+            <a:r>
+              <a:rPr lang="en-US" dirty="0" err="1" smtClean="0"/>
+              <a:t>Tiedje</a:t>
+            </a:r>
+            <a:r>
+              <a:rPr lang="en-US" dirty="0" smtClean="0"/>
+              <a:t> et al in orange rectangle.</a:t>
+            </a:r>
+            <a:endParaRPr lang="en-US" dirty="0"/>
+          </a:p>
+        </p:txBody>
+      </p:sp>
+      <p:sp>
+        <p:nvSpPr>
+          <p:cNvPr id="4" name="Slide Number Placeholder 3"/>
+          <p:cNvSpPr>
+            <a:spLocks noGrp="1"/>
+          </p:cNvSpPr>
+          <p:nvPr>
+            <p:ph type="sldNum" sz="quarter" idx="10"/>
+          </p:nvPr>
+        </p:nvSpPr>
+        <p:spPr/>
+        <p:txBody>
+          <a:bodyPr/>
+          <a:lstStyle/>
+          <a:p>
+            <a:fld id="{97999313-7BED-0A41-ABB2-37ECF3C0903E}" type="slidenum">
+              <a:rPr lang="en-US" smtClean="0"/>
+              <a:t>43</a:t>
+            </a:fld>
+            <a:endParaRPr lang="en-US"/>
+          </a:p>
+        </p:txBody>
+      </p:sp>
+    </p:spTree>
+    <p:extLst>
+      <p:ext uri="{BB962C8B-B14F-4D97-AF65-F5344CB8AC3E}">
+        <p14:creationId xmlns:p14="http://schemas.microsoft.com/office/powerpoint/2010/main" val="4104628215"/>
       </p:ext>
     </p:extLst>
   </p:cSld>
@@ -5489,8 +5620,8 @@
         </p:nvSpPr>
         <p:spPr>
           <a:xfrm>
-            <a:off x="457200" y="1600200"/>
-            <a:ext cx="8229600" cy="4851400"/>
+            <a:off x="457200" y="1600199"/>
+            <a:ext cx="8229600" cy="5116689"/>
           </a:xfrm>
         </p:spPr>
         <p:txBody>
@@ -5580,8 +5711,9 @@
             </a:pPr>
             <a:r>
               <a:rPr lang="en-US" sz="2400" dirty="0" smtClean="0"/>
-              <a:t>Workbench data</a:t>
-            </a:r>
+              <a:t>Download from Workbench is also available</a:t>
+            </a:r>
+            <a:endParaRPr lang="en-US" sz="2400" dirty="0" smtClean="0"/>
           </a:p>
           <a:p>
             <a:pPr marL="0" indent="0">
@@ -5603,8 +5735,13 @@
             </a:r>
             <a:r>
               <a:rPr lang="en-US" sz="2400" b="1" dirty="0" smtClean="0"/>
-              <a:t>4472164.3 and download the sequence file that was provided at submission.</a:t>
-            </a:r>
+              <a:t>4472164.3 and download the sequence file that was provided at </a:t>
+            </a:r>
+            <a:r>
+              <a:rPr lang="en-US" sz="2400" b="1" dirty="0" smtClean="0"/>
+              <a:t>submission and the metadata file.</a:t>
+            </a:r>
+            <a:endParaRPr lang="en-US" sz="2400" b="1" dirty="0" smtClean="0"/>
           </a:p>
         </p:txBody>
       </p:sp>
@@ -5655,20 +5792,14 @@
             <p:ph type="title"/>
           </p:nvPr>
         </p:nvSpPr>
-        <p:spPr>
-          <a:solidFill>
-            <a:schemeClr val="accent3">
-              <a:lumMod val="75000"/>
-            </a:schemeClr>
-          </a:solidFill>
-        </p:spPr>
+        <p:spPr/>
         <p:txBody>
           <a:bodyPr/>
           <a:lstStyle/>
           <a:p>
             <a:r>
               <a:rPr lang="en-US" dirty="0" smtClean="0"/>
-              <a:t>Exercise 2. Upload and Submission</a:t>
+              <a:t>Metadata</a:t>
             </a:r>
             <a:endParaRPr lang="en-US" dirty="0"/>
           </a:p>
@@ -5687,67 +5818,78 @@
         <p:spPr/>
         <p:txBody>
           <a:bodyPr>
-            <a:normAutofit fontScale="92500"/>
+            <a:normAutofit fontScale="92500" lnSpcReduction="10000"/>
           </a:bodyPr>
           <a:lstStyle/>
           <a:p>
             <a:r>
               <a:rPr lang="en-US" dirty="0" smtClean="0"/>
-              <a:t>Typically, users will come in with their own data and/or looking to analyze public data.</a:t>
-            </a:r>
-          </a:p>
-          <a:p>
-            <a:r>
-              <a:rPr lang="en-US" dirty="0" smtClean="0"/>
-              <a:t>In order to analyze your data – follow some easy steps to upload and submit data.</a:t>
-            </a:r>
-          </a:p>
-          <a:p>
-            <a:r>
-              <a:rPr lang="en-US" dirty="0" smtClean="0"/>
-              <a:t>Time needed to process data varies considerably (average 2 weeks for WGS), depending on:</a:t>
+              <a:t>Open the metadata file you just downloaded.</a:t>
             </a:r>
           </a:p>
           <a:p>
             <a:pPr lvl="1"/>
             <a:r>
               <a:rPr lang="en-US" dirty="0" smtClean="0"/>
-              <a:t> the size of your data set(s), </a:t>
+              <a:t>Here is an example of what format the metadata is in.</a:t>
             </a:r>
           </a:p>
           <a:p>
             <a:pPr lvl="1"/>
             <a:r>
               <a:rPr lang="en-US" dirty="0" smtClean="0"/>
-              <a:t>whether you provide metadata and </a:t>
+              <a:t>Can open and edit in a text editor or excel</a:t>
             </a:r>
           </a:p>
           <a:p>
             <a:pPr lvl="1"/>
             <a:r>
               <a:rPr lang="en-US" dirty="0" smtClean="0"/>
-              <a:t>if you plan to publish data on MG-RAST.</a:t>
-            </a:r>
+              <a:t>Data is GSC compliant</a:t>
+            </a:r>
+          </a:p>
+          <a:p>
+            <a:r>
+              <a:rPr lang="en-US" dirty="0" smtClean="0"/>
+              <a:t>Metadata critical for analysis!</a:t>
+            </a:r>
+          </a:p>
+          <a:p>
+            <a:r>
+              <a:rPr lang="en-US" dirty="0" smtClean="0"/>
+              <a:t>When submitting metadata  - you can use an excel template we provide or use our online editor (</a:t>
+            </a:r>
+            <a:r>
+              <a:rPr lang="en-US" dirty="0" err="1" smtClean="0"/>
+              <a:t>Metazen</a:t>
+            </a:r>
+            <a:r>
+              <a:rPr lang="en-US" dirty="0" smtClean="0"/>
+              <a:t>).</a:t>
+            </a:r>
+          </a:p>
+          <a:p>
+            <a:pPr lvl="1"/>
+            <a:r>
+              <a:rPr lang="en-US" dirty="0" smtClean="0"/>
+              <a:t>Minimizes effort and reduces complexities of navigating standards.</a:t>
+            </a:r>
+          </a:p>
+          <a:p>
+            <a:endParaRPr lang="en-US" dirty="0"/>
           </a:p>
         </p:txBody>
       </p:sp>
     </p:spTree>
     <p:extLst>
       <p:ext uri="{BB962C8B-B14F-4D97-AF65-F5344CB8AC3E}">
-        <p14:creationId xmlns:p14="http://schemas.microsoft.com/office/powerpoint/2010/main" val="3711300022"/>
+        <p14:creationId xmlns:p14="http://schemas.microsoft.com/office/powerpoint/2010/main" val="659131582"/>
       </p:ext>
     </p:extLst>
   </p:cSld>
   <p:clrMapOvr>
     <a:masterClrMapping/>
   </p:clrMapOvr>
-  <p:timing>
-    <p:tnLst>
-      <p:par>
-        <p:cTn xmlns:p14="http://schemas.microsoft.com/office/powerpoint/2010/main" id="1" dur="indefinite" restart="never" nodeType="tmRoot"/>
-      </p:par>
-    </p:tnLst>
-  </p:timing>
 </p:sld>
 </file>
 
@@ -5779,19 +5921,21 @@
           </p:nvPr>
         </p:nvSpPr>
         <p:spPr>
-          <a:xfrm>
-            <a:off x="457200" y="189973"/>
-            <a:ext cx="8229600" cy="1143000"/>
-          </a:xfrm>
+          <a:solidFill>
+            <a:schemeClr val="accent3">
+              <a:lumMod val="75000"/>
+            </a:schemeClr>
+          </a:solidFill>
         </p:spPr>
         <p:txBody>
           <a:bodyPr/>
           <a:lstStyle/>
           <a:p>
             <a:r>
-              <a:rPr lang="en-US" dirty="0"/>
-              <a:t>Uploading to MG-RAST </a:t>
-            </a:r>
+              <a:rPr lang="en-US" dirty="0" smtClean="0"/>
+              <a:t>Exercise 2. Upload and Submission</a:t>
+            </a:r>
+            <a:endParaRPr lang="en-US" dirty="0"/>
           </a:p>
         </p:txBody>
       </p:sp>
@@ -5805,131 +5949,78 @@
             <p:ph idx="1"/>
           </p:nvPr>
         </p:nvSpPr>
-        <p:spPr>
-          <a:xfrm>
-            <a:off x="2573867" y="1244600"/>
-            <a:ext cx="6112933" cy="567267"/>
-          </a:xfrm>
-        </p:spPr>
+        <p:spPr/>
         <p:txBody>
           <a:bodyPr>
-            <a:noAutofit/>
+            <a:normAutofit fontScale="92500" lnSpcReduction="20000"/>
           </a:bodyPr>
           <a:lstStyle/>
           <a:p>
             <a:r>
-              <a:rPr lang="en-US" sz="2400" dirty="0" smtClean="0"/>
-              <a:t>Green “up” arrow takes you to upload.</a:t>
-            </a:r>
-          </a:p>
-          <a:p>
-            <a:r>
-              <a:rPr lang="en-US" sz="2400" b="1" dirty="0" smtClean="0"/>
-              <a:t>Use your downloaded </a:t>
-            </a:r>
-            <a:r>
-              <a:rPr lang="en-US" sz="2400" b="1" dirty="0"/>
-              <a:t>file for 4472164.3</a:t>
-            </a:r>
-            <a:endParaRPr lang="en-US" sz="2400" b="1" dirty="0" smtClean="0"/>
-          </a:p>
-        </p:txBody>
-      </p:sp>
-      <p:pic>
-        <p:nvPicPr>
-          <p:cNvPr id="5" name="Picture 4" descr="upload_button.png"/>
-          <p:cNvPicPr>
-            <a:picLocks noChangeAspect="1"/>
-          </p:cNvPicPr>
-          <p:nvPr/>
-        </p:nvPicPr>
-        <p:blipFill rotWithShape="1">
-          <a:blip r:embed="rId2">
-            <a:extLst>
-              <a:ext uri="{28A0092B-C50C-407E-A947-70E740481C1C}">
-                <a14:useLocalDpi xmlns:a14="http://schemas.microsoft.com/office/drawing/2010/main" val="0"/>
-              </a:ext>
-            </a:extLst>
-          </a:blip>
-          <a:srcRect t="9383"/>
-          <a:stretch/>
-        </p:blipFill>
-        <p:spPr>
-          <a:xfrm>
-            <a:off x="1947331" y="2125412"/>
-            <a:ext cx="7162800" cy="4868051"/>
-          </a:xfrm>
-          <a:prstGeom prst="rect">
-            <a:avLst/>
-          </a:prstGeom>
-        </p:spPr>
-      </p:pic>
-      <p:sp>
-        <p:nvSpPr>
-          <p:cNvPr id="6" name="TextBox 5"/>
-          <p:cNvSpPr txBox="1"/>
-          <p:nvPr/>
-        </p:nvSpPr>
-        <p:spPr>
-          <a:xfrm>
-            <a:off x="0" y="2780436"/>
-            <a:ext cx="2438400" cy="3416320"/>
-          </a:xfrm>
-          <a:prstGeom prst="rect">
-            <a:avLst/>
-          </a:prstGeom>
-          <a:noFill/>
-        </p:spPr>
-        <p:txBody>
-          <a:bodyPr wrap="square" rtlCol="0">
-            <a:spAutoFit/>
-          </a:bodyPr>
-          <a:lstStyle/>
-          <a:p>
-            <a:pPr marL="285750" indent="-285750">
-              <a:buFont typeface="Arial"/>
-              <a:buChar char="•"/>
-            </a:pPr>
-            <a:r>
-              <a:rPr lang="en-US" sz="2400" dirty="0" smtClean="0"/>
-              <a:t>Sequences can </a:t>
-            </a:r>
-            <a:r>
-              <a:rPr lang="en-US" sz="2400" dirty="0"/>
-              <a:t>be in FASTA, FASTQ, or SFF format. </a:t>
-            </a:r>
-            <a:endParaRPr lang="en-US" sz="2400" dirty="0" smtClean="0"/>
-          </a:p>
-          <a:p>
-            <a:pPr marL="285750" indent="-285750">
-              <a:buFont typeface="Arial"/>
-              <a:buChar char="•"/>
-            </a:pPr>
-            <a:endParaRPr lang="en-US" sz="2400" dirty="0"/>
-          </a:p>
-          <a:p>
-            <a:pPr marL="285750" indent="-285750">
-              <a:buFont typeface="Arial"/>
-              <a:buChar char="•"/>
-            </a:pPr>
-            <a:r>
-              <a:rPr lang="en-US" sz="2400" dirty="0"/>
-              <a:t>Can be compressed files.</a:t>
-            </a:r>
-          </a:p>
-          <a:p>
-            <a:pPr marL="285750" indent="-285750">
-              <a:buFont typeface="Arial"/>
-              <a:buChar char="•"/>
-            </a:pPr>
-            <a:endParaRPr lang="en-US" sz="2400" dirty="0"/>
+              <a:rPr lang="en-US" dirty="0" smtClean="0"/>
+              <a:t>Typically, users will come in with their own data and/or looking to analyze public data</a:t>
+            </a:r>
+            <a:r>
+              <a:rPr lang="en-US" dirty="0" smtClean="0"/>
+              <a:t>. </a:t>
+            </a:r>
+            <a:endParaRPr lang="en-US" dirty="0"/>
+          </a:p>
+          <a:p>
+            <a:pPr lvl="1"/>
+            <a:r>
+              <a:rPr lang="en-US" i="1" dirty="0" smtClean="0">
+                <a:solidFill>
+                  <a:srgbClr val="008000"/>
+                </a:solidFill>
+              </a:rPr>
+              <a:t>You can use the data you just downloaded to try out the upload if you don’t have data of your own.</a:t>
+            </a:r>
+            <a:endParaRPr lang="en-US" i="1" dirty="0" smtClean="0">
+              <a:solidFill>
+                <a:srgbClr val="008000"/>
+              </a:solidFill>
+            </a:endParaRPr>
+          </a:p>
+          <a:p>
+            <a:r>
+              <a:rPr lang="en-US" dirty="0" smtClean="0"/>
+              <a:t>In order to analyze your data – follow some easy steps to upload and submit data.</a:t>
+            </a:r>
+          </a:p>
+          <a:p>
+            <a:r>
+              <a:rPr lang="en-US" dirty="0" smtClean="0"/>
+              <a:t>Time needed to process data varies considerably (average 2 weeks for WGS), depending on:</a:t>
+            </a:r>
+          </a:p>
+          <a:p>
+            <a:pPr lvl="1"/>
+            <a:r>
+              <a:rPr lang="en-US" dirty="0" smtClean="0"/>
+              <a:t> the size of your data set(s), </a:t>
+            </a:r>
+          </a:p>
+          <a:p>
+            <a:pPr lvl="1"/>
+            <a:r>
+              <a:rPr lang="en-US" dirty="0" smtClean="0"/>
+              <a:t>whether you provide metadata and </a:t>
+            </a:r>
+          </a:p>
+          <a:p>
+            <a:pPr lvl="1"/>
+            <a:r>
+              <a:rPr lang="en-US" dirty="0" smtClean="0"/>
+              <a:t>if you plan to publish data on MG-RAST.</a:t>
+            </a:r>
           </a:p>
         </p:txBody>
       </p:sp>
     </p:spTree>
     <p:extLst>
       <p:ext uri="{BB962C8B-B14F-4D97-AF65-F5344CB8AC3E}">
-        <p14:creationId xmlns:p14="http://schemas.microsoft.com/office/powerpoint/2010/main" val="1803441012"/>
+        <p14:creationId xmlns:p14="http://schemas.microsoft.com/office/powerpoint/2010/main" val="3711300022"/>
       </p:ext>
     </p:extLst>
   </p:cSld>
@@ -5973,22 +6064,60 @@
             <p:ph type="title"/>
           </p:nvPr>
         </p:nvSpPr>
-        <p:spPr/>
+        <p:spPr>
+          <a:xfrm>
+            <a:off x="457200" y="189973"/>
+            <a:ext cx="8229600" cy="1143000"/>
+          </a:xfrm>
+        </p:spPr>
         <p:txBody>
           <a:bodyPr/>
           <a:lstStyle/>
           <a:p>
             <a:r>
-              <a:rPr lang="en-US" dirty="0" smtClean="0"/>
-              <a:t>Elements of the file browser</a:t>
-            </a:r>
-            <a:endParaRPr lang="en-US" dirty="0"/>
+              <a:rPr lang="en-US" dirty="0"/>
+              <a:t>Uploading to MG-RAST </a:t>
+            </a:r>
+          </a:p>
+        </p:txBody>
+      </p:sp>
+      <p:sp>
+        <p:nvSpPr>
+          <p:cNvPr id="3" name="Content Placeholder 2"/>
+          <p:cNvSpPr>
+            <a:spLocks noGrp="1"/>
+          </p:cNvSpPr>
+          <p:nvPr>
+            <p:ph idx="1"/>
+          </p:nvPr>
+        </p:nvSpPr>
+        <p:spPr>
+          <a:xfrm>
+            <a:off x="28222" y="1558145"/>
+            <a:ext cx="6112933" cy="567267"/>
+          </a:xfrm>
+        </p:spPr>
+        <p:txBody>
+          <a:bodyPr>
+            <a:noAutofit/>
+          </a:bodyPr>
+          <a:lstStyle/>
+          <a:p>
+            <a:r>
+              <a:rPr lang="en-US" sz="2400" dirty="0" smtClean="0"/>
+              <a:t>Green “up” arrow takes you to </a:t>
+            </a:r>
+            <a:r>
+              <a:rPr lang="en-US" sz="2400" dirty="0" smtClean="0"/>
+              <a:t>upload</a:t>
+            </a:r>
+            <a:endParaRPr lang="en-US" sz="2400" dirty="0" smtClean="0"/>
           </a:p>
         </p:txBody>
       </p:sp>
       <p:pic>
         <p:nvPicPr>
-          <p:cNvPr id="4" name="Picture 3" descr="upload_inbox.png"/>
+          <p:cNvPr id="5" name="Picture 4" descr="upload_button.png"/>
           <p:cNvPicPr>
             <a:picLocks noChangeAspect="1"/>
           </p:cNvPicPr>
@@ -6002,29 +6131,98 @@
               </a:ext>
             </a:extLst>
           </a:blip>
-          <a:srcRect t="5017" b="6800"/>
+          <a:srcRect t="9383"/>
           <a:stretch/>
         </p:blipFill>
         <p:spPr>
           <a:xfrm>
-            <a:off x="677333" y="1637771"/>
-            <a:ext cx="7636933" cy="5050895"/>
+            <a:off x="1947331" y="2125412"/>
+            <a:ext cx="7162800" cy="4868051"/>
           </a:xfrm>
           <a:prstGeom prst="rect">
             <a:avLst/>
           </a:prstGeom>
         </p:spPr>
       </p:pic>
+      <p:sp>
+        <p:nvSpPr>
+          <p:cNvPr id="6" name="TextBox 5"/>
+          <p:cNvSpPr txBox="1"/>
+          <p:nvPr/>
+        </p:nvSpPr>
+        <p:spPr>
+          <a:xfrm>
+            <a:off x="0" y="2780436"/>
+            <a:ext cx="2438400" cy="3416320"/>
+          </a:xfrm>
+          <a:prstGeom prst="rect">
+            <a:avLst/>
+          </a:prstGeom>
+          <a:noFill/>
+        </p:spPr>
+        <p:txBody>
+          <a:bodyPr wrap="square" rtlCol="0">
+            <a:spAutoFit/>
+          </a:bodyPr>
+          <a:lstStyle/>
+          <a:p>
+            <a:pPr marL="285750" indent="-285750">
+              <a:buFont typeface="Arial"/>
+              <a:buChar char="•"/>
+            </a:pPr>
+            <a:r>
+              <a:rPr lang="en-US" sz="2400" dirty="0" smtClean="0"/>
+              <a:t>Sequences can </a:t>
+            </a:r>
+            <a:r>
+              <a:rPr lang="en-US" sz="2400" dirty="0"/>
+              <a:t>be in FASTA, FASTQ, or SFF format. </a:t>
+            </a:r>
+            <a:endParaRPr lang="en-US" sz="2400" dirty="0" smtClean="0"/>
+          </a:p>
+          <a:p>
+            <a:pPr marL="285750" indent="-285750">
+              <a:buFont typeface="Arial"/>
+              <a:buChar char="•"/>
+            </a:pPr>
+            <a:endParaRPr lang="en-US" sz="2400" dirty="0"/>
+          </a:p>
+          <a:p>
+            <a:pPr marL="285750" indent="-285750">
+              <a:buFont typeface="Arial"/>
+              <a:buChar char="•"/>
+            </a:pPr>
+            <a:r>
+              <a:rPr lang="en-US" sz="2400" dirty="0"/>
+              <a:t>Can be compressed files.</a:t>
+            </a:r>
+          </a:p>
+          <a:p>
+            <a:pPr marL="285750" indent="-285750">
+              <a:buFont typeface="Arial"/>
+              <a:buChar char="•"/>
+            </a:pPr>
+            <a:endParaRPr lang="en-US" sz="2400" dirty="0"/>
+          </a:p>
+        </p:txBody>
+      </p:sp>
     </p:spTree>
     <p:extLst>
       <p:ext uri="{BB962C8B-B14F-4D97-AF65-F5344CB8AC3E}">
-        <p14:creationId xmlns:p14="http://schemas.microsoft.com/office/powerpoint/2010/main" val="3676819297"/>
+        <p14:creationId xmlns:p14="http://schemas.microsoft.com/office/powerpoint/2010/main" val="1803441012"/>
       </p:ext>
     </p:extLst>
   </p:cSld>
   <p:clrMapOvr>
     <a:masterClrMapping/>
   </p:clrMapOvr>
+  <p:timing>
+    <p:tnLst>
+      <p:par>
+        <p:cTn xmlns:p14="http://schemas.microsoft.com/office/powerpoint/2010/main" id="1" dur="indefinite" restart="never" nodeType="tmRoot"/>
+      </p:par>
+    </p:tnLst>
+  </p:timing>
 </p:sld>
 </file>
 
@@ -6062,7 +6260,7 @@
           <a:p>
             <a:r>
               <a:rPr lang="en-US" dirty="0" smtClean="0"/>
-              <a:t>Upload progress</a:t>
+              <a:t>Elements of the file browser</a:t>
             </a:r>
             <a:endParaRPr lang="en-US" dirty="0"/>
           </a:p>
@@ -6070,13 +6268,13 @@
       </p:sp>
       <p:pic>
         <p:nvPicPr>
-          <p:cNvPr id="4" name="Picture 3" descr="upload_progress.png"/>
+          <p:cNvPr id="4" name="Picture 3" descr="upload_inbox.png"/>
           <p:cNvPicPr>
             <a:picLocks noChangeAspect="1"/>
           </p:cNvPicPr>
           <p:nvPr/>
         </p:nvPicPr>
-        <p:blipFill>
+        <p:blipFill rotWithShape="1">
           <a:blip r:embed="rId2">
             <a:extLst>
               <a:ext uri="{28A0092B-C50C-407E-A947-70E740481C1C}">
@@ -6084,14 +6282,13 @@
               </a:ext>
             </a:extLst>
           </a:blip>
-          <a:stretch>
-            <a:fillRect/>
-          </a:stretch>
+          <a:srcRect t="5017" b="6800"/>
+          <a:stretch/>
         </p:blipFill>
         <p:spPr>
           <a:xfrm>
-            <a:off x="757767" y="1417638"/>
-            <a:ext cx="7742767" cy="4589506"/>
+            <a:off x="677333" y="1637771"/>
+            <a:ext cx="7636933" cy="5050895"/>
           </a:xfrm>
           <a:prstGeom prst="rect">
             <a:avLst/>
@@ -6101,7 +6298,7 @@
     </p:spTree>
     <p:extLst>
       <p:ext uri="{BB962C8B-B14F-4D97-AF65-F5344CB8AC3E}">
-        <p14:creationId xmlns:p14="http://schemas.microsoft.com/office/powerpoint/2010/main" val="2445289125"/>
+        <p14:creationId xmlns:p14="http://schemas.microsoft.com/office/powerpoint/2010/main" val="3676819297"/>
       </p:ext>
     </p:extLst>
   </p:cSld>
@@ -6313,6 +6510,89 @@
           <a:p>
             <a:r>
               <a:rPr lang="en-US" dirty="0" smtClean="0"/>
+              <a:t>Upload progress</a:t>
+            </a:r>
+            <a:endParaRPr lang="en-US" dirty="0"/>
+          </a:p>
+        </p:txBody>
+      </p:sp>
+      <p:pic>
+        <p:nvPicPr>
+          <p:cNvPr id="4" name="Picture 3" descr="upload_progress.png"/>
+          <p:cNvPicPr>
+            <a:picLocks noChangeAspect="1"/>
+          </p:cNvPicPr>
+          <p:nvPr/>
+        </p:nvPicPr>
+        <p:blipFill>
+          <a:blip r:embed="rId2">
+            <a:extLst>
+              <a:ext uri="{28A0092B-C50C-407E-A947-70E740481C1C}">
+                <a14:useLocalDpi xmlns:a14="http://schemas.microsoft.com/office/drawing/2010/main" val="0"/>
+              </a:ext>
+            </a:extLst>
+          </a:blip>
+          <a:stretch>
+            <a:fillRect/>
+          </a:stretch>
+        </p:blipFill>
+        <p:spPr>
+          <a:xfrm>
+            <a:off x="757767" y="1417638"/>
+            <a:ext cx="7742767" cy="4589506"/>
+          </a:xfrm>
+          <a:prstGeom prst="rect">
+            <a:avLst/>
+          </a:prstGeom>
+        </p:spPr>
+      </p:pic>
+    </p:spTree>
+    <p:extLst>
+      <p:ext uri="{BB962C8B-B14F-4D97-AF65-F5344CB8AC3E}">
+        <p14:creationId xmlns:p14="http://schemas.microsoft.com/office/powerpoint/2010/main" val="2445289125"/>
+      </p:ext>
+    </p:extLst>
+  </p:cSld>
+  <p:clrMapOvr>
+    <a:masterClrMapping/>
+  </p:clrMapOvr>
+</p:sld>
+</file>
+
+<file path=ppt/slides/slide21.xml><?xml version="1.0" encoding="utf-8"?>
+<p:sld xmlns:a="http://schemas.openxmlformats.org/drawingml/2006/main" xmlns:r="http://schemas.openxmlformats.org/officeDocument/2006/relationships" xmlns:p="http://schemas.openxmlformats.org/presentationml/2006/main">
+  <p:cSld>
+    <p:spTree>
+      <p:nvGrpSpPr>
+        <p:cNvPr id="1" name=""/>
+        <p:cNvGrpSpPr/>
+        <p:nvPr/>
+      </p:nvGrpSpPr>
+      <p:grpSpPr>
+        <a:xfrm>
+          <a:off x="0" y="0"/>
+          <a:ext cx="0" cy="0"/>
+          <a:chOff x="0" y="0"/>
+          <a:chExt cx="0" cy="0"/>
+        </a:xfrm>
+      </p:grpSpPr>
+      <p:sp>
+        <p:nvSpPr>
+          <p:cNvPr id="2" name="Title 1"/>
+          <p:cNvSpPr>
+            <a:spLocks noGrp="1"/>
+          </p:cNvSpPr>
+          <p:nvPr>
+            <p:ph type="title"/>
+          </p:nvPr>
+        </p:nvSpPr>
+        <p:spPr/>
+        <p:txBody>
+          <a:bodyPr/>
+          <a:lstStyle/>
+          <a:p>
+            <a:r>
+              <a:rPr lang="en-US" dirty="0" smtClean="0"/>
               <a:t>Now to submit your data</a:t>
             </a:r>
             <a:endParaRPr lang="en-US" dirty="0"/>
@@ -6412,7 +6692,7 @@
 </p:sld>
 </file>
 
-<file path=ppt/slides/slide21.xml><?xml version="1.0" encoding="utf-8"?>
+<file path=ppt/slides/slide22.xml><?xml version="1.0" encoding="utf-8"?>
 <p:sld xmlns:a="http://schemas.openxmlformats.org/drawingml/2006/main" xmlns:r="http://schemas.openxmlformats.org/officeDocument/2006/relationships" xmlns:p="http://schemas.openxmlformats.org/presentationml/2006/main">
   <p:cSld>
     <p:spTree>
@@ -6669,7 +6949,7 @@
 </p:sld>
 </file>
 
-<file path=ppt/slides/slide22.xml><?xml version="1.0" encoding="utf-8"?>
+<file path=ppt/slides/slide23.xml><?xml version="1.0" encoding="utf-8"?>
 <p:sld xmlns:a="http://schemas.openxmlformats.org/drawingml/2006/main" xmlns:r="http://schemas.openxmlformats.org/officeDocument/2006/relationships" xmlns:p="http://schemas.openxmlformats.org/presentationml/2006/main">
   <p:cSld>
     <p:spTree>
@@ -6857,7 +7137,7 @@
 </p:sld>
 </file>
 
-<file path=ppt/slides/slide23.xml><?xml version="1.0" encoding="utf-8"?>
+<file path=ppt/slides/slide24.xml><?xml version="1.0" encoding="utf-8"?>
 <p:sld xmlns:a="http://schemas.openxmlformats.org/drawingml/2006/main" xmlns:r="http://schemas.openxmlformats.org/officeDocument/2006/relationships" xmlns:p="http://schemas.openxmlformats.org/presentationml/2006/main">
   <p:cSld>
     <p:spTree>
@@ -6946,7 +7226,7 @@
             <a:r>
               <a:rPr lang="en-US" sz="2000" dirty="0" smtClean="0">
                 <a:solidFill>
-                  <a:srgbClr val="3366FF"/>
+                  <a:srgbClr val="008000"/>
                 </a:solidFill>
               </a:rPr>
               <a:t>Vital </a:t>
@@ -6954,7 +7234,7 @@
             <a:r>
               <a:rPr lang="en-US" sz="2000" dirty="0">
                 <a:solidFill>
-                  <a:srgbClr val="3366FF"/>
+                  <a:srgbClr val="008000"/>
                 </a:solidFill>
               </a:rPr>
               <a:t>M, Howe AC, </a:t>
@@ -6962,7 +7242,7 @@
             <a:r>
               <a:rPr lang="en-US" sz="2000" dirty="0" err="1">
                 <a:solidFill>
-                  <a:srgbClr val="3366FF"/>
+                  <a:srgbClr val="008000"/>
                 </a:solidFill>
               </a:rPr>
               <a:t>Tiedje</a:t>
@@ -6970,7 +7250,7 @@
             <a:r>
               <a:rPr lang="en-US" sz="2000" dirty="0">
                 <a:solidFill>
-                  <a:srgbClr val="3366FF"/>
+                  <a:srgbClr val="008000"/>
                 </a:solidFill>
               </a:rPr>
               <a:t> JM. </a:t>
@@ -6978,7 +7258,7 @@
             <a:r>
               <a:rPr lang="en-US" sz="2000" b="1" i="1" dirty="0">
                 <a:solidFill>
-                  <a:srgbClr val="3366FF"/>
+                  <a:srgbClr val="008000"/>
                 </a:solidFill>
               </a:rPr>
               <a:t>Revealing the bacterial butyrate synthesis pathways by analyzing (meta)genomic data</a:t>
@@ -6986,7 +7266,7 @@
             <a:r>
               <a:rPr lang="en-US" sz="2000" dirty="0">
                 <a:solidFill>
-                  <a:srgbClr val="3366FF"/>
+                  <a:srgbClr val="008000"/>
                 </a:solidFill>
               </a:rPr>
               <a:t>. </a:t>
@@ -6994,7 +7274,7 @@
             <a:r>
               <a:rPr lang="en-US" sz="2000" dirty="0" err="1">
                 <a:solidFill>
-                  <a:srgbClr val="3366FF"/>
+                  <a:srgbClr val="008000"/>
                 </a:solidFill>
               </a:rPr>
               <a:t>MBio</a:t>
@@ -7002,7 +7282,7 @@
             <a:r>
               <a:rPr lang="en-US" sz="2000" dirty="0">
                 <a:solidFill>
-                  <a:srgbClr val="3366FF"/>
+                  <a:srgbClr val="008000"/>
                 </a:solidFill>
               </a:rPr>
               <a:t>. 2014 Apr 22;5(2):e00889. PubMed PMID: 24757212</a:t>
@@ -7010,8 +7290,12 @@
           </a:p>
           <a:p>
             <a:r>
+              <a:rPr lang="en-US" sz="2400" dirty="0" smtClean="0"/>
+              <a:t>They screened </a:t>
+            </a:r>
+            <a:r>
               <a:rPr lang="en-US" sz="2400" dirty="0"/>
-              <a:t>Screen for butyrate synthesis pathways in 15 metagenomes from stool samples of healthy </a:t>
+              <a:t>for butyrate synthesis pathways in 15 metagenomes from stool samples of healthy </a:t>
             </a:r>
             <a:r>
               <a:rPr lang="en-US" sz="2400" dirty="0" smtClean="0"/>
@@ -7037,8 +7321,25 @@
             <a:pPr lvl="1"/>
             <a:r>
               <a:rPr lang="en-US" sz="2000" dirty="0" smtClean="0"/>
-              <a:t>Used “expensive” methods to annotate – Use MG-RAST to screen to reduce compute.</a:t>
-            </a:r>
+              <a:t>Used “expensive” methods to annotate – Use MG-RAST to screen to reduce compute</a:t>
+            </a:r>
+            <a:r>
+              <a:rPr lang="en-US" sz="2000" dirty="0" smtClean="0"/>
+              <a:t>.  </a:t>
+            </a:r>
+            <a:r>
+              <a:rPr lang="en-US" sz="2000" dirty="0" smtClean="0"/>
+              <a:t>(e.g. Run pipeline, search and download subset and run through other tools (like </a:t>
+            </a:r>
+            <a:r>
+              <a:rPr lang="en-US" sz="2000" dirty="0" err="1" smtClean="0"/>
+              <a:t>Pfam</a:t>
+            </a:r>
+            <a:r>
+              <a:rPr lang="en-US" sz="2000" dirty="0" smtClean="0"/>
+              <a:t>).</a:t>
+            </a:r>
+            <a:endParaRPr lang="en-US" sz="2000" dirty="0" smtClean="0"/>
           </a:p>
         </p:txBody>
       </p:sp>
@@ -7062,7 +7363,7 @@
 </p:sld>
 </file>
 
-<file path=ppt/slides/slide24.xml><?xml version="1.0" encoding="utf-8"?>
+<file path=ppt/slides/slide25.xml><?xml version="1.0" encoding="utf-8"?>
 <p:sld xmlns:a="http://schemas.openxmlformats.org/drawingml/2006/main" xmlns:r="http://schemas.openxmlformats.org/officeDocument/2006/relationships" xmlns:p="http://schemas.openxmlformats.org/presentationml/2006/main">
   <p:cSld>
     <p:spTree>
@@ -7493,7 +7794,7 @@
 </p:sld>
 </file>
 
-<file path=ppt/slides/slide25.xml><?xml version="1.0" encoding="utf-8"?>
+<file path=ppt/slides/slide26.xml><?xml version="1.0" encoding="utf-8"?>
 <p:sld xmlns:a="http://schemas.openxmlformats.org/drawingml/2006/main" xmlns:r="http://schemas.openxmlformats.org/officeDocument/2006/relationships" xmlns:p="http://schemas.openxmlformats.org/presentationml/2006/main">
   <p:cSld>
     <p:spTree>
@@ -7723,7 +8024,7 @@
 </p:sld>
 </file>
 
-<file path=ppt/slides/slide26.xml><?xml version="1.0" encoding="utf-8"?>
+<file path=ppt/slides/slide27.xml><?xml version="1.0" encoding="utf-8"?>
 <p:sld xmlns:a="http://schemas.openxmlformats.org/drawingml/2006/main" xmlns:r="http://schemas.openxmlformats.org/officeDocument/2006/relationships" xmlns:p="http://schemas.openxmlformats.org/presentationml/2006/main">
   <p:cSld>
     <p:spTree>
@@ -7800,28 +8101,32 @@
             <a:pPr marL="0" indent="0">
               <a:buNone/>
             </a:pPr>
-            <a:r>
-              <a:rPr lang="en-US" dirty="0"/>
-              <a:t>	</a:t>
-            </a:r>
-            <a:r>
-              <a:rPr lang="en-US" sz="1500" i="1" dirty="0" smtClean="0"/>
-              <a:t>Note:  A DRISEE score of zero means the metagenome did not meet standards for calculation. </a:t>
-            </a:r>
+            <a:endParaRPr lang="en-US" dirty="0"/>
           </a:p>
           <a:p>
             <a:pPr marL="0" indent="0">
               <a:buNone/>
             </a:pPr>
-            <a:endParaRPr lang="en-US" dirty="0"/>
+            <a:r>
+              <a:rPr lang="en-US" dirty="0" smtClean="0"/>
+              <a:t>Look at the one with best quality (lowest score) and the one with the worst (highest score) </a:t>
+            </a:r>
           </a:p>
           <a:p>
             <a:pPr marL="0" indent="0">
               <a:buNone/>
             </a:pPr>
             <a:r>
-              <a:rPr lang="en-US" dirty="0" smtClean="0"/>
-              <a:t>Look at the one with best quality (lowest score) and the one with the worst (highest score) </a:t>
+              <a:rPr lang="en-US" dirty="0"/>
+              <a:t>	</a:t>
+            </a:r>
+            <a:r>
+              <a:rPr lang="en-US" sz="1500" i="1" dirty="0">
+                <a:solidFill>
+                  <a:srgbClr val="008000"/>
+                </a:solidFill>
+              </a:rPr>
+              <a:t>Note:  A DRISEE score of zero means the metagenome did not meet standards for calculation. </a:t>
             </a:r>
           </a:p>
           <a:p>
@@ -7839,6 +8144,59 @@
               <a:t>Clicking on the metagenome IDs takes you to the Overview page with a summary of the annotation and analysis.  </a:t>
             </a:r>
             <a:endParaRPr lang="en-US" dirty="0"/>
+          </a:p>
+        </p:txBody>
+      </p:sp>
+      <p:sp>
+        <p:nvSpPr>
+          <p:cNvPr id="4" name="Left-Right Arrow 3"/>
+          <p:cNvSpPr/>
+          <p:nvPr/>
+        </p:nvSpPr>
+        <p:spPr>
+          <a:xfrm>
+            <a:off x="4007556" y="2144889"/>
+            <a:ext cx="4445000" cy="437444"/>
+          </a:xfrm>
+          <a:prstGeom prst="leftRightArrow">
+            <a:avLst/>
+          </a:prstGeom>
+          <a:gradFill flip="none" rotWithShape="1">
+            <a:gsLst>
+              <a:gs pos="0">
+                <a:srgbClr val="00FF00"/>
+              </a:gs>
+              <a:gs pos="100000">
+                <a:srgbClr val="FF0000"/>
+              </a:gs>
+              <a:gs pos="50000">
+                <a:srgbClr val="FFFF00"/>
+              </a:gs>
+            </a:gsLst>
+            <a:lin ang="0" scaled="1"/>
+            <a:tileRect/>
+          </a:gradFill>
+        </p:spPr>
+        <p:style>
+          <a:lnRef idx="1">
+            <a:schemeClr val="accent1"/>
+          </a:lnRef>
+          <a:fillRef idx="3">
+            <a:schemeClr val="accent1"/>
+          </a:fillRef>
+          <a:effectRef idx="2">
+            <a:schemeClr val="accent1"/>
+          </a:effectRef>
+          <a:fontRef idx="minor">
+            <a:schemeClr val="lt1"/>
+          </a:fontRef>
+        </p:style>
+        <p:txBody>
+          <a:bodyPr rtlCol="0" anchor="ctr"/>
+          <a:lstStyle/>
+          <a:p>
+            <a:pPr algn="ctr"/>
+            <a:endParaRPr lang="en-US"/>
           </a:p>
         </p:txBody>
       </p:sp>
@@ -7862,133 +8220,6 @@
 </p:sld>
 </file>
 
-<file path=ppt/slides/slide27.xml><?xml version="1.0" encoding="utf-8"?>
-<p:sld xmlns:a="http://schemas.openxmlformats.org/drawingml/2006/main" xmlns:r="http://schemas.openxmlformats.org/officeDocument/2006/relationships" xmlns:p="http://schemas.openxmlformats.org/presentationml/2006/main">
-  <p:cSld>
-    <p:spTree>
-      <p:nvGrpSpPr>
-        <p:cNvPr id="1" name=""/>
-        <p:cNvGrpSpPr/>
-        <p:nvPr/>
-      </p:nvGrpSpPr>
-      <p:grpSpPr>
-        <a:xfrm>
-          <a:off x="0" y="0"/>
-          <a:ext cx="0" cy="0"/>
-          <a:chOff x="0" y="0"/>
-          <a:chExt cx="0" cy="0"/>
-        </a:xfrm>
-      </p:grpSpPr>
-      <p:sp>
-        <p:nvSpPr>
-          <p:cNvPr id="2" name="Title 1"/>
-          <p:cNvSpPr>
-            <a:spLocks noGrp="1"/>
-          </p:cNvSpPr>
-          <p:nvPr>
-            <p:ph type="title"/>
-          </p:nvPr>
-        </p:nvSpPr>
-        <p:spPr/>
-        <p:txBody>
-          <a:bodyPr/>
-          <a:lstStyle/>
-          <a:p>
-            <a:r>
-              <a:rPr lang="en-US" dirty="0" smtClean="0"/>
-              <a:t>Metagenome overviews</a:t>
-            </a:r>
-            <a:endParaRPr lang="en-US" dirty="0"/>
-          </a:p>
-        </p:txBody>
-      </p:sp>
-      <p:sp>
-        <p:nvSpPr>
-          <p:cNvPr id="3" name="Content Placeholder 2"/>
-          <p:cNvSpPr>
-            <a:spLocks noGrp="1"/>
-          </p:cNvSpPr>
-          <p:nvPr>
-            <p:ph idx="1"/>
-          </p:nvPr>
-        </p:nvSpPr>
-        <p:spPr/>
-        <p:txBody>
-          <a:bodyPr>
-            <a:normAutofit fontScale="92500"/>
-          </a:bodyPr>
-          <a:lstStyle/>
-          <a:p>
-            <a:r>
-              <a:rPr lang="en-US" dirty="0" smtClean="0"/>
-              <a:t>Provides information on:</a:t>
-            </a:r>
-          </a:p>
-          <a:p>
-            <a:r>
-              <a:rPr lang="en-US" dirty="0" smtClean="0"/>
-              <a:t>Summary of the annotation run (what was annotated, what was not)</a:t>
-            </a:r>
-          </a:p>
-          <a:p>
-            <a:r>
-              <a:rPr lang="en-US" dirty="0" smtClean="0"/>
-              <a:t>QC</a:t>
-            </a:r>
-          </a:p>
-          <a:p>
-            <a:r>
-              <a:rPr lang="en-US" dirty="0"/>
-              <a:t>T</a:t>
-            </a:r>
-            <a:r>
-              <a:rPr lang="en-US" dirty="0" smtClean="0"/>
-              <a:t>axonomic breakdown</a:t>
-            </a:r>
-          </a:p>
-          <a:p>
-            <a:r>
-              <a:rPr lang="en-US" dirty="0" smtClean="0"/>
-              <a:t>(for WGS) Functional breakdown</a:t>
-            </a:r>
-          </a:p>
-          <a:p>
-            <a:r>
-              <a:rPr lang="en-US" dirty="0" smtClean="0"/>
-              <a:t>Technical data</a:t>
-            </a:r>
-          </a:p>
-          <a:p>
-            <a:r>
-              <a:rPr lang="en-US" dirty="0" smtClean="0"/>
-              <a:t>Links to </a:t>
-            </a:r>
-            <a:r>
-              <a:rPr lang="en-US" dirty="0" smtClean="0">
-                <a:sym typeface="Wingdings"/>
-              </a:rPr>
-              <a:t> Download, Analysis tools, and Search</a:t>
-            </a:r>
-            <a:endParaRPr lang="en-US" dirty="0" smtClean="0"/>
-          </a:p>
-          <a:p>
-            <a:endParaRPr lang="en-US" dirty="0"/>
-          </a:p>
-        </p:txBody>
-      </p:sp>
-    </p:spTree>
-    <p:extLst>
-      <p:ext uri="{BB962C8B-B14F-4D97-AF65-F5344CB8AC3E}">
-        <p14:creationId xmlns:p14="http://schemas.microsoft.com/office/powerpoint/2010/main" val="4112013817"/>
-      </p:ext>
-    </p:extLst>
-  </p:cSld>
-  <p:clrMapOvr>
-    <a:masterClrMapping/>
-  </p:clrMapOvr>
-</p:sld>
-</file>
-
 <file path=ppt/slides/slide28.xml><?xml version="1.0" encoding="utf-8"?>
 <p:sld xmlns:a="http://schemas.openxmlformats.org/drawingml/2006/main" xmlns:r="http://schemas.openxmlformats.org/officeDocument/2006/relationships" xmlns:p="http://schemas.openxmlformats.org/presentationml/2006/main">
   <p:cSld>
@@ -8016,19 +8247,113 @@
             <p:ph type="title"/>
           </p:nvPr>
         </p:nvSpPr>
-        <p:spPr>
-          <a:xfrm>
-            <a:off x="457200" y="122241"/>
-            <a:ext cx="8229600" cy="1143000"/>
-          </a:xfrm>
-        </p:spPr>
+        <p:spPr/>
         <p:txBody>
           <a:bodyPr/>
           <a:lstStyle/>
           <a:p>
             <a:r>
               <a:rPr lang="en-US" dirty="0" smtClean="0"/>
-              <a:t>Example Sections of Overview</a:t>
+              <a:t>Metagenome overviews</a:t>
+            </a:r>
+            <a:endParaRPr lang="en-US" dirty="0"/>
+          </a:p>
+        </p:txBody>
+      </p:sp>
+      <p:sp>
+        <p:nvSpPr>
+          <p:cNvPr id="3" name="Content Placeholder 2"/>
+          <p:cNvSpPr>
+            <a:spLocks noGrp="1"/>
+          </p:cNvSpPr>
+          <p:nvPr>
+            <p:ph idx="1"/>
+          </p:nvPr>
+        </p:nvSpPr>
+        <p:spPr/>
+        <p:txBody>
+          <a:bodyPr>
+            <a:normAutofit/>
+          </a:bodyPr>
+          <a:lstStyle/>
+          <a:p>
+            <a:r>
+              <a:rPr lang="en-US" dirty="0" smtClean="0"/>
+              <a:t>Provide </a:t>
+            </a:r>
+            <a:r>
+              <a:rPr lang="en-US" dirty="0" smtClean="0"/>
+              <a:t>information on:</a:t>
+            </a:r>
+          </a:p>
+          <a:p>
+            <a:pPr lvl="1"/>
+            <a:r>
+              <a:rPr lang="en-US" dirty="0" smtClean="0"/>
+              <a:t>Summary of the annotation run </a:t>
+            </a:r>
+            <a:r>
+              <a:rPr lang="en-US" sz="1800" dirty="0" smtClean="0"/>
+              <a:t>(annotated</a:t>
+            </a:r>
+            <a:r>
+              <a:rPr lang="en-US" sz="1800" dirty="0" smtClean="0"/>
+              <a:t>, </a:t>
+            </a:r>
+            <a:r>
+              <a:rPr lang="en-US" sz="1800" dirty="0" err="1" smtClean="0"/>
+              <a:t>unannotated</a:t>
+            </a:r>
+            <a:r>
+              <a:rPr lang="en-US" sz="1800" dirty="0" smtClean="0"/>
+              <a:t>)</a:t>
+            </a:r>
+            <a:endParaRPr lang="en-US" dirty="0" smtClean="0"/>
+          </a:p>
+          <a:p>
+            <a:pPr lvl="1"/>
+            <a:r>
+              <a:rPr lang="en-US" dirty="0" smtClean="0"/>
+              <a:t>QC</a:t>
+            </a:r>
+            <a:endParaRPr lang="en-US" dirty="0" smtClean="0"/>
+          </a:p>
+          <a:p>
+            <a:pPr lvl="1"/>
+            <a:r>
+              <a:rPr lang="en-US" dirty="0"/>
+              <a:t>T</a:t>
+            </a:r>
+            <a:r>
+              <a:rPr lang="en-US" dirty="0" smtClean="0"/>
+              <a:t>axonomic breakdown</a:t>
+            </a:r>
+          </a:p>
+          <a:p>
+            <a:pPr lvl="1"/>
+            <a:r>
+              <a:rPr lang="en-US" dirty="0" smtClean="0"/>
+              <a:t>(for WGS) Functional breakdown</a:t>
+            </a:r>
+          </a:p>
+          <a:p>
+            <a:pPr lvl="1"/>
+            <a:r>
+              <a:rPr lang="en-US" dirty="0" smtClean="0"/>
+              <a:t>Technical data</a:t>
+            </a:r>
+          </a:p>
+          <a:p>
+            <a:pPr lvl="1"/>
+            <a:r>
+              <a:rPr lang="en-US" dirty="0" smtClean="0"/>
+              <a:t>Links to </a:t>
+            </a:r>
+            <a:r>
+              <a:rPr lang="en-US" dirty="0" smtClean="0">
+                <a:sym typeface="Wingdings"/>
+              </a:rPr>
+              <a:t></a:t>
             </a:r>
             <a:endParaRPr lang="en-US" dirty="0"/>
           </a:p>
@@ -8036,7 +8361,31 @@
       </p:sp>
       <p:pic>
         <p:nvPicPr>
-          <p:cNvPr id="4" name="Picture 3"/>
+          <p:cNvPr id="5" name="Picture 4"/>
+          <p:cNvPicPr>
+            <a:picLocks noChangeAspect="1"/>
+          </p:cNvPicPr>
+          <p:nvPr/>
+        </p:nvPicPr>
+        <p:blipFill>
+          <a:blip r:embed="rId2"/>
+          <a:stretch>
+            <a:fillRect/>
+          </a:stretch>
+        </p:blipFill>
+        <p:spPr>
+          <a:xfrm>
+            <a:off x="3086099" y="4699000"/>
+            <a:ext cx="5132757" cy="793044"/>
+          </a:xfrm>
+          <a:prstGeom prst="rect">
+            <a:avLst/>
+          </a:prstGeom>
+        </p:spPr>
+      </p:pic>
+      <p:pic>
+        <p:nvPicPr>
+          <p:cNvPr id="10" name="Picture 9"/>
           <p:cNvPicPr>
             <a:picLocks noChangeAspect="1"/>
           </p:cNvPicPr>
@@ -8050,89 +8399,18 @@
         </p:blipFill>
         <p:spPr>
           <a:xfrm>
-            <a:off x="270933" y="1058333"/>
-            <a:ext cx="3048000" cy="2560320"/>
+            <a:off x="1862666" y="2628275"/>
+            <a:ext cx="1452033" cy="699127"/>
           </a:xfrm>
           <a:prstGeom prst="rect">
             <a:avLst/>
           </a:prstGeom>
         </p:spPr>
       </p:pic>
-      <p:pic>
-        <p:nvPicPr>
-          <p:cNvPr id="5" name="Picture 4"/>
-          <p:cNvPicPr>
-            <a:picLocks noChangeAspect="1"/>
-          </p:cNvPicPr>
-          <p:nvPr/>
-        </p:nvPicPr>
-        <p:blipFill>
-          <a:blip r:embed="rId4"/>
-          <a:stretch>
-            <a:fillRect/>
-          </a:stretch>
-        </p:blipFill>
-        <p:spPr>
-          <a:xfrm>
-            <a:off x="190500" y="3119966"/>
-            <a:ext cx="5250180" cy="3771900"/>
-          </a:xfrm>
-          <a:prstGeom prst="rect">
-            <a:avLst/>
-          </a:prstGeom>
-        </p:spPr>
-      </p:pic>
-      <p:pic>
-        <p:nvPicPr>
-          <p:cNvPr id="6" name="Picture 5"/>
-          <p:cNvPicPr>
-            <a:picLocks noChangeAspect="1"/>
-          </p:cNvPicPr>
-          <p:nvPr/>
-        </p:nvPicPr>
-        <p:blipFill>
-          <a:blip r:embed="rId5"/>
-          <a:stretch>
-            <a:fillRect/>
-          </a:stretch>
-        </p:blipFill>
-        <p:spPr>
-          <a:xfrm>
-            <a:off x="4236720" y="1312328"/>
-            <a:ext cx="4907280" cy="2133600"/>
-          </a:xfrm>
-          <a:prstGeom prst="rect">
-            <a:avLst/>
-          </a:prstGeom>
-        </p:spPr>
-      </p:pic>
-      <p:pic>
-        <p:nvPicPr>
-          <p:cNvPr id="7" name="Picture 6"/>
-          <p:cNvPicPr>
-            <a:picLocks noChangeAspect="1"/>
-          </p:cNvPicPr>
-          <p:nvPr/>
-        </p:nvPicPr>
-        <p:blipFill rotWithShape="1">
-          <a:blip r:embed="rId6"/>
-          <a:srcRect l="4396" t="3676" r="3883" b="6599"/>
-          <a:stretch/>
-        </p:blipFill>
-        <p:spPr>
-          <a:xfrm>
-            <a:off x="5706533" y="3703318"/>
-            <a:ext cx="3180059" cy="2727981"/>
-          </a:xfrm>
-          <a:prstGeom prst="rect">
-            <a:avLst/>
-          </a:prstGeom>
-        </p:spPr>
-      </p:pic>
     </p:spTree>
     <p:extLst>
       <p:ext uri="{BB962C8B-B14F-4D97-AF65-F5344CB8AC3E}">
-        <p14:creationId xmlns:p14="http://schemas.microsoft.com/office/powerpoint/2010/main" val="3943556731"/>
+        <p14:creationId xmlns:p14="http://schemas.microsoft.com/office/powerpoint/2010/main" val="4112013817"/>
       </p:ext>
     </p:extLst>
   </p:cSld>
@@ -8169,141 +8447,123 @@
             <p:ph type="title"/>
           </p:nvPr>
         </p:nvSpPr>
-        <p:spPr/>
-        <p:txBody>
-          <a:bodyPr>
-            <a:normAutofit/>
-          </a:bodyPr>
-          <a:lstStyle/>
-          <a:p>
-            <a:r>
-              <a:rPr lang="en-US" dirty="0"/>
-              <a:t>How trustworthy is my data?</a:t>
-            </a:r>
-          </a:p>
-        </p:txBody>
-      </p:sp>
-      <p:sp>
-        <p:nvSpPr>
-          <p:cNvPr id="6" name="Content Placeholder 5"/>
-          <p:cNvSpPr>
-            <a:spLocks noGrp="1"/>
-          </p:cNvSpPr>
-          <p:nvPr>
-            <p:ph idx="1"/>
-          </p:nvPr>
-        </p:nvSpPr>
-        <p:spPr/>
+        <p:spPr>
+          <a:xfrm>
+            <a:off x="457200" y="122241"/>
+            <a:ext cx="8229600" cy="1143000"/>
+          </a:xfrm>
+        </p:spPr>
         <p:txBody>
           <a:bodyPr/>
           <a:lstStyle/>
           <a:p>
-            <a:pPr marL="0" indent="0">
-              <a:buNone/>
-            </a:pPr>
-            <a:r>
-              <a:rPr lang="en-US" dirty="0" smtClean="0"/>
-              <a:t>The Overview provides insight into the quality of the sequence data.</a:t>
+            <a:r>
+              <a:rPr lang="en-US" dirty="0" smtClean="0"/>
+              <a:t>Example Sections of Overview</a:t>
             </a:r>
             <a:endParaRPr lang="en-US" dirty="0"/>
           </a:p>
         </p:txBody>
       </p:sp>
-      <p:sp>
-        <p:nvSpPr>
-          <p:cNvPr id="7" name="TextBox 6"/>
-          <p:cNvSpPr txBox="1"/>
+      <p:pic>
+        <p:nvPicPr>
+          <p:cNvPr id="4" name="Picture 3"/>
+          <p:cNvPicPr>
+            <a:picLocks noChangeAspect="1"/>
+          </p:cNvPicPr>
           <p:nvPr/>
-        </p:nvSpPr>
+        </p:nvPicPr>
+        <p:blipFill>
+          <a:blip r:embed="rId3"/>
+          <a:stretch>
+            <a:fillRect/>
+          </a:stretch>
+        </p:blipFill>
         <p:spPr>
           <a:xfrm>
-            <a:off x="457199" y="2963332"/>
-            <a:ext cx="8398933" cy="2800767"/>
+            <a:off x="270933" y="1058333"/>
+            <a:ext cx="3048000" cy="2560320"/>
           </a:xfrm>
           <a:prstGeom prst="rect">
             <a:avLst/>
           </a:prstGeom>
-          <a:noFill/>
-        </p:spPr>
-        <p:txBody>
-          <a:bodyPr wrap="square" rtlCol="0">
-            <a:spAutoFit/>
-          </a:bodyPr>
-          <a:lstStyle/>
-          <a:p>
-            <a:r>
-              <a:rPr lang="en-US" sz="3200" dirty="0"/>
-              <a:t>Summaries of technical aspects of the sequence quality to enable sequence data </a:t>
-            </a:r>
-            <a:r>
-              <a:rPr lang="en-US" sz="3200" dirty="0" smtClean="0"/>
-              <a:t>triage</a:t>
-            </a:r>
-            <a:r>
-              <a:rPr lang="en-US" sz="3200" dirty="0"/>
-              <a:t>:</a:t>
-            </a:r>
-          </a:p>
-          <a:p>
-            <a:endParaRPr lang="en-US" sz="2800" dirty="0"/>
-          </a:p>
-          <a:p>
-            <a:pPr marL="742950" lvl="1" indent="-285750">
-              <a:buFont typeface="Arial"/>
-              <a:buChar char="•"/>
-            </a:pPr>
-            <a:r>
-              <a:rPr lang="en-US" sz="2800" dirty="0" smtClean="0"/>
-              <a:t>DRISEE </a:t>
-            </a:r>
-            <a:r>
-              <a:rPr lang="en-US" sz="2800" dirty="0"/>
-              <a:t>for estimating sequence </a:t>
-            </a:r>
-            <a:r>
-              <a:rPr lang="en-US" sz="2800" dirty="0" smtClean="0"/>
-              <a:t>error</a:t>
-            </a:r>
-          </a:p>
-          <a:p>
-            <a:pPr marL="742950" lvl="1" indent="-285750">
-              <a:buFont typeface="Arial"/>
-              <a:buChar char="•"/>
-            </a:pPr>
-            <a:r>
-              <a:rPr lang="en-US" sz="2800" dirty="0" err="1" smtClean="0"/>
-              <a:t>Kmer</a:t>
-            </a:r>
-            <a:r>
-              <a:rPr lang="en-US" sz="2800" dirty="0" smtClean="0"/>
-              <a:t> spectra</a:t>
-            </a:r>
-          </a:p>
-          <a:p>
-            <a:pPr marL="742950" lvl="1" indent="-285750">
-              <a:buFont typeface="Arial"/>
-              <a:buChar char="•"/>
-            </a:pPr>
-            <a:r>
-              <a:rPr lang="en-US" sz="2800" dirty="0" smtClean="0"/>
-              <a:t>Visualizations </a:t>
-            </a:r>
-            <a:r>
-              <a:rPr lang="en-US" sz="2800" dirty="0"/>
-              <a:t>of the base caller </a:t>
-            </a:r>
-            <a:r>
-              <a:rPr lang="en-US" sz="2800" dirty="0" smtClean="0"/>
-              <a:t>output</a:t>
-            </a:r>
-            <a:endParaRPr lang="en-US" sz="2800" dirty="0"/>
-          </a:p>
-        </p:txBody>
-      </p:sp>
+        </p:spPr>
+      </p:pic>
+      <p:pic>
+        <p:nvPicPr>
+          <p:cNvPr id="5" name="Picture 4"/>
+          <p:cNvPicPr>
+            <a:picLocks noChangeAspect="1"/>
+          </p:cNvPicPr>
+          <p:nvPr/>
+        </p:nvPicPr>
+        <p:blipFill>
+          <a:blip r:embed="rId4"/>
+          <a:stretch>
+            <a:fillRect/>
+          </a:stretch>
+        </p:blipFill>
+        <p:spPr>
+          <a:xfrm>
+            <a:off x="190500" y="3119966"/>
+            <a:ext cx="5250180" cy="3771900"/>
+          </a:xfrm>
+          <a:prstGeom prst="rect">
+            <a:avLst/>
+          </a:prstGeom>
+        </p:spPr>
+      </p:pic>
+      <p:pic>
+        <p:nvPicPr>
+          <p:cNvPr id="6" name="Picture 5"/>
+          <p:cNvPicPr>
+            <a:picLocks noChangeAspect="1"/>
+          </p:cNvPicPr>
+          <p:nvPr/>
+        </p:nvPicPr>
+        <p:blipFill>
+          <a:blip r:embed="rId5"/>
+          <a:stretch>
+            <a:fillRect/>
+          </a:stretch>
+        </p:blipFill>
+        <p:spPr>
+          <a:xfrm>
+            <a:off x="4236720" y="1312328"/>
+            <a:ext cx="4907280" cy="2133600"/>
+          </a:xfrm>
+          <a:prstGeom prst="rect">
+            <a:avLst/>
+          </a:prstGeom>
+        </p:spPr>
+      </p:pic>
+      <p:pic>
+        <p:nvPicPr>
+          <p:cNvPr id="7" name="Picture 6"/>
+          <p:cNvPicPr>
+            <a:picLocks noChangeAspect="1"/>
+          </p:cNvPicPr>
+          <p:nvPr/>
+        </p:nvPicPr>
+        <p:blipFill rotWithShape="1">
+          <a:blip r:embed="rId6"/>
+          <a:srcRect l="4396" t="3676" r="3883" b="6599"/>
+          <a:stretch/>
+        </p:blipFill>
+        <p:spPr>
+          <a:xfrm>
+            <a:off x="5706533" y="3703318"/>
+            <a:ext cx="3180059" cy="2727981"/>
+          </a:xfrm>
+          <a:prstGeom prst="rect">
+            <a:avLst/>
+          </a:prstGeom>
+        </p:spPr>
+      </p:pic>
     </p:spTree>
     <p:extLst>
       <p:ext uri="{BB962C8B-B14F-4D97-AF65-F5344CB8AC3E}">
-        <p14:creationId xmlns:p14="http://schemas.microsoft.com/office/powerpoint/2010/main" val="3623664483"/>
+        <p14:creationId xmlns:p14="http://schemas.microsoft.com/office/powerpoint/2010/main" val="3943556731"/>
       </p:ext>
     </p:extLst>
   </p:cSld>
@@ -8572,72 +8832,165 @@
         </p:nvSpPr>
         <p:spPr/>
         <p:txBody>
-          <a:bodyPr/>
-          <a:lstStyle/>
-          <a:p>
-            <a:r>
-              <a:rPr lang="en-US" dirty="0" smtClean="0"/>
-              <a:t>Data Quality Challenge</a:t>
-            </a:r>
+          <a:bodyPr>
+            <a:normAutofit/>
+          </a:bodyPr>
+          <a:lstStyle/>
+          <a:p>
+            <a:r>
+              <a:rPr lang="en-US" dirty="0"/>
+              <a:t>How trustworthy is my data?</a:t>
+            </a:r>
+          </a:p>
+        </p:txBody>
+      </p:sp>
+      <p:sp>
+        <p:nvSpPr>
+          <p:cNvPr id="6" name="Content Placeholder 5"/>
+          <p:cNvSpPr>
+            <a:spLocks noGrp="1"/>
+          </p:cNvSpPr>
+          <p:nvPr>
+            <p:ph idx="1"/>
+          </p:nvPr>
+        </p:nvSpPr>
+        <p:spPr>
+          <a:xfrm>
+            <a:off x="457200" y="1417637"/>
+            <a:ext cx="8229600" cy="2445989"/>
+          </a:xfrm>
+        </p:spPr>
+        <p:txBody>
+          <a:bodyPr>
+            <a:normAutofit/>
+          </a:bodyPr>
+          <a:lstStyle/>
+          <a:p>
+            <a:pPr marL="0" indent="0">
+              <a:buNone/>
+            </a:pPr>
+            <a:r>
+              <a:rPr lang="en-US" dirty="0" smtClean="0"/>
+              <a:t>The Overview provides insight into the quality of the sequence data</a:t>
+            </a:r>
+            <a:r>
+              <a:rPr lang="en-US" dirty="0" smtClean="0"/>
+              <a:t>.</a:t>
+            </a:r>
+          </a:p>
+          <a:p>
+            <a:pPr marL="0" indent="0">
+              <a:buNone/>
+            </a:pPr>
             <a:endParaRPr lang="en-US" dirty="0"/>
+          </a:p>
+          <a:p>
+            <a:pPr marL="0" indent="0">
+              <a:buNone/>
+            </a:pPr>
+            <a:r>
+              <a:rPr lang="en-US" dirty="0" smtClean="0"/>
+              <a:t>Why is it so important to know?</a:t>
+            </a:r>
+            <a:endParaRPr lang="en-US" dirty="0"/>
+          </a:p>
+        </p:txBody>
+      </p:sp>
+      <p:sp>
+        <p:nvSpPr>
+          <p:cNvPr id="7" name="TextBox 6"/>
+          <p:cNvSpPr txBox="1"/>
+          <p:nvPr/>
+        </p:nvSpPr>
+        <p:spPr>
+          <a:xfrm>
+            <a:off x="457199" y="3863627"/>
+            <a:ext cx="8398933" cy="2800767"/>
+          </a:xfrm>
+          <a:prstGeom prst="rect">
+            <a:avLst/>
+          </a:prstGeom>
+          <a:noFill/>
+        </p:spPr>
+        <p:txBody>
+          <a:bodyPr wrap="square" rtlCol="0">
+            <a:spAutoFit/>
+          </a:bodyPr>
+          <a:lstStyle/>
+          <a:p>
+            <a:r>
+              <a:rPr lang="en-US" sz="3200" dirty="0" smtClean="0"/>
+              <a:t>Summaries of technical aspects of the sequence quality to enable sequence data triage:</a:t>
+            </a:r>
+          </a:p>
+          <a:p>
+            <a:endParaRPr lang="en-US" sz="2800" dirty="0" smtClean="0"/>
+          </a:p>
+          <a:p>
+            <a:pPr marL="742950" lvl="1" indent="-285750">
+              <a:buFont typeface="Arial"/>
+              <a:buChar char="•"/>
+            </a:pPr>
+            <a:r>
+              <a:rPr lang="en-US" sz="2800" dirty="0" smtClean="0"/>
+              <a:t>DRISEE for estimating sequence error</a:t>
+            </a:r>
+          </a:p>
+          <a:p>
+            <a:pPr marL="742950" lvl="1" indent="-285750">
+              <a:buFont typeface="Arial"/>
+              <a:buChar char="•"/>
+            </a:pPr>
+            <a:r>
+              <a:rPr lang="en-US" sz="2800" dirty="0" err="1" smtClean="0"/>
+              <a:t>Kmer</a:t>
+            </a:r>
+            <a:r>
+              <a:rPr lang="en-US" sz="2800" dirty="0" smtClean="0"/>
+              <a:t> spectra</a:t>
+            </a:r>
+          </a:p>
+          <a:p>
+            <a:pPr marL="742950" lvl="1" indent="-285750">
+              <a:buFont typeface="Arial"/>
+              <a:buChar char="•"/>
+            </a:pPr>
+            <a:r>
+              <a:rPr lang="en-US" sz="2800" dirty="0" smtClean="0"/>
+              <a:t>Visualizations of the base caller output</a:t>
+            </a:r>
+            <a:endParaRPr lang="en-US" sz="2800" dirty="0"/>
           </a:p>
         </p:txBody>
       </p:sp>
       <p:pic>
         <p:nvPicPr>
-          <p:cNvPr id="4" name="Content Placeholder 3"/>
+          <p:cNvPr id="4" name="Picture 3"/>
           <p:cNvPicPr>
-            <a:picLocks noGrp="1" noChangeAspect="1"/>
+            <a:picLocks noChangeAspect="1"/>
           </p:cNvPicPr>
-          <p:nvPr>
-            <p:ph idx="1"/>
-          </p:nvPr>
+          <p:nvPr/>
         </p:nvPicPr>
         <p:blipFill>
           <a:blip r:embed="rId2"/>
-          <a:srcRect t="3370" b="3370"/>
           <a:stretch>
             <a:fillRect/>
           </a:stretch>
         </p:blipFill>
         <p:spPr>
-          <a:prstGeom prst="rect">
-            <a:avLst/>
-          </a:prstGeom>
-        </p:spPr>
-      </p:pic>
-      <p:sp>
-        <p:nvSpPr>
-          <p:cNvPr id="5" name="Rectangle 4"/>
-          <p:cNvSpPr/>
-          <p:nvPr/>
-        </p:nvSpPr>
-        <p:spPr>
           <a:xfrm>
-            <a:off x="457199" y="1417638"/>
-            <a:ext cx="5350933" cy="830997"/>
+            <a:off x="6252632" y="2102536"/>
+            <a:ext cx="2603500" cy="1842927"/>
           </a:xfrm>
           <a:prstGeom prst="rect">
             <a:avLst/>
           </a:prstGeom>
         </p:spPr>
-        <p:txBody>
-          <a:bodyPr wrap="square">
-            <a:spAutoFit/>
-          </a:bodyPr>
-          <a:lstStyle/>
-          <a:p>
-            <a:r>
-              <a:rPr lang="en-US" sz="2400" dirty="0"/>
-              <a:t>Data quality and our ability to analyze data is tightly correlated</a:t>
-            </a:r>
-          </a:p>
-        </p:txBody>
-      </p:sp>
+      </p:pic>
     </p:spTree>
     <p:extLst>
       <p:ext uri="{BB962C8B-B14F-4D97-AF65-F5344CB8AC3E}">
-        <p14:creationId xmlns:p14="http://schemas.microsoft.com/office/powerpoint/2010/main" val="1061704693"/>
+        <p14:creationId xmlns:p14="http://schemas.microsoft.com/office/powerpoint/2010/main" val="3623664483"/>
       </p:ext>
     </p:extLst>
   </p:cSld>
@@ -8676,65 +9029,55 @@
         </p:nvSpPr>
         <p:spPr/>
         <p:txBody>
-          <a:bodyPr>
-            <a:normAutofit fontScale="90000"/>
-          </a:bodyPr>
-          <a:lstStyle/>
-          <a:p>
-            <a:r>
-              <a:rPr lang="en-US" dirty="0"/>
-              <a:t>Duplicate Read Inferred Sequencing Error </a:t>
-            </a:r>
-            <a:r>
-              <a:rPr lang="en-US" dirty="0" smtClean="0"/>
-              <a:t>Estimation --- (</a:t>
-            </a:r>
-            <a:r>
-              <a:rPr lang="en-US" dirty="0"/>
-              <a:t>DRISEE)</a:t>
-            </a:r>
+          <a:bodyPr/>
+          <a:lstStyle/>
+          <a:p>
+            <a:r>
+              <a:rPr lang="en-US" dirty="0" smtClean="0"/>
+              <a:t>Data Quality Challenge</a:t>
+            </a:r>
+            <a:endParaRPr lang="en-US" dirty="0"/>
           </a:p>
         </p:txBody>
       </p:sp>
       <p:pic>
         <p:nvPicPr>
-          <p:cNvPr id="7" name="Picture 6"/>
+          <p:cNvPr id="4" name="Content Placeholder 3"/>
           <p:cNvPicPr>
-            <a:picLocks noChangeAspect="1"/>
+            <a:picLocks noGrp="1" noChangeAspect="1"/>
           </p:cNvPicPr>
-          <p:nvPr/>
+          <p:nvPr>
+            <p:ph idx="1"/>
+          </p:nvPr>
         </p:nvPicPr>
         <p:blipFill>
           <a:blip r:embed="rId2"/>
+          <a:srcRect t="3370" b="3370"/>
           <a:stretch>
             <a:fillRect/>
           </a:stretch>
         </p:blipFill>
         <p:spPr>
+          <a:prstGeom prst="rect">
+            <a:avLst/>
+          </a:prstGeom>
+        </p:spPr>
+      </p:pic>
+      <p:sp>
+        <p:nvSpPr>
+          <p:cNvPr id="5" name="Rectangle 4"/>
+          <p:cNvSpPr/>
+          <p:nvPr/>
+        </p:nvSpPr>
+        <p:spPr>
           <a:xfrm>
-            <a:off x="0" y="2561166"/>
-            <a:ext cx="9144000" cy="3917202"/>
+            <a:off x="457199" y="1417638"/>
+            <a:ext cx="5350933" cy="830997"/>
           </a:xfrm>
           <a:prstGeom prst="rect">
             <a:avLst/>
           </a:prstGeom>
         </p:spPr>
-      </p:pic>
-      <p:sp>
-        <p:nvSpPr>
-          <p:cNvPr id="8" name="Rectangle 7"/>
-          <p:cNvSpPr/>
-          <p:nvPr/>
-        </p:nvSpPr>
-        <p:spPr>
-          <a:xfrm>
-            <a:off x="1270000" y="1730169"/>
-            <a:ext cx="7111999" cy="830997"/>
-          </a:xfrm>
-          <a:prstGeom prst="rect">
-            <a:avLst/>
-          </a:prstGeom>
-        </p:spPr>
         <p:txBody>
           <a:bodyPr wrap="square">
             <a:spAutoFit/>
@@ -8743,41 +9086,21 @@
           <a:p>
             <a:r>
               <a:rPr lang="en-US" sz="2400" dirty="0"/>
-              <a:t>Experiments and even individual samples from </a:t>
-            </a:r>
-            <a:r>
-              <a:rPr lang="en-US" sz="2400" dirty="0" smtClean="0"/>
-              <a:t>a single </a:t>
-            </a:r>
-            <a:r>
-              <a:rPr lang="en-US" sz="2400" dirty="0"/>
-              <a:t>experiment exhibit unique error </a:t>
-            </a:r>
-            <a:r>
-              <a:rPr lang="en-US" sz="2400" dirty="0" smtClean="0"/>
-              <a:t>profiles.</a:t>
-            </a:r>
-            <a:endParaRPr lang="en-US" sz="2400" dirty="0"/>
+              <a:t>Data quality and our ability to analyze data is tightly correlated</a:t>
+            </a:r>
           </a:p>
         </p:txBody>
       </p:sp>
     </p:spTree>
     <p:extLst>
       <p:ext uri="{BB962C8B-B14F-4D97-AF65-F5344CB8AC3E}">
-        <p14:creationId xmlns:p14="http://schemas.microsoft.com/office/powerpoint/2010/main" val="1498486627"/>
+        <p14:creationId xmlns:p14="http://schemas.microsoft.com/office/powerpoint/2010/main" val="1061704693"/>
       </p:ext>
     </p:extLst>
   </p:cSld>
   <p:clrMapOvr>
     <a:masterClrMapping/>
   </p:clrMapOvr>
-  <p:timing>
-    <p:tnLst>
-      <p:par>
-        <p:cTn xmlns:p14="http://schemas.microsoft.com/office/powerpoint/2010/main" id="1" dur="indefinite" restart="never" nodeType="tmRoot"/>
-      </p:par>
-    </p:tnLst>
-  </p:timing>
 </p:sld>
 </file>
 
@@ -8810,164 +9133,86 @@
         </p:nvSpPr>
         <p:spPr/>
         <p:txBody>
-          <a:bodyPr/>
-          <a:lstStyle/>
-          <a:p>
-            <a:r>
-              <a:rPr lang="en-US" dirty="0" smtClean="0"/>
-              <a:t>Extreme cases of quality</a:t>
-            </a:r>
-            <a:endParaRPr lang="en-US" dirty="0"/>
+          <a:bodyPr>
+            <a:normAutofit fontScale="90000"/>
+          </a:bodyPr>
+          <a:lstStyle/>
+          <a:p>
+            <a:r>
+              <a:rPr lang="en-US" dirty="0"/>
+              <a:t>Duplicate Read Inferred Sequencing Error </a:t>
+            </a:r>
+            <a:r>
+              <a:rPr lang="en-US" dirty="0" smtClean="0"/>
+              <a:t>Estimation --- (</a:t>
+            </a:r>
+            <a:r>
+              <a:rPr lang="en-US" dirty="0"/>
+              <a:t>DRISEE)</a:t>
+            </a:r>
           </a:p>
         </p:txBody>
       </p:sp>
       <p:pic>
         <p:nvPicPr>
-          <p:cNvPr id="9" name="Picture 8"/>
+          <p:cNvPr id="7" name="Picture 6"/>
           <p:cNvPicPr>
             <a:picLocks noChangeAspect="1"/>
           </p:cNvPicPr>
           <p:nvPr/>
         </p:nvPicPr>
-        <p:blipFill rotWithShape="1">
+        <p:blipFill>
           <a:blip r:embed="rId2"/>
-          <a:srcRect r="35602" b="73598"/>
-          <a:stretch/>
+          <a:stretch>
+            <a:fillRect/>
+          </a:stretch>
         </p:blipFill>
         <p:spPr>
           <a:xfrm>
-            <a:off x="3" y="1337439"/>
-            <a:ext cx="5422131" cy="1590420"/>
+            <a:off x="0" y="2561166"/>
+            <a:ext cx="9144000" cy="3917202"/>
           </a:xfrm>
           <a:prstGeom prst="rect">
             <a:avLst/>
           </a:prstGeom>
         </p:spPr>
       </p:pic>
-      <p:pic>
-        <p:nvPicPr>
-          <p:cNvPr id="12" name="Picture 11"/>
-          <p:cNvPicPr>
-            <a:picLocks noChangeAspect="1"/>
-          </p:cNvPicPr>
+      <p:sp>
+        <p:nvSpPr>
+          <p:cNvPr id="8" name="Rectangle 7"/>
+          <p:cNvSpPr/>
           <p:nvPr/>
-        </p:nvPicPr>
-        <p:blipFill rotWithShape="1">
-          <a:blip r:embed="rId2"/>
-          <a:srcRect t="63156" r="17222"/>
-          <a:stretch/>
-        </p:blipFill>
+        </p:nvSpPr>
         <p:spPr>
           <a:xfrm>
-            <a:off x="3911609" y="1917704"/>
-            <a:ext cx="4878868" cy="1553633"/>
+            <a:off x="1270000" y="1730169"/>
+            <a:ext cx="7111999" cy="830997"/>
           </a:xfrm>
           <a:prstGeom prst="rect">
             <a:avLst/>
           </a:prstGeom>
         </p:spPr>
-      </p:pic>
-      <p:sp>
-        <p:nvSpPr>
-          <p:cNvPr id="13" name="TextBox 12"/>
-          <p:cNvSpPr txBox="1"/>
-          <p:nvPr/>
-        </p:nvSpPr>
-        <p:spPr>
-          <a:xfrm>
-            <a:off x="5655733" y="2224500"/>
-            <a:ext cx="865141" cy="461665"/>
-          </a:xfrm>
-          <a:prstGeom prst="rect">
-            <a:avLst/>
-          </a:prstGeom>
-          <a:noFill/>
-        </p:spPr>
-        <p:txBody>
-          <a:bodyPr wrap="none" rtlCol="0">
+        <p:txBody>
+          <a:bodyPr wrap="square">
             <a:spAutoFit/>
           </a:bodyPr>
           <a:lstStyle/>
           <a:p>
             <a:r>
+              <a:rPr lang="en-US" sz="2400" dirty="0"/>
+              <a:t>Experiments and even individual samples from </a:t>
+            </a:r>
+            <a:r>
               <a:rPr lang="en-US" sz="2400" dirty="0" smtClean="0"/>
-              <a:t>Good</a:t>
-            </a:r>
-            <a:endParaRPr lang="en-US" sz="2400" dirty="0"/>
-          </a:p>
-        </p:txBody>
-      </p:sp>
-      <p:pic>
-        <p:nvPicPr>
-          <p:cNvPr id="3" name="Picture 2"/>
-          <p:cNvPicPr>
-            <a:picLocks noChangeAspect="1"/>
-          </p:cNvPicPr>
-          <p:nvPr/>
-        </p:nvPicPr>
-        <p:blipFill rotWithShape="1">
-          <a:blip r:embed="rId3"/>
-          <a:srcRect t="58852" r="19630"/>
-          <a:stretch/>
-        </p:blipFill>
-        <p:spPr>
-          <a:xfrm>
-            <a:off x="4013199" y="4131733"/>
-            <a:ext cx="4777277" cy="1537326"/>
-          </a:xfrm>
-          <a:prstGeom prst="rect">
-            <a:avLst/>
-          </a:prstGeom>
-        </p:spPr>
-      </p:pic>
-      <p:pic>
-        <p:nvPicPr>
-          <p:cNvPr id="4" name="Picture 3"/>
-          <p:cNvPicPr>
-            <a:picLocks noChangeAspect="1"/>
-          </p:cNvPicPr>
-          <p:nvPr/>
-        </p:nvPicPr>
-        <p:blipFill rotWithShape="1">
-          <a:blip r:embed="rId3"/>
-          <a:srcRect r="57222" b="80333"/>
-          <a:stretch/>
-        </p:blipFill>
-        <p:spPr>
-          <a:xfrm>
-            <a:off x="0" y="4040720"/>
-            <a:ext cx="3784598" cy="1093599"/>
-          </a:xfrm>
-          <a:prstGeom prst="rect">
-            <a:avLst/>
-          </a:prstGeom>
-        </p:spPr>
-      </p:pic>
-      <p:sp>
-        <p:nvSpPr>
-          <p:cNvPr id="15" name="TextBox 14"/>
-          <p:cNvSpPr txBox="1"/>
-          <p:nvPr/>
-        </p:nvSpPr>
-        <p:spPr>
-          <a:xfrm>
-            <a:off x="5859665" y="4355154"/>
-            <a:ext cx="661209" cy="461665"/>
-          </a:xfrm>
-          <a:prstGeom prst="rect">
-            <a:avLst/>
-          </a:prstGeom>
-          <a:noFill/>
-        </p:spPr>
-        <p:txBody>
-          <a:bodyPr wrap="none" rtlCol="0">
-            <a:spAutoFit/>
-          </a:bodyPr>
-          <a:lstStyle/>
-          <a:p>
+              <a:t>a single </a:t>
+            </a:r>
+            <a:r>
+              <a:rPr lang="en-US" sz="2400" dirty="0"/>
+              <a:t>experiment exhibit unique error </a:t>
+            </a:r>
             <a:r>
               <a:rPr lang="en-US" sz="2400" dirty="0" smtClean="0"/>
-              <a:t>Bad</a:t>
+              <a:t>profiles.</a:t>
             </a:r>
             <a:endParaRPr lang="en-US" sz="2400" dirty="0"/>
           </a:p>
@@ -8976,7 +9221,7 @@
     </p:spTree>
     <p:extLst>
       <p:ext uri="{BB962C8B-B14F-4D97-AF65-F5344CB8AC3E}">
-        <p14:creationId xmlns:p14="http://schemas.microsoft.com/office/powerpoint/2010/main" val="3094935267"/>
+        <p14:creationId xmlns:p14="http://schemas.microsoft.com/office/powerpoint/2010/main" val="1498486627"/>
       </p:ext>
     </p:extLst>
   </p:cSld>
@@ -9026,144 +9271,112 @@
           <a:lstStyle/>
           <a:p>
             <a:r>
-              <a:rPr lang="en-US" dirty="0" err="1" smtClean="0"/>
-              <a:t>Kmer</a:t>
-            </a:r>
-            <a:r>
-              <a:rPr lang="en-US" dirty="0" smtClean="0"/>
-              <a:t> profiles</a:t>
+              <a:rPr lang="en-US" dirty="0" smtClean="0"/>
+              <a:t>Extreme cases of quality</a:t>
             </a:r>
             <a:endParaRPr lang="en-US" dirty="0"/>
           </a:p>
         </p:txBody>
       </p:sp>
-      <p:sp>
-        <p:nvSpPr>
-          <p:cNvPr id="3" name="Content Placeholder 2"/>
-          <p:cNvSpPr>
-            <a:spLocks noGrp="1"/>
-          </p:cNvSpPr>
-          <p:nvPr>
-            <p:ph idx="1"/>
-          </p:nvPr>
-        </p:nvSpPr>
+      <p:pic>
+        <p:nvPicPr>
+          <p:cNvPr id="9" name="Picture 8"/>
+          <p:cNvPicPr>
+            <a:picLocks noChangeAspect="1"/>
+          </p:cNvPicPr>
+          <p:nvPr/>
+        </p:nvPicPr>
+        <p:blipFill rotWithShape="1">
+          <a:blip r:embed="rId2"/>
+          <a:srcRect r="35602" b="73598"/>
+          <a:stretch/>
+        </p:blipFill>
         <p:spPr>
           <a:xfrm>
-            <a:off x="457200" y="1600200"/>
-            <a:ext cx="8229600" cy="5139267"/>
+            <a:off x="3" y="1337439"/>
+            <a:ext cx="5422131" cy="1590420"/>
           </a:xfrm>
-        </p:spPr>
-        <p:txBody>
-          <a:bodyPr>
-            <a:normAutofit fontScale="92500" lnSpcReduction="10000"/>
+          <a:prstGeom prst="rect">
+            <a:avLst/>
+          </a:prstGeom>
+        </p:spPr>
+      </p:pic>
+      <p:pic>
+        <p:nvPicPr>
+          <p:cNvPr id="12" name="Picture 11"/>
+          <p:cNvPicPr>
+            <a:picLocks noChangeAspect="1"/>
+          </p:cNvPicPr>
+          <p:nvPr/>
+        </p:nvPicPr>
+        <p:blipFill rotWithShape="1">
+          <a:blip r:embed="rId2"/>
+          <a:srcRect t="63156" r="17222"/>
+          <a:stretch/>
+        </p:blipFill>
+        <p:spPr>
+          <a:xfrm>
+            <a:off x="3911609" y="1917704"/>
+            <a:ext cx="4878868" cy="1553633"/>
+          </a:xfrm>
+          <a:prstGeom prst="rect">
+            <a:avLst/>
+          </a:prstGeom>
+        </p:spPr>
+      </p:pic>
+      <p:sp>
+        <p:nvSpPr>
+          <p:cNvPr id="13" name="TextBox 12"/>
+          <p:cNvSpPr txBox="1"/>
+          <p:nvPr/>
+        </p:nvSpPr>
+        <p:spPr>
+          <a:xfrm>
+            <a:off x="5655733" y="2224500"/>
+            <a:ext cx="865141" cy="461665"/>
+          </a:xfrm>
+          <a:prstGeom prst="rect">
+            <a:avLst/>
+          </a:prstGeom>
+          <a:noFill/>
+        </p:spPr>
+        <p:txBody>
+          <a:bodyPr wrap="none" rtlCol="0">
+            <a:spAutoFit/>
           </a:bodyPr>
           <a:lstStyle/>
           <a:p>
             <a:r>
-              <a:rPr lang="en-US" dirty="0"/>
-              <a:t>The </a:t>
-            </a:r>
-            <a:r>
-              <a:rPr lang="en-US" dirty="0" err="1"/>
-              <a:t>kmer</a:t>
-            </a:r>
-            <a:r>
-              <a:rPr lang="en-US" dirty="0"/>
-              <a:t> rank abundance plots the relationship between </a:t>
-            </a:r>
-            <a:r>
-              <a:rPr lang="en-US" dirty="0" err="1"/>
-              <a:t>kmer</a:t>
-            </a:r>
-            <a:r>
-              <a:rPr lang="en-US" dirty="0"/>
-              <a:t> </a:t>
-            </a:r>
-            <a:r>
-              <a:rPr lang="en-US" dirty="0" smtClean="0"/>
-              <a:t>coverage.</a:t>
-            </a:r>
-          </a:p>
-          <a:p>
-            <a:r>
-              <a:rPr lang="en-US" dirty="0" err="1" smtClean="0"/>
-              <a:t>Summarizse</a:t>
-            </a:r>
-            <a:r>
-              <a:rPr lang="en-US" dirty="0" smtClean="0"/>
-              <a:t> </a:t>
-            </a:r>
-            <a:r>
-              <a:rPr lang="en-US" dirty="0"/>
-              <a:t>the redundancy </a:t>
-            </a:r>
-            <a:r>
-              <a:rPr lang="en-US" dirty="0" smtClean="0"/>
-              <a:t>of </a:t>
-            </a:r>
-            <a:r>
-              <a:rPr lang="en-US" dirty="0"/>
-              <a:t>sequence </a:t>
-            </a:r>
-            <a:r>
-              <a:rPr lang="en-US" dirty="0" smtClean="0"/>
-              <a:t>datasets.</a:t>
-            </a:r>
-          </a:p>
-          <a:p>
-            <a:endParaRPr lang="en-US" dirty="0"/>
-          </a:p>
-          <a:p>
-            <a:endParaRPr lang="en-US" dirty="0"/>
-          </a:p>
-          <a:p>
-            <a:pPr marL="0" indent="0">
-              <a:buNone/>
-            </a:pPr>
-            <a:endParaRPr lang="en-US" dirty="0" smtClean="0"/>
-          </a:p>
-          <a:p>
-            <a:pPr marL="0" indent="0">
-              <a:buNone/>
-            </a:pPr>
-            <a:endParaRPr lang="en-US" dirty="0"/>
-          </a:p>
-          <a:p>
-            <a:pPr marL="0" indent="0">
-              <a:buNone/>
-            </a:pPr>
-            <a:r>
-              <a:rPr lang="en-US" dirty="0" smtClean="0"/>
-              <a:t>Answers the </a:t>
-            </a:r>
-            <a:r>
-              <a:rPr lang="en-US" dirty="0"/>
-              <a:t>question “What is the coverage of the </a:t>
-            </a:r>
-            <a:r>
-              <a:rPr lang="en-US" i="1" dirty="0"/>
-              <a:t>n</a:t>
-            </a:r>
-            <a:r>
-              <a:rPr lang="en-US" dirty="0"/>
-              <a:t>th most-abundant </a:t>
-            </a:r>
-            <a:r>
-              <a:rPr lang="en-US" dirty="0" err="1"/>
-              <a:t>kmer</a:t>
-            </a:r>
-            <a:r>
-              <a:rPr lang="en-US" dirty="0"/>
-              <a:t>?</a:t>
-            </a:r>
-            <a:r>
-              <a:rPr lang="en-US" dirty="0" smtClean="0"/>
-              <a:t>”.</a:t>
-            </a:r>
-            <a:endParaRPr lang="en-US" dirty="0"/>
-          </a:p>
-        </p:txBody>
-      </p:sp>
+              <a:rPr lang="en-US" sz="2400" dirty="0" smtClean="0"/>
+              <a:t>Good</a:t>
+            </a:r>
+            <a:endParaRPr lang="en-US" sz="2400" dirty="0"/>
+          </a:p>
+        </p:txBody>
+      </p:sp>
+      <p:pic>
+        <p:nvPicPr>
+          <p:cNvPr id="3" name="Picture 2"/>
+          <p:cNvPicPr>
+            <a:picLocks noChangeAspect="1"/>
+          </p:cNvPicPr>
+          <p:nvPr/>
+        </p:nvPicPr>
+        <p:blipFill rotWithShape="1">
+          <a:blip r:embed="rId3"/>
+          <a:srcRect t="58852" r="19630"/>
+          <a:stretch/>
+        </p:blipFill>
+        <p:spPr>
+          <a:xfrm>
+            <a:off x="4013199" y="4131733"/>
+            <a:ext cx="4777277" cy="1537326"/>
+          </a:xfrm>
+          <a:prstGeom prst="rect">
+            <a:avLst/>
+          </a:prstGeom>
+        </p:spPr>
+      </p:pic>
       <p:pic>
         <p:nvPicPr>
           <p:cNvPr id="4" name="Picture 3"/>
@@ -9172,26 +9385,55 @@
           </p:cNvPicPr>
           <p:nvPr/>
         </p:nvPicPr>
-        <p:blipFill>
-          <a:blip r:embed="rId2"/>
-          <a:stretch>
-            <a:fillRect/>
-          </a:stretch>
+        <p:blipFill rotWithShape="1">
+          <a:blip r:embed="rId3"/>
+          <a:srcRect r="57222" b="80333"/>
+          <a:stretch/>
         </p:blipFill>
         <p:spPr>
           <a:xfrm>
-            <a:off x="1151468" y="3423073"/>
-            <a:ext cx="6217920" cy="2011680"/>
+            <a:off x="0" y="4040720"/>
+            <a:ext cx="3784598" cy="1093599"/>
           </a:xfrm>
           <a:prstGeom prst="rect">
             <a:avLst/>
           </a:prstGeom>
         </p:spPr>
       </p:pic>
+      <p:sp>
+        <p:nvSpPr>
+          <p:cNvPr id="15" name="TextBox 14"/>
+          <p:cNvSpPr txBox="1"/>
+          <p:nvPr/>
+        </p:nvSpPr>
+        <p:spPr>
+          <a:xfrm>
+            <a:off x="5859665" y="4355154"/>
+            <a:ext cx="661209" cy="461665"/>
+          </a:xfrm>
+          <a:prstGeom prst="rect">
+            <a:avLst/>
+          </a:prstGeom>
+          <a:noFill/>
+        </p:spPr>
+        <p:txBody>
+          <a:bodyPr wrap="none" rtlCol="0">
+            <a:spAutoFit/>
+          </a:bodyPr>
+          <a:lstStyle/>
+          <a:p>
+            <a:r>
+              <a:rPr lang="en-US" sz="2400" dirty="0" smtClean="0"/>
+              <a:t>Bad</a:t>
+            </a:r>
+            <a:endParaRPr lang="en-US" sz="2400" dirty="0"/>
+          </a:p>
+        </p:txBody>
+      </p:sp>
     </p:spTree>
     <p:extLst>
       <p:ext uri="{BB962C8B-B14F-4D97-AF65-F5344CB8AC3E}">
-        <p14:creationId xmlns:p14="http://schemas.microsoft.com/office/powerpoint/2010/main" val="2766333136"/>
+        <p14:creationId xmlns:p14="http://schemas.microsoft.com/office/powerpoint/2010/main" val="3094935267"/>
       </p:ext>
     </p:extLst>
   </p:cSld>
@@ -9241,8 +9483,12 @@
           <a:lstStyle/>
           <a:p>
             <a:r>
-              <a:rPr lang="en-US" dirty="0" smtClean="0"/>
-              <a:t>Nucleotide histogram</a:t>
+              <a:rPr lang="en-US" dirty="0" err="1" smtClean="0"/>
+              <a:t>Kmer</a:t>
+            </a:r>
+            <a:r>
+              <a:rPr lang="en-US" dirty="0" smtClean="0"/>
+              <a:t> profiles</a:t>
             </a:r>
             <a:endParaRPr lang="en-US" dirty="0"/>
           </a:p>
@@ -9260,82 +9506,120 @@
         </p:nvSpPr>
         <p:spPr>
           <a:xfrm>
-            <a:off x="457200" y="1417638"/>
-            <a:ext cx="8229600" cy="4708525"/>
+            <a:off x="457200" y="1600200"/>
+            <a:ext cx="8229600" cy="5139267"/>
           </a:xfrm>
         </p:spPr>
         <p:txBody>
           <a:bodyPr>
-            <a:normAutofit/>
+            <a:normAutofit fontScale="92500" lnSpcReduction="10000"/>
           </a:bodyPr>
           <a:lstStyle/>
           <a:p>
             <a:r>
-              <a:rPr lang="en-US" sz="2400" dirty="0" err="1"/>
-              <a:t>Amplicon</a:t>
-            </a:r>
-            <a:r>
-              <a:rPr lang="en-US" sz="2400" dirty="0"/>
-              <a:t> datasets should show </a:t>
-            </a:r>
-            <a:r>
-              <a:rPr lang="en-US" sz="2400" dirty="0" smtClean="0"/>
-              <a:t>biased </a:t>
-            </a:r>
-            <a:r>
-              <a:rPr lang="en-US" sz="2400" dirty="0"/>
-              <a:t>distributions of bases at each </a:t>
-            </a:r>
-            <a:r>
-              <a:rPr lang="en-US" sz="2400" dirty="0" smtClean="0"/>
-              <a:t>position</a:t>
-            </a:r>
-            <a:r>
-              <a:rPr lang="en-US" sz="2400" dirty="0"/>
-              <a:t>.</a:t>
-            </a:r>
-          </a:p>
-          <a:p>
-            <a:endParaRPr lang="en-US" sz="2400" dirty="0" smtClean="0"/>
-          </a:p>
-          <a:p>
-            <a:endParaRPr lang="en-US" sz="2400" dirty="0"/>
+              <a:rPr lang="en-US" dirty="0"/>
+              <a:t>The </a:t>
+            </a:r>
+            <a:r>
+              <a:rPr lang="en-US" dirty="0" err="1"/>
+              <a:t>kmer</a:t>
+            </a:r>
+            <a:r>
+              <a:rPr lang="en-US" dirty="0"/>
+              <a:t> rank abundance plots the relationship between </a:t>
+            </a:r>
+            <a:r>
+              <a:rPr lang="en-US" dirty="0" err="1"/>
+              <a:t>kmer</a:t>
+            </a:r>
+            <a:r>
+              <a:rPr lang="en-US" dirty="0"/>
+              <a:t> </a:t>
+            </a:r>
+            <a:r>
+              <a:rPr lang="en-US" dirty="0" smtClean="0"/>
+              <a:t>coverage.</a:t>
+            </a:r>
+          </a:p>
+          <a:p>
+            <a:r>
+              <a:rPr lang="en-US" dirty="0" smtClean="0"/>
+              <a:t>Summarizes </a:t>
+            </a:r>
+            <a:r>
+              <a:rPr lang="en-US" dirty="0"/>
+              <a:t>the redundancy </a:t>
+            </a:r>
+            <a:r>
+              <a:rPr lang="en-US" dirty="0" smtClean="0"/>
+              <a:t>of </a:t>
+            </a:r>
+            <a:r>
+              <a:rPr lang="en-US" dirty="0"/>
+              <a:t>sequence </a:t>
+            </a:r>
+            <a:r>
+              <a:rPr lang="en-US" dirty="0" smtClean="0"/>
+              <a:t>datasets.</a:t>
+            </a:r>
+          </a:p>
+          <a:p>
+            <a:endParaRPr lang="en-US" dirty="0"/>
+          </a:p>
+          <a:p>
+            <a:endParaRPr lang="en-US" dirty="0"/>
           </a:p>
           <a:p>
             <a:pPr marL="0" indent="0">
               <a:buNone/>
             </a:pPr>
-            <a:endParaRPr lang="en-US" sz="2400" dirty="0" smtClean="0"/>
+            <a:endParaRPr lang="en-US" dirty="0" smtClean="0"/>
           </a:p>
           <a:p>
             <a:pPr marL="0" indent="0">
               <a:buNone/>
             </a:pPr>
-            <a:endParaRPr lang="en-US" sz="2400" dirty="0"/>
-          </a:p>
-          <a:p>
-            <a:r>
-              <a:rPr lang="en-US" sz="2400" dirty="0" smtClean="0"/>
-              <a:t>WGS </a:t>
-            </a:r>
-            <a:r>
-              <a:rPr lang="en-US" sz="2400" dirty="0"/>
-              <a:t>datasets should have roughly equal proportions of </a:t>
-            </a:r>
-            <a:r>
-              <a:rPr lang="en-US" sz="2400" dirty="0" err="1"/>
-              <a:t>basecalls</a:t>
-            </a:r>
-            <a:r>
-              <a:rPr lang="en-US" sz="2400" dirty="0"/>
-              <a:t>.</a:t>
-            </a:r>
+            <a:endParaRPr lang="en-US" dirty="0"/>
+          </a:p>
+          <a:p>
+            <a:pPr marL="0" indent="0">
+              <a:buNone/>
+            </a:pPr>
+            <a:r>
+              <a:rPr lang="en-US" dirty="0" smtClean="0"/>
+              <a:t>Answers the </a:t>
+            </a:r>
+            <a:r>
+              <a:rPr lang="en-US" dirty="0"/>
+              <a:t>question “What is the coverage of the </a:t>
+            </a:r>
+            <a:r>
+              <a:rPr lang="en-US" i="1" dirty="0"/>
+              <a:t>n</a:t>
+            </a:r>
+            <a:r>
+              <a:rPr lang="en-US" dirty="0"/>
+              <a:t>th most-abundant </a:t>
+            </a:r>
+            <a:r>
+              <a:rPr lang="en-US" dirty="0" err="1"/>
+              <a:t>kmer</a:t>
+            </a:r>
+            <a:r>
+              <a:rPr lang="en-US" dirty="0"/>
+              <a:t>?</a:t>
+            </a:r>
+            <a:r>
+              <a:rPr lang="en-US" dirty="0" smtClean="0"/>
+              <a:t>”.</a:t>
+            </a:r>
+            <a:endParaRPr lang="en-US" dirty="0"/>
           </a:p>
         </p:txBody>
       </p:sp>
       <p:pic>
         <p:nvPicPr>
-          <p:cNvPr id="5" name="Picture 4"/>
+          <p:cNvPr id="4" name="Picture 3"/>
           <p:cNvPicPr>
             <a:picLocks noChangeAspect="1"/>
           </p:cNvPicPr>
@@ -9349,192 +9633,18 @@
         </p:blipFill>
         <p:spPr>
           <a:xfrm>
-            <a:off x="3062815" y="1879598"/>
-            <a:ext cx="5708650" cy="2082800"/>
+            <a:off x="1151468" y="3423073"/>
+            <a:ext cx="6217920" cy="2011680"/>
           </a:xfrm>
           <a:prstGeom prst="rect">
             <a:avLst/>
           </a:prstGeom>
         </p:spPr>
       </p:pic>
-      <p:pic>
-        <p:nvPicPr>
-          <p:cNvPr id="6" name="Picture 5"/>
-          <p:cNvPicPr>
-            <a:picLocks noChangeAspect="1"/>
-          </p:cNvPicPr>
-          <p:nvPr/>
-        </p:nvPicPr>
-        <p:blipFill>
-          <a:blip r:embed="rId3"/>
-          <a:stretch>
-            <a:fillRect/>
-          </a:stretch>
-        </p:blipFill>
-        <p:spPr>
-          <a:xfrm>
-            <a:off x="2810934" y="4643755"/>
-            <a:ext cx="5715000" cy="2012950"/>
-          </a:xfrm>
-          <a:prstGeom prst="rect">
-            <a:avLst/>
-          </a:prstGeom>
-        </p:spPr>
-      </p:pic>
-      <p:sp>
-        <p:nvSpPr>
-          <p:cNvPr id="7" name="TextBox 6"/>
-          <p:cNvSpPr txBox="1"/>
-          <p:nvPr/>
-        </p:nvSpPr>
-        <p:spPr>
-          <a:xfrm>
-            <a:off x="592662" y="5945314"/>
-            <a:ext cx="2065867" cy="523220"/>
-          </a:xfrm>
-          <a:prstGeom prst="rect">
-            <a:avLst/>
-          </a:prstGeom>
-          <a:noFill/>
-        </p:spPr>
-        <p:txBody>
-          <a:bodyPr wrap="square" rtlCol="0">
-            <a:spAutoFit/>
-          </a:bodyPr>
-          <a:lstStyle/>
-          <a:p>
-            <a:r>
-              <a:rPr lang="en-US" sz="1400" dirty="0" smtClean="0">
-                <a:solidFill>
-                  <a:srgbClr val="FF0000"/>
-                </a:solidFill>
-              </a:rPr>
-              <a:t>An example of untrimmed barcodes.</a:t>
-            </a:r>
-            <a:endParaRPr lang="en-US" sz="1400" dirty="0">
-              <a:solidFill>
-                <a:srgbClr val="FF0000"/>
-              </a:solidFill>
-            </a:endParaRPr>
-          </a:p>
-        </p:txBody>
-      </p:sp>
-      <p:cxnSp>
-        <p:nvCxnSpPr>
-          <p:cNvPr id="9" name="Straight Arrow Connector 8"/>
-          <p:cNvCxnSpPr/>
-          <p:nvPr/>
-        </p:nvCxnSpPr>
-        <p:spPr>
-          <a:xfrm>
-            <a:off x="1913467" y="6126163"/>
-            <a:ext cx="1168400" cy="1"/>
-          </a:xfrm>
-          <a:prstGeom prst="straightConnector1">
-            <a:avLst/>
-          </a:prstGeom>
-          <a:ln>
-            <a:solidFill>
-              <a:srgbClr val="FF0000"/>
-            </a:solidFill>
-            <a:tailEnd type="arrow"/>
-          </a:ln>
-        </p:spPr>
-        <p:style>
-          <a:lnRef idx="2">
-            <a:schemeClr val="accent1"/>
-          </a:lnRef>
-          <a:fillRef idx="0">
-            <a:schemeClr val="accent1"/>
-          </a:fillRef>
-          <a:effectRef idx="1">
-            <a:schemeClr val="accent1"/>
-          </a:effectRef>
-          <a:fontRef idx="minor">
-            <a:schemeClr val="tx1"/>
-          </a:fontRef>
-        </p:style>
-      </p:cxnSp>
-      <p:sp>
-        <p:nvSpPr>
-          <p:cNvPr id="10" name="Rounded Rectangle 9"/>
-          <p:cNvSpPr/>
-          <p:nvPr/>
-        </p:nvSpPr>
-        <p:spPr>
-          <a:xfrm>
-            <a:off x="3081867" y="4677621"/>
-            <a:ext cx="491066" cy="1858645"/>
-          </a:xfrm>
-          <a:prstGeom prst="roundRect">
-            <a:avLst/>
-          </a:prstGeom>
-          <a:noFill/>
-          <a:ln w="19050" cmpd="sng">
-            <a:solidFill>
-              <a:srgbClr val="FF0000"/>
-            </a:solidFill>
-          </a:ln>
-        </p:spPr>
-        <p:style>
-          <a:lnRef idx="1">
-            <a:schemeClr val="accent1"/>
-          </a:lnRef>
-          <a:fillRef idx="3">
-            <a:schemeClr val="accent1"/>
-          </a:fillRef>
-          <a:effectRef idx="2">
-            <a:schemeClr val="accent1"/>
-          </a:effectRef>
-          <a:fontRef idx="minor">
-            <a:schemeClr val="lt1"/>
-          </a:fontRef>
-        </p:style>
-        <p:txBody>
-          <a:bodyPr rtlCol="0" anchor="ctr"/>
-          <a:lstStyle/>
-          <a:p>
-            <a:pPr algn="ctr"/>
-            <a:endParaRPr lang="en-US"/>
-          </a:p>
-        </p:txBody>
-      </p:sp>
-      <p:sp>
-        <p:nvSpPr>
-          <p:cNvPr id="11" name="Rectangle 10"/>
-          <p:cNvSpPr/>
-          <p:nvPr/>
-        </p:nvSpPr>
-        <p:spPr>
-          <a:xfrm>
-            <a:off x="726015" y="2377702"/>
-            <a:ext cx="2235200" cy="738664"/>
-          </a:xfrm>
-          <a:prstGeom prst="rect">
-            <a:avLst/>
-          </a:prstGeom>
-        </p:spPr>
-        <p:txBody>
-          <a:bodyPr wrap="square">
-            <a:spAutoFit/>
-          </a:bodyPr>
-          <a:lstStyle/>
-          <a:p>
-            <a:r>
-              <a:rPr lang="en-US" sz="1400" dirty="0" smtClean="0"/>
-              <a:t>Reflects conservation </a:t>
-            </a:r>
-            <a:r>
-              <a:rPr lang="en-US" sz="1400" dirty="0"/>
-              <a:t>and variability in the recovered sequences:</a:t>
-            </a:r>
-          </a:p>
-        </p:txBody>
-      </p:sp>
     </p:spTree>
     <p:extLst>
       <p:ext uri="{BB962C8B-B14F-4D97-AF65-F5344CB8AC3E}">
-        <p14:creationId xmlns:p14="http://schemas.microsoft.com/office/powerpoint/2010/main" val="4259936572"/>
+        <p14:creationId xmlns:p14="http://schemas.microsoft.com/office/powerpoint/2010/main" val="2766333136"/>
       </p:ext>
     </p:extLst>
   </p:cSld>
@@ -9580,87 +9690,317 @@
         </p:nvSpPr>
         <p:spPr/>
         <p:txBody>
+          <a:bodyPr/>
+          <a:lstStyle/>
+          <a:p>
+            <a:r>
+              <a:rPr lang="en-US" dirty="0" smtClean="0"/>
+              <a:t>Nucleotide histogram</a:t>
+            </a:r>
+            <a:endParaRPr lang="en-US" dirty="0"/>
+          </a:p>
+        </p:txBody>
+      </p:sp>
+      <p:sp>
+        <p:nvSpPr>
+          <p:cNvPr id="3" name="Content Placeholder 2"/>
+          <p:cNvSpPr>
+            <a:spLocks noGrp="1"/>
+          </p:cNvSpPr>
+          <p:nvPr>
+            <p:ph idx="1"/>
+          </p:nvPr>
+        </p:nvSpPr>
+        <p:spPr>
+          <a:xfrm>
+            <a:off x="457200" y="1417638"/>
+            <a:ext cx="8229600" cy="4708525"/>
+          </a:xfrm>
+        </p:spPr>
+        <p:txBody>
           <a:bodyPr>
             <a:normAutofit/>
           </a:bodyPr>
           <a:lstStyle/>
           <a:p>
             <a:r>
-              <a:rPr lang="en-US" dirty="0" smtClean="0"/>
-              <a:t>What do your samples look like?</a:t>
-            </a:r>
-            <a:endParaRPr lang="en-US" dirty="0"/>
-          </a:p>
-        </p:txBody>
-      </p:sp>
-      <p:sp>
-        <p:nvSpPr>
-          <p:cNvPr id="3" name="Content Placeholder 2"/>
-          <p:cNvSpPr>
-            <a:spLocks noGrp="1"/>
-          </p:cNvSpPr>
-          <p:nvPr>
-            <p:ph idx="1"/>
-          </p:nvPr>
-        </p:nvSpPr>
-        <p:spPr/>
-        <p:txBody>
-          <a:bodyPr>
-            <a:normAutofit/>
+              <a:rPr lang="en-US" sz="2400" dirty="0" err="1"/>
+              <a:t>Amplicon</a:t>
+            </a:r>
+            <a:r>
+              <a:rPr lang="en-US" sz="2400" dirty="0"/>
+              <a:t> datasets should show </a:t>
+            </a:r>
+            <a:r>
+              <a:rPr lang="en-US" sz="2400" dirty="0" smtClean="0"/>
+              <a:t>biased </a:t>
+            </a:r>
+            <a:r>
+              <a:rPr lang="en-US" sz="2400" dirty="0"/>
+              <a:t>distributions of bases at each </a:t>
+            </a:r>
+            <a:r>
+              <a:rPr lang="en-US" sz="2400" dirty="0" smtClean="0"/>
+              <a:t>position</a:t>
+            </a:r>
+            <a:r>
+              <a:rPr lang="en-US" sz="2400" dirty="0"/>
+              <a:t>.</a:t>
+            </a:r>
+          </a:p>
+          <a:p>
+            <a:endParaRPr lang="en-US" sz="2400" dirty="0" smtClean="0"/>
+          </a:p>
+          <a:p>
+            <a:endParaRPr lang="en-US" sz="2400" dirty="0"/>
+          </a:p>
+          <a:p>
+            <a:pPr marL="0" indent="0">
+              <a:buNone/>
+            </a:pPr>
+            <a:endParaRPr lang="en-US" sz="2400" dirty="0" smtClean="0"/>
+          </a:p>
+          <a:p>
+            <a:pPr marL="0" indent="0">
+              <a:buNone/>
+            </a:pPr>
+            <a:endParaRPr lang="en-US" sz="2400" dirty="0"/>
+          </a:p>
+          <a:p>
+            <a:r>
+              <a:rPr lang="en-US" sz="2400" dirty="0" smtClean="0"/>
+              <a:t>WGS </a:t>
+            </a:r>
+            <a:r>
+              <a:rPr lang="en-US" sz="2400" dirty="0"/>
+              <a:t>datasets should have roughly equal proportions of </a:t>
+            </a:r>
+            <a:r>
+              <a:rPr lang="en-US" sz="2400" dirty="0" err="1"/>
+              <a:t>basecalls</a:t>
+            </a:r>
+            <a:r>
+              <a:rPr lang="en-US" sz="2400" dirty="0"/>
+              <a:t>.</a:t>
+            </a:r>
+          </a:p>
+        </p:txBody>
+      </p:sp>
+      <p:pic>
+        <p:nvPicPr>
+          <p:cNvPr id="5" name="Picture 4"/>
+          <p:cNvPicPr>
+            <a:picLocks noChangeAspect="1"/>
+          </p:cNvPicPr>
+          <p:nvPr/>
+        </p:nvPicPr>
+        <p:blipFill>
+          <a:blip r:embed="rId2"/>
+          <a:stretch>
+            <a:fillRect/>
+          </a:stretch>
+        </p:blipFill>
+        <p:spPr>
+          <a:xfrm>
+            <a:off x="3062815" y="1879598"/>
+            <a:ext cx="5708650" cy="2082800"/>
+          </a:xfrm>
+          <a:prstGeom prst="rect">
+            <a:avLst/>
+          </a:prstGeom>
+        </p:spPr>
+      </p:pic>
+      <p:pic>
+        <p:nvPicPr>
+          <p:cNvPr id="6" name="Picture 5"/>
+          <p:cNvPicPr>
+            <a:picLocks noChangeAspect="1"/>
+          </p:cNvPicPr>
+          <p:nvPr/>
+        </p:nvPicPr>
+        <p:blipFill>
+          <a:blip r:embed="rId3"/>
+          <a:stretch>
+            <a:fillRect/>
+          </a:stretch>
+        </p:blipFill>
+        <p:spPr>
+          <a:xfrm>
+            <a:off x="2810934" y="4643755"/>
+            <a:ext cx="5715000" cy="2012950"/>
+          </a:xfrm>
+          <a:prstGeom prst="rect">
+            <a:avLst/>
+          </a:prstGeom>
+        </p:spPr>
+      </p:pic>
+      <p:sp>
+        <p:nvSpPr>
+          <p:cNvPr id="7" name="TextBox 6"/>
+          <p:cNvSpPr txBox="1"/>
+          <p:nvPr/>
+        </p:nvSpPr>
+        <p:spPr>
+          <a:xfrm>
+            <a:off x="592662" y="5945314"/>
+            <a:ext cx="2065867" cy="523220"/>
+          </a:xfrm>
+          <a:prstGeom prst="rect">
+            <a:avLst/>
+          </a:prstGeom>
+          <a:noFill/>
+        </p:spPr>
+        <p:txBody>
+          <a:bodyPr wrap="square" rtlCol="0">
+            <a:spAutoFit/>
           </a:bodyPr>
           <a:lstStyle/>
           <a:p>
             <a:r>
-              <a:rPr lang="en-US" dirty="0" smtClean="0"/>
-              <a:t>What characteristics do the two extreme HMP samples have?</a:t>
-            </a:r>
-          </a:p>
-          <a:p>
-            <a:r>
-              <a:rPr lang="en-US" dirty="0" smtClean="0"/>
-              <a:t>What does the nucleotide profile show for the sample with greatest error?</a:t>
-            </a:r>
-          </a:p>
-          <a:p>
-            <a:pPr lvl="1"/>
-            <a:r>
-              <a:rPr lang="en-US" dirty="0"/>
-              <a:t>How could </a:t>
-            </a:r>
-            <a:r>
-              <a:rPr lang="en-US" dirty="0" smtClean="0"/>
-              <a:t>you improve </a:t>
-            </a:r>
-            <a:r>
-              <a:rPr lang="en-US" dirty="0"/>
-              <a:t>quality</a:t>
-            </a:r>
-            <a:r>
-              <a:rPr lang="en-US" dirty="0" smtClean="0"/>
-              <a:t>?</a:t>
-            </a:r>
-          </a:p>
-          <a:p>
-            <a:r>
-              <a:rPr lang="en-US" dirty="0" smtClean="0"/>
-              <a:t>What data would you choose for your comparative analysis, given the choice?</a:t>
-            </a:r>
-          </a:p>
-          <a:p>
-            <a:endParaRPr lang="en-US" dirty="0"/>
+              <a:rPr lang="en-US" sz="1400" dirty="0" smtClean="0">
+                <a:solidFill>
+                  <a:srgbClr val="FF0000"/>
+                </a:solidFill>
+              </a:rPr>
+              <a:t>An example of untrimmed barcodes.</a:t>
+            </a:r>
+            <a:endParaRPr lang="en-US" sz="1400" dirty="0">
+              <a:solidFill>
+                <a:srgbClr val="FF0000"/>
+              </a:solidFill>
+            </a:endParaRPr>
+          </a:p>
+        </p:txBody>
+      </p:sp>
+      <p:cxnSp>
+        <p:nvCxnSpPr>
+          <p:cNvPr id="9" name="Straight Arrow Connector 8"/>
+          <p:cNvCxnSpPr/>
+          <p:nvPr/>
+        </p:nvCxnSpPr>
+        <p:spPr>
+          <a:xfrm>
+            <a:off x="1913467" y="6126163"/>
+            <a:ext cx="1168400" cy="1"/>
+          </a:xfrm>
+          <a:prstGeom prst="straightConnector1">
+            <a:avLst/>
+          </a:prstGeom>
+          <a:ln>
+            <a:solidFill>
+              <a:srgbClr val="FF0000"/>
+            </a:solidFill>
+            <a:tailEnd type="arrow"/>
+          </a:ln>
+        </p:spPr>
+        <p:style>
+          <a:lnRef idx="2">
+            <a:schemeClr val="accent1"/>
+          </a:lnRef>
+          <a:fillRef idx="0">
+            <a:schemeClr val="accent1"/>
+          </a:fillRef>
+          <a:effectRef idx="1">
+            <a:schemeClr val="accent1"/>
+          </a:effectRef>
+          <a:fontRef idx="minor">
+            <a:schemeClr val="tx1"/>
+          </a:fontRef>
+        </p:style>
+      </p:cxnSp>
+      <p:sp>
+        <p:nvSpPr>
+          <p:cNvPr id="10" name="Rounded Rectangle 9"/>
+          <p:cNvSpPr/>
+          <p:nvPr/>
+        </p:nvSpPr>
+        <p:spPr>
+          <a:xfrm>
+            <a:off x="3081867" y="4677621"/>
+            <a:ext cx="491066" cy="1858645"/>
+          </a:xfrm>
+          <a:prstGeom prst="roundRect">
+            <a:avLst/>
+          </a:prstGeom>
+          <a:noFill/>
+          <a:ln w="19050" cmpd="sng">
+            <a:solidFill>
+              <a:srgbClr val="FF0000"/>
+            </a:solidFill>
+          </a:ln>
+        </p:spPr>
+        <p:style>
+          <a:lnRef idx="1">
+            <a:schemeClr val="accent1"/>
+          </a:lnRef>
+          <a:fillRef idx="3">
+            <a:schemeClr val="accent1"/>
+          </a:fillRef>
+          <a:effectRef idx="2">
+            <a:schemeClr val="accent1"/>
+          </a:effectRef>
+          <a:fontRef idx="minor">
+            <a:schemeClr val="lt1"/>
+          </a:fontRef>
+        </p:style>
+        <p:txBody>
+          <a:bodyPr rtlCol="0" anchor="ctr"/>
+          <a:lstStyle/>
+          <a:p>
+            <a:pPr algn="ctr"/>
+            <a:endParaRPr lang="en-US"/>
+          </a:p>
+        </p:txBody>
+      </p:sp>
+      <p:sp>
+        <p:nvSpPr>
+          <p:cNvPr id="11" name="Rectangle 10"/>
+          <p:cNvSpPr/>
+          <p:nvPr/>
+        </p:nvSpPr>
+        <p:spPr>
+          <a:xfrm>
+            <a:off x="726015" y="2377702"/>
+            <a:ext cx="2235200" cy="738664"/>
+          </a:xfrm>
+          <a:prstGeom prst="rect">
+            <a:avLst/>
+          </a:prstGeom>
+        </p:spPr>
+        <p:txBody>
+          <a:bodyPr wrap="square">
+            <a:spAutoFit/>
+          </a:bodyPr>
+          <a:lstStyle/>
+          <a:p>
+            <a:r>
+              <a:rPr lang="en-US" sz="1400" dirty="0" smtClean="0"/>
+              <a:t>Reflects conservation </a:t>
+            </a:r>
+            <a:r>
+              <a:rPr lang="en-US" sz="1400" dirty="0"/>
+              <a:t>and variability in the recovered sequences:</a:t>
+            </a:r>
           </a:p>
         </p:txBody>
       </p:sp>
     </p:spTree>
     <p:extLst>
       <p:ext uri="{BB962C8B-B14F-4D97-AF65-F5344CB8AC3E}">
-        <p14:creationId xmlns:p14="http://schemas.microsoft.com/office/powerpoint/2010/main" val="790735147"/>
+        <p14:creationId xmlns:p14="http://schemas.microsoft.com/office/powerpoint/2010/main" val="4259936572"/>
       </p:ext>
     </p:extLst>
   </p:cSld>
   <p:clrMapOvr>
     <a:masterClrMapping/>
   </p:clrMapOvr>
+  <p:timing>
+    <p:tnLst>
+      <p:par>
+        <p:cTn xmlns:p14="http://schemas.microsoft.com/office/powerpoint/2010/main" id="1" dur="indefinite" restart="never" nodeType="tmRoot"/>
+      </p:par>
+    </p:tnLst>
+  </p:timing>
 </p:sld>
 </file>
 
@@ -9691,22 +10031,26 @@
             <p:ph type="title"/>
           </p:nvPr>
         </p:nvSpPr>
-        <p:spPr>
-          <a:solidFill>
-            <a:srgbClr val="77933C"/>
-          </a:solidFill>
-        </p:spPr>
+        <p:spPr/>
         <p:txBody>
           <a:bodyPr>
-            <a:noAutofit/>
+            <a:normAutofit/>
           </a:bodyPr>
           <a:lstStyle/>
           <a:p>
             <a:r>
-              <a:rPr lang="en-US" sz="3600" dirty="0" smtClean="0"/>
-              <a:t>Example 5. How taxonomically diverse are your samples?</a:t>
-            </a:r>
-            <a:endParaRPr lang="en-US" sz="3600" dirty="0"/>
+              <a:rPr lang="en-US" dirty="0" smtClean="0"/>
+              <a:t>What do </a:t>
+            </a:r>
+            <a:r>
+              <a:rPr lang="en-US" dirty="0" smtClean="0"/>
+              <a:t>the samples </a:t>
+            </a:r>
+            <a:r>
+              <a:rPr lang="en-US" dirty="0" smtClean="0"/>
+              <a:t>look like?</a:t>
+            </a:r>
+            <a:endParaRPr lang="en-US" dirty="0"/>
           </a:p>
         </p:txBody>
       </p:sp>
@@ -9723,190 +10067,68 @@
         <p:spPr/>
         <p:txBody>
           <a:bodyPr>
-            <a:noAutofit/>
+            <a:normAutofit/>
           </a:bodyPr>
           <a:lstStyle/>
           <a:p>
             <a:r>
-              <a:rPr lang="en-US" sz="2400" dirty="0"/>
-              <a:t>In Browse table, </a:t>
-            </a:r>
-            <a:r>
-              <a:rPr lang="en-US" sz="2400" b="1" dirty="0"/>
-              <a:t>select 5-10 HMP fecal samples </a:t>
-            </a:r>
-            <a:r>
-              <a:rPr lang="en-US" sz="2400" dirty="0"/>
-              <a:t>from healthy patients and add to a collection.</a:t>
+              <a:rPr lang="en-US" dirty="0" smtClean="0"/>
+              <a:t>What characteristics do </a:t>
+            </a:r>
+            <a:r>
+              <a:rPr lang="en-US" dirty="0" smtClean="0"/>
+              <a:t>two </a:t>
+            </a:r>
+            <a:r>
+              <a:rPr lang="en-US" dirty="0" smtClean="0"/>
+              <a:t>extreme HMP samples have?</a:t>
+            </a:r>
+          </a:p>
+          <a:p>
+            <a:r>
+              <a:rPr lang="en-US" dirty="0" smtClean="0"/>
+              <a:t>What does the nucleotide profile show for the sample with greatest error?</a:t>
             </a:r>
           </a:p>
           <a:p>
             <a:pPr lvl="1"/>
             <a:r>
-              <a:rPr lang="en-US" sz="2000" dirty="0" smtClean="0"/>
-              <a:t>Select </a:t>
-            </a:r>
-            <a:r>
-              <a:rPr lang="en-US" sz="2000" dirty="0"/>
-              <a:t>from table and add </a:t>
-            </a:r>
-            <a:r>
-              <a:rPr lang="en-US" sz="2000" dirty="0" smtClean="0"/>
-              <a:t>create a collection</a:t>
-            </a:r>
-            <a:r>
-              <a:rPr lang="en-US" sz="2000" dirty="0"/>
-              <a:t>.</a:t>
-            </a:r>
-          </a:p>
-          <a:p>
-            <a:r>
-              <a:rPr lang="en-US" sz="2400" dirty="0" smtClean="0"/>
-              <a:t>Go to the Analysis page</a:t>
-            </a:r>
-          </a:p>
-          <a:p>
-            <a:pPr lvl="1"/>
-            <a:r>
-              <a:rPr lang="en-US" sz="2000" dirty="0" smtClean="0"/>
-              <a:t>Create </a:t>
-            </a:r>
-            <a:r>
-              <a:rPr lang="en-US" sz="2000" dirty="0" err="1" smtClean="0"/>
-              <a:t>rarefraction</a:t>
-            </a:r>
-            <a:r>
-              <a:rPr lang="en-US" sz="2000" dirty="0" smtClean="0"/>
-              <a:t> curve for all samples using default settings.</a:t>
-            </a:r>
-          </a:p>
-          <a:p>
-            <a:pPr lvl="1"/>
-            <a:r>
-              <a:rPr lang="en-US" sz="2000" dirty="0" smtClean="0"/>
-              <a:t>Create </a:t>
-            </a:r>
-            <a:r>
-              <a:rPr lang="en-US" sz="2000" dirty="0" err="1" smtClean="0"/>
-              <a:t>heatmap</a:t>
-            </a:r>
-            <a:endParaRPr lang="en-US" sz="2000" dirty="0" smtClean="0"/>
-          </a:p>
-          <a:p>
-            <a:pPr lvl="1"/>
-            <a:r>
-              <a:rPr lang="en-US" sz="2000" dirty="0" smtClean="0"/>
-              <a:t>(</a:t>
-            </a:r>
-            <a:r>
-              <a:rPr lang="en-US" sz="2000" dirty="0" smtClean="0">
-                <a:solidFill>
-                  <a:schemeClr val="accent3">
-                    <a:lumMod val="50000"/>
-                  </a:schemeClr>
-                </a:solidFill>
-              </a:rPr>
-              <a:t>For example 6</a:t>
-            </a:r>
-            <a:r>
-              <a:rPr lang="en-US" sz="2000" dirty="0" smtClean="0"/>
-              <a:t>) Create </a:t>
-            </a:r>
-            <a:r>
-              <a:rPr lang="en-US" sz="2000" dirty="0" smtClean="0"/>
-              <a:t>table </a:t>
-            </a:r>
-            <a:endParaRPr lang="en-US" sz="2000" dirty="0" smtClean="0"/>
-          </a:p>
-          <a:p>
-            <a:pPr lvl="2"/>
-            <a:r>
-              <a:rPr lang="en-US" sz="1600" dirty="0" smtClean="0"/>
-              <a:t>Select </a:t>
-            </a:r>
-            <a:r>
-              <a:rPr lang="en-US" sz="1600" dirty="0" smtClean="0"/>
-              <a:t>on </a:t>
-            </a:r>
-            <a:r>
-              <a:rPr lang="en-US" sz="1600" dirty="0" smtClean="0"/>
-              <a:t>order </a:t>
-            </a:r>
-            <a:r>
-              <a:rPr lang="en-US" sz="1600" dirty="0" err="1" smtClean="0"/>
-              <a:t>Clostridiaceae</a:t>
-            </a:r>
-            <a:endParaRPr lang="en-US" sz="1600" dirty="0" smtClean="0"/>
-          </a:p>
-          <a:p>
-            <a:pPr lvl="2"/>
-            <a:r>
-              <a:rPr lang="en-US" sz="1600" dirty="0" err="1" smtClean="0"/>
-              <a:t>Subselect</a:t>
-            </a:r>
-            <a:r>
-              <a:rPr lang="en-US" sz="1600" dirty="0" smtClean="0"/>
-              <a:t> and add to workbench</a:t>
-            </a:r>
-          </a:p>
-          <a:p>
-            <a:pPr lvl="3"/>
-            <a:r>
-              <a:rPr lang="en-US" sz="1200" dirty="0" smtClean="0"/>
-              <a:t>Oops – you can’t use MG-RAST web UI with that many features!  Move over to </a:t>
-            </a:r>
-            <a:r>
-              <a:rPr lang="en-US" sz="1200" dirty="0" err="1" smtClean="0"/>
-              <a:t>cmd</a:t>
-            </a:r>
-            <a:r>
-              <a:rPr lang="en-US" sz="1200" dirty="0" smtClean="0"/>
-              <a:t>-line!</a:t>
-            </a:r>
-            <a:endParaRPr lang="en-US" sz="1200" dirty="0" smtClean="0"/>
-          </a:p>
-          <a:p>
-            <a:r>
-              <a:rPr lang="en-US" sz="2400" dirty="0" smtClean="0"/>
-              <a:t>Are there major differences in the samples?</a:t>
-            </a:r>
-          </a:p>
-          <a:p>
-            <a:pPr lvl="1"/>
-            <a:r>
-              <a:rPr lang="en-US" sz="2000" dirty="0" smtClean="0"/>
-              <a:t>Class likely chose different 5-10 samples – did people with different collection of samples see the same diversity?</a:t>
-            </a:r>
-          </a:p>
-          <a:p>
-            <a:pPr lvl="1"/>
-            <a:r>
-              <a:rPr lang="en-US" sz="2000" dirty="0" smtClean="0"/>
-              <a:t>Briefly talk about how subsampling (other factors) can skew results.</a:t>
-            </a:r>
-          </a:p>
-          <a:p>
-            <a:endParaRPr lang="en-US" sz="2400" dirty="0"/>
+              <a:rPr lang="en-US" dirty="0" smtClean="0"/>
+              <a:t>If this was your sample, what would you do?</a:t>
+            </a:r>
+            <a:endParaRPr lang="en-US" dirty="0" smtClean="0"/>
+          </a:p>
+          <a:p>
+            <a:r>
+              <a:rPr lang="en-US" dirty="0" smtClean="0"/>
+              <a:t>What data </a:t>
+            </a:r>
+            <a:r>
+              <a:rPr lang="en-US" dirty="0" smtClean="0"/>
+              <a:t>sets would </a:t>
+            </a:r>
+            <a:r>
+              <a:rPr lang="en-US" dirty="0" smtClean="0"/>
+              <a:t>you choose for your comparative </a:t>
+            </a:r>
+            <a:r>
+              <a:rPr lang="en-US" dirty="0" smtClean="0"/>
+              <a:t>analysis? How many?  </a:t>
+            </a:r>
+            <a:endParaRPr lang="en-US" dirty="0"/>
           </a:p>
         </p:txBody>
       </p:sp>
     </p:spTree>
     <p:extLst>
       <p:ext uri="{BB962C8B-B14F-4D97-AF65-F5344CB8AC3E}">
-        <p14:creationId xmlns:p14="http://schemas.microsoft.com/office/powerpoint/2010/main" val="1038394273"/>
+        <p14:creationId xmlns:p14="http://schemas.microsoft.com/office/powerpoint/2010/main" val="790735147"/>
       </p:ext>
     </p:extLst>
   </p:cSld>
   <p:clrMapOvr>
     <a:masterClrMapping/>
   </p:clrMapOvr>
-  <p:timing>
-    <p:tnLst>
-      <p:par>
-        <p:cTn xmlns:p14="http://schemas.microsoft.com/office/powerpoint/2010/main" id="1" dur="indefinite" restart="never" nodeType="tmRoot"/>
-      </p:par>
-    </p:tnLst>
-  </p:timing>
 </p:sld>
 </file>
 
@@ -9937,22 +10159,212 @@
             <p:ph type="title"/>
           </p:nvPr>
         </p:nvSpPr>
-        <p:spPr/>
-        <p:txBody>
-          <a:bodyPr/>
-          <a:lstStyle/>
-          <a:p>
-            <a:r>
-              <a:rPr lang="en-US" dirty="0" smtClean="0"/>
-              <a:t>Sample diversity</a:t>
-            </a:r>
-            <a:endParaRPr lang="en-US" dirty="0"/>
+        <p:spPr>
+          <a:solidFill>
+            <a:srgbClr val="77933C"/>
+          </a:solidFill>
+        </p:spPr>
+        <p:txBody>
+          <a:bodyPr>
+            <a:noAutofit/>
+          </a:bodyPr>
+          <a:lstStyle/>
+          <a:p>
+            <a:r>
+              <a:rPr lang="en-US" sz="3600" dirty="0" smtClean="0"/>
+              <a:t>Example 5. How taxonomically diverse are your samples?</a:t>
+            </a:r>
+            <a:endParaRPr lang="en-US" sz="3600" dirty="0"/>
+          </a:p>
+        </p:txBody>
+      </p:sp>
+      <p:sp>
+        <p:nvSpPr>
+          <p:cNvPr id="3" name="Content Placeholder 2"/>
+          <p:cNvSpPr>
+            <a:spLocks noGrp="1"/>
+          </p:cNvSpPr>
+          <p:nvPr>
+            <p:ph idx="1"/>
+          </p:nvPr>
+        </p:nvSpPr>
+        <p:spPr>
+          <a:xfrm>
+            <a:off x="457200" y="1600200"/>
+            <a:ext cx="8229600" cy="5003800"/>
+          </a:xfrm>
+        </p:spPr>
+        <p:txBody>
+          <a:bodyPr>
+            <a:noAutofit/>
+          </a:bodyPr>
+          <a:lstStyle/>
+          <a:p>
+            <a:r>
+              <a:rPr lang="en-US" sz="2400" dirty="0"/>
+              <a:t>In Browse table, </a:t>
+            </a:r>
+            <a:r>
+              <a:rPr lang="en-US" sz="2400" b="1" dirty="0"/>
+              <a:t>select </a:t>
+            </a:r>
+            <a:r>
+              <a:rPr lang="en-US" sz="2400" b="1" dirty="0" smtClean="0"/>
+              <a:t>some</a:t>
+            </a:r>
+            <a:r>
+              <a:rPr lang="en-US" sz="2400" b="1" dirty="0" smtClean="0"/>
+              <a:t> </a:t>
+            </a:r>
+            <a:r>
+              <a:rPr lang="en-US" sz="2400" b="1" dirty="0"/>
+              <a:t>HMP fecal samples </a:t>
+            </a:r>
+            <a:r>
+              <a:rPr lang="en-US" sz="2400" dirty="0"/>
+              <a:t>from healthy patients and add to a collection.</a:t>
+            </a:r>
+          </a:p>
+          <a:p>
+            <a:pPr lvl="1"/>
+            <a:r>
+              <a:rPr lang="en-US" sz="2000" dirty="0" smtClean="0"/>
+              <a:t>Select </a:t>
+            </a:r>
+            <a:r>
+              <a:rPr lang="en-US" sz="2000" dirty="0"/>
+              <a:t>from table and add </a:t>
+            </a:r>
+            <a:r>
+              <a:rPr lang="en-US" sz="2000" dirty="0" smtClean="0"/>
+              <a:t>create a collection</a:t>
+            </a:r>
+            <a:r>
+              <a:rPr lang="en-US" sz="2000" dirty="0"/>
+              <a:t>.</a:t>
+            </a:r>
+          </a:p>
+          <a:p>
+            <a:endParaRPr lang="en-US" sz="2400" dirty="0" smtClean="0"/>
+          </a:p>
+          <a:p>
+            <a:pPr marL="0" indent="0">
+              <a:buNone/>
+            </a:pPr>
+            <a:endParaRPr lang="en-US" sz="2400" dirty="0"/>
+          </a:p>
+          <a:p>
+            <a:pPr marL="0" indent="0">
+              <a:buNone/>
+            </a:pPr>
+            <a:endParaRPr lang="en-US" sz="2400" dirty="0" smtClean="0"/>
+          </a:p>
+          <a:p>
+            <a:r>
+              <a:rPr lang="en-US" sz="2400" dirty="0" smtClean="0"/>
+              <a:t>Go </a:t>
+            </a:r>
+            <a:r>
+              <a:rPr lang="en-US" sz="2400" dirty="0" smtClean="0"/>
+              <a:t>to the Analysis page</a:t>
+            </a:r>
+          </a:p>
+          <a:p>
+            <a:pPr lvl="1"/>
+            <a:r>
+              <a:rPr lang="en-US" sz="2000" dirty="0" smtClean="0"/>
+              <a:t>Create </a:t>
+            </a:r>
+            <a:r>
+              <a:rPr lang="en-US" sz="2000" dirty="0" err="1" smtClean="0"/>
+              <a:t>rarefraction</a:t>
+            </a:r>
+            <a:r>
+              <a:rPr lang="en-US" sz="2000" dirty="0" smtClean="0"/>
+              <a:t> curve for </a:t>
+            </a:r>
+            <a:r>
+              <a:rPr lang="en-US" sz="2000" dirty="0" smtClean="0"/>
+              <a:t>your collection</a:t>
+            </a:r>
+            <a:endParaRPr lang="en-US" sz="2000" dirty="0" smtClean="0"/>
+          </a:p>
+          <a:p>
+            <a:pPr lvl="1"/>
+            <a:r>
+              <a:rPr lang="en-US" sz="2000" dirty="0" smtClean="0"/>
+              <a:t>Create </a:t>
+            </a:r>
+            <a:r>
+              <a:rPr lang="en-US" sz="2000" dirty="0" err="1" smtClean="0"/>
+              <a:t>heatmap</a:t>
+            </a:r>
+            <a:endParaRPr lang="en-US" sz="2000" dirty="0" smtClean="0"/>
+          </a:p>
+          <a:p>
+            <a:pPr lvl="1"/>
+            <a:r>
+              <a:rPr lang="en-US" sz="2000" dirty="0" smtClean="0"/>
+              <a:t>Create </a:t>
+            </a:r>
+            <a:r>
+              <a:rPr lang="en-US" sz="2000" dirty="0" smtClean="0"/>
+              <a:t>table </a:t>
+            </a:r>
+            <a:endParaRPr lang="en-US" sz="2000" dirty="0" smtClean="0"/>
+          </a:p>
+          <a:p>
+            <a:pPr lvl="2"/>
+            <a:r>
+              <a:rPr lang="en-US" sz="1600" dirty="0" smtClean="0"/>
+              <a:t>Select </a:t>
+            </a:r>
+            <a:r>
+              <a:rPr lang="en-US" sz="1600" dirty="0" smtClean="0"/>
+              <a:t>on </a:t>
+            </a:r>
+            <a:r>
+              <a:rPr lang="en-US" sz="1600" dirty="0" smtClean="0"/>
+              <a:t>order </a:t>
+            </a:r>
+            <a:r>
+              <a:rPr lang="en-US" sz="1600" dirty="0" err="1" smtClean="0"/>
+              <a:t>Clostridiaceae</a:t>
+            </a:r>
+            <a:endParaRPr lang="en-US" sz="1600" dirty="0" smtClean="0"/>
+          </a:p>
+          <a:p>
+            <a:pPr lvl="2"/>
+            <a:r>
+              <a:rPr lang="en-US" sz="1600" dirty="0" err="1" smtClean="0"/>
+              <a:t>Subselect</a:t>
+            </a:r>
+            <a:r>
+              <a:rPr lang="en-US" sz="1600" dirty="0" smtClean="0"/>
+              <a:t> and add to workbench</a:t>
+            </a:r>
+          </a:p>
+          <a:p>
+            <a:pPr lvl="2"/>
+            <a:r>
+              <a:rPr lang="en-US" sz="1600" dirty="0" smtClean="0"/>
+              <a:t>Oops – if you can’t use MG-RAST web UI with that many features - move over to </a:t>
+            </a:r>
+            <a:r>
+              <a:rPr lang="en-US" sz="1600" dirty="0" err="1" smtClean="0"/>
+              <a:t>cmd</a:t>
+            </a:r>
+            <a:r>
+              <a:rPr lang="en-US" sz="1600" dirty="0" smtClean="0"/>
+              <a:t>-line!</a:t>
+            </a:r>
+            <a:endParaRPr lang="en-US" sz="1600" dirty="0" smtClean="0"/>
           </a:p>
         </p:txBody>
       </p:sp>
       <p:pic>
         <p:nvPicPr>
-          <p:cNvPr id="6" name="Picture 5"/>
+          <p:cNvPr id="4" name="Picture 3"/>
           <p:cNvPicPr>
             <a:picLocks noChangeAspect="1"/>
           </p:cNvPicPr>
@@ -9966,18 +10378,62 @@
         </p:blipFill>
         <p:spPr>
           <a:xfrm>
-            <a:off x="698500" y="1590859"/>
-            <a:ext cx="7507820" cy="5176872"/>
+            <a:off x="1792150" y="2822222"/>
+            <a:ext cx="5856074" cy="1410128"/>
           </a:xfrm>
           <a:prstGeom prst="rect">
             <a:avLst/>
           </a:prstGeom>
         </p:spPr>
       </p:pic>
+      <p:sp>
+        <p:nvSpPr>
+          <p:cNvPr id="5" name="Oval 4"/>
+          <p:cNvSpPr/>
+          <p:nvPr/>
+        </p:nvSpPr>
+        <p:spPr>
+          <a:xfrm>
+            <a:off x="5926667" y="3640667"/>
+            <a:ext cx="1919111" cy="437444"/>
+          </a:xfrm>
+          <a:prstGeom prst="ellipse">
+            <a:avLst/>
+          </a:prstGeom>
+          <a:noFill/>
+          <a:ln w="38100" cmpd="sng">
+            <a:solidFill>
+              <a:srgbClr val="FF0000"/>
+            </a:solidFill>
+          </a:ln>
+        </p:spPr>
+        <p:style>
+          <a:lnRef idx="1">
+            <a:schemeClr val="accent1"/>
+          </a:lnRef>
+          <a:fillRef idx="3">
+            <a:schemeClr val="accent1"/>
+          </a:fillRef>
+          <a:effectRef idx="2">
+            <a:schemeClr val="accent1"/>
+          </a:effectRef>
+          <a:fontRef idx="minor">
+            <a:schemeClr val="lt1"/>
+          </a:fontRef>
+        </p:style>
+        <p:txBody>
+          <a:bodyPr rtlCol="0" anchor="ctr"/>
+          <a:lstStyle/>
+          <a:p>
+            <a:pPr algn="ctr"/>
+            <a:endParaRPr lang="en-US"/>
+          </a:p>
+        </p:txBody>
+      </p:sp>
     </p:spTree>
     <p:extLst>
       <p:ext uri="{BB962C8B-B14F-4D97-AF65-F5344CB8AC3E}">
-        <p14:creationId xmlns:p14="http://schemas.microsoft.com/office/powerpoint/2010/main" val="4147225134"/>
+        <p14:creationId xmlns:p14="http://schemas.microsoft.com/office/powerpoint/2010/main" val="1038394273"/>
       </p:ext>
     </p:extLst>
   </p:cSld>
@@ -10023,14 +10479,12 @@
         </p:nvSpPr>
         <p:spPr/>
         <p:txBody>
-          <a:bodyPr>
-            <a:normAutofit/>
-          </a:bodyPr>
-          <a:lstStyle/>
-          <a:p>
-            <a:r>
-              <a:rPr lang="en-US" dirty="0" smtClean="0"/>
-              <a:t>What taxa are in common?</a:t>
+          <a:bodyPr/>
+          <a:lstStyle/>
+          <a:p>
+            <a:r>
+              <a:rPr lang="en-US" dirty="0" smtClean="0"/>
+              <a:t>Array of analyses</a:t>
             </a:r>
             <a:endParaRPr lang="en-US" dirty="0"/>
           </a:p>
@@ -10044,15 +10498,16 @@
           </p:cNvPicPr>
           <p:nvPr/>
         </p:nvPicPr>
-        <p:blipFill rotWithShape="1">
+        <p:blipFill>
           <a:blip r:embed="rId2"/>
-          <a:srcRect t="25082"/>
-          <a:stretch/>
+          <a:stretch>
+            <a:fillRect/>
+          </a:stretch>
         </p:blipFill>
         <p:spPr>
           <a:xfrm>
-            <a:off x="1329266" y="1417637"/>
-            <a:ext cx="6409753" cy="5067829"/>
+            <a:off x="0" y="1612900"/>
+            <a:ext cx="9144000" cy="5819817"/>
           </a:xfrm>
           <a:prstGeom prst="rect">
             <a:avLst/>
@@ -10061,22 +10516,60 @@
       </p:pic>
       <p:sp>
         <p:nvSpPr>
-          <p:cNvPr id="5" name="Oval 4"/>
+          <p:cNvPr id="5" name="TextBox 4"/>
+          <p:cNvSpPr txBox="1"/>
+          <p:nvPr/>
+        </p:nvSpPr>
+        <p:spPr>
+          <a:xfrm>
+            <a:off x="4559300" y="2235200"/>
+            <a:ext cx="1700405" cy="369332"/>
+          </a:xfrm>
+          <a:prstGeom prst="rect">
+            <a:avLst/>
+          </a:prstGeom>
+          <a:noFill/>
+        </p:spPr>
+        <p:txBody>
+          <a:bodyPr wrap="none" rtlCol="0">
+            <a:spAutoFit/>
+          </a:bodyPr>
+          <a:lstStyle/>
+          <a:p>
+            <a:r>
+              <a:rPr lang="en-US" dirty="0" smtClean="0">
+                <a:solidFill>
+                  <a:srgbClr val="FF0000"/>
+                </a:solidFill>
+              </a:rPr>
+              <a:t>Select your data</a:t>
+            </a:r>
+            <a:endParaRPr lang="en-US" dirty="0">
+              <a:solidFill>
+                <a:srgbClr val="FF0000"/>
+              </a:solidFill>
+            </a:endParaRPr>
+          </a:p>
+        </p:txBody>
+      </p:sp>
+      <p:sp>
+        <p:nvSpPr>
+          <p:cNvPr id="6" name="Oval 5"/>
           <p:cNvSpPr/>
           <p:nvPr/>
         </p:nvSpPr>
         <p:spPr>
           <a:xfrm>
-            <a:off x="1117600" y="3110596"/>
-            <a:ext cx="5806892" cy="1664603"/>
+            <a:off x="1951567" y="3754967"/>
+            <a:ext cx="1919111" cy="437444"/>
           </a:xfrm>
           <a:prstGeom prst="ellipse">
             <a:avLst/>
           </a:prstGeom>
           <a:noFill/>
-          <a:ln w="19050" cmpd="sng">
+          <a:ln w="38100" cmpd="sng">
             <a:solidFill>
-              <a:srgbClr val="3366FF"/>
+              <a:srgbClr val="FF0000"/>
             </a:solidFill>
           </a:ln>
         </p:spPr>
@@ -10105,21 +10598,207 @@
       </p:sp>
       <p:cxnSp>
         <p:nvCxnSpPr>
-          <p:cNvPr id="7" name="Straight Arrow Connector 6"/>
+          <p:cNvPr id="8" name="Straight Arrow Connector 7"/>
           <p:cNvCxnSpPr/>
           <p:nvPr/>
         </p:nvCxnSpPr>
         <p:spPr>
-          <a:xfrm>
-            <a:off x="457200" y="4368800"/>
-            <a:ext cx="1642533" cy="0"/>
+          <a:xfrm flipV="1">
+            <a:off x="3870678" y="3365500"/>
+            <a:ext cx="688622" cy="571500"/>
           </a:xfrm>
           <a:prstGeom prst="straightConnector1">
             <a:avLst/>
           </a:prstGeom>
-          <a:ln w="38100" cmpd="sng">
+          <a:ln>
             <a:solidFill>
-              <a:srgbClr val="3366FF"/>
+              <a:srgbClr val="FF0000"/>
+            </a:solidFill>
+            <a:tailEnd type="arrow"/>
+          </a:ln>
+        </p:spPr>
+        <p:style>
+          <a:lnRef idx="2">
+            <a:schemeClr val="accent1"/>
+          </a:lnRef>
+          <a:fillRef idx="0">
+            <a:schemeClr val="accent1"/>
+          </a:fillRef>
+          <a:effectRef idx="1">
+            <a:schemeClr val="accent1"/>
+          </a:effectRef>
+          <a:fontRef idx="minor">
+            <a:schemeClr val="tx1"/>
+          </a:fontRef>
+        </p:style>
+      </p:cxnSp>
+      <p:sp>
+        <p:nvSpPr>
+          <p:cNvPr id="9" name="TextBox 8"/>
+          <p:cNvSpPr txBox="1"/>
+          <p:nvPr/>
+        </p:nvSpPr>
+        <p:spPr>
+          <a:xfrm>
+            <a:off x="4823194" y="4532868"/>
+            <a:ext cx="2204853" cy="923330"/>
+          </a:xfrm>
+          <a:prstGeom prst="rect">
+            <a:avLst/>
+          </a:prstGeom>
+          <a:noFill/>
+        </p:spPr>
+        <p:txBody>
+          <a:bodyPr wrap="square" rtlCol="0">
+            <a:spAutoFit/>
+          </a:bodyPr>
+          <a:lstStyle/>
+          <a:p>
+            <a:r>
+              <a:rPr lang="en-US" dirty="0" smtClean="0">
+                <a:solidFill>
+                  <a:srgbClr val="FF0000"/>
+                </a:solidFill>
+              </a:rPr>
+              <a:t>Set your parameters and annotation source</a:t>
+            </a:r>
+            <a:endParaRPr lang="en-US" dirty="0">
+              <a:solidFill>
+                <a:srgbClr val="FF0000"/>
+              </a:solidFill>
+            </a:endParaRPr>
+          </a:p>
+        </p:txBody>
+      </p:sp>
+      <p:sp>
+        <p:nvSpPr>
+          <p:cNvPr id="10" name="TextBox 9"/>
+          <p:cNvSpPr txBox="1"/>
+          <p:nvPr/>
+        </p:nvSpPr>
+        <p:spPr>
+          <a:xfrm>
+            <a:off x="167868" y="6109732"/>
+            <a:ext cx="1783699" cy="369332"/>
+          </a:xfrm>
+          <a:prstGeom prst="rect">
+            <a:avLst/>
+          </a:prstGeom>
+          <a:noFill/>
+        </p:spPr>
+        <p:txBody>
+          <a:bodyPr wrap="none" rtlCol="0">
+            <a:spAutoFit/>
+          </a:bodyPr>
+          <a:lstStyle/>
+          <a:p>
+            <a:r>
+              <a:rPr lang="en-US" dirty="0" smtClean="0">
+                <a:solidFill>
+                  <a:srgbClr val="FF0000"/>
+                </a:solidFill>
+              </a:rPr>
+              <a:t>Choose your tool</a:t>
+            </a:r>
+            <a:endParaRPr lang="en-US" dirty="0">
+              <a:solidFill>
+                <a:srgbClr val="FF0000"/>
+              </a:solidFill>
+            </a:endParaRPr>
+          </a:p>
+        </p:txBody>
+      </p:sp>
+      <p:sp>
+        <p:nvSpPr>
+          <p:cNvPr id="11" name="TextBox 10"/>
+          <p:cNvSpPr txBox="1"/>
+          <p:nvPr/>
+        </p:nvSpPr>
+        <p:spPr>
+          <a:xfrm>
+            <a:off x="167868" y="4292600"/>
+            <a:ext cx="1984968" cy="646331"/>
+          </a:xfrm>
+          <a:prstGeom prst="rect">
+            <a:avLst/>
+          </a:prstGeom>
+          <a:noFill/>
+        </p:spPr>
+        <p:txBody>
+          <a:bodyPr wrap="square" rtlCol="0">
+            <a:spAutoFit/>
+          </a:bodyPr>
+          <a:lstStyle/>
+          <a:p>
+            <a:r>
+              <a:rPr lang="en-US" dirty="0" smtClean="0">
+                <a:solidFill>
+                  <a:srgbClr val="FF0000"/>
+                </a:solidFill>
+              </a:rPr>
+              <a:t>What kind of data will you analyze?</a:t>
+            </a:r>
+            <a:endParaRPr lang="en-US" dirty="0">
+              <a:solidFill>
+                <a:srgbClr val="FF0000"/>
+              </a:solidFill>
+            </a:endParaRPr>
+          </a:p>
+        </p:txBody>
+      </p:sp>
+      <p:cxnSp>
+        <p:nvCxnSpPr>
+          <p:cNvPr id="12" name="Straight Arrow Connector 11"/>
+          <p:cNvCxnSpPr/>
+          <p:nvPr/>
+        </p:nvCxnSpPr>
+        <p:spPr>
+          <a:xfrm flipH="1" flipV="1">
+            <a:off x="609600" y="3048000"/>
+            <a:ext cx="327378" cy="1327150"/>
+          </a:xfrm>
+          <a:prstGeom prst="straightConnector1">
+            <a:avLst/>
+          </a:prstGeom>
+          <a:ln>
+            <a:solidFill>
+              <a:srgbClr val="FF0000"/>
+            </a:solidFill>
+            <a:tailEnd type="arrow"/>
+          </a:ln>
+        </p:spPr>
+        <p:style>
+          <a:lnRef idx="2">
+            <a:schemeClr val="accent1"/>
+          </a:lnRef>
+          <a:fillRef idx="0">
+            <a:schemeClr val="accent1"/>
+          </a:fillRef>
+          <a:effectRef idx="1">
+            <a:schemeClr val="accent1"/>
+          </a:effectRef>
+          <a:fontRef idx="minor">
+            <a:schemeClr val="tx1"/>
+          </a:fontRef>
+        </p:style>
+      </p:cxnSp>
+      <p:cxnSp>
+        <p:nvCxnSpPr>
+          <p:cNvPr id="15" name="Straight Arrow Connector 14"/>
+          <p:cNvCxnSpPr/>
+          <p:nvPr/>
+        </p:nvCxnSpPr>
+        <p:spPr>
+          <a:xfrm flipV="1">
+            <a:off x="1143000" y="5918200"/>
+            <a:ext cx="1009836" cy="292100"/>
+          </a:xfrm>
+          <a:prstGeom prst="straightConnector1">
+            <a:avLst/>
+          </a:prstGeom>
+          <a:ln>
+            <a:solidFill>
+              <a:srgbClr val="FF0000"/>
             </a:solidFill>
             <a:tailEnd type="arrow"/>
           </a:ln>
@@ -10142,20 +10821,13 @@
     </p:spTree>
     <p:extLst>
       <p:ext uri="{BB962C8B-B14F-4D97-AF65-F5344CB8AC3E}">
-        <p14:creationId xmlns:p14="http://schemas.microsoft.com/office/powerpoint/2010/main" val="1370748055"/>
+        <p14:creationId xmlns:p14="http://schemas.microsoft.com/office/powerpoint/2010/main" val="2638739680"/>
       </p:ext>
     </p:extLst>
   </p:cSld>
   <p:clrMapOvr>
     <a:masterClrMapping/>
   </p:clrMapOvr>
-  <p:timing>
-    <p:tnLst>
-      <p:par>
-        <p:cTn xmlns:p14="http://schemas.microsoft.com/office/powerpoint/2010/main" id="1" dur="indefinite" restart="never" nodeType="tmRoot"/>
-      </p:par>
-    </p:tnLst>
-  </p:timing>
 </p:sld>
 </file>
 
@@ -10186,139 +10858,60 @@
             <p:ph type="title"/>
           </p:nvPr>
         </p:nvSpPr>
-        <p:spPr>
-          <a:solidFill>
-            <a:srgbClr val="77933C"/>
-          </a:solidFill>
-        </p:spPr>
+        <p:spPr/>
         <p:txBody>
           <a:bodyPr/>
           <a:lstStyle/>
           <a:p>
             <a:r>
               <a:rPr lang="en-US" dirty="0" smtClean="0"/>
-              <a:t>Example 6. Functional diversity</a:t>
+              <a:t>Sample diversity</a:t>
             </a:r>
             <a:endParaRPr lang="en-US" dirty="0"/>
           </a:p>
         </p:txBody>
       </p:sp>
-      <p:sp>
-        <p:nvSpPr>
-          <p:cNvPr id="3" name="Content Placeholder 2"/>
-          <p:cNvSpPr>
-            <a:spLocks noGrp="1"/>
-          </p:cNvSpPr>
-          <p:nvPr>
-            <p:ph idx="1"/>
-          </p:nvPr>
-        </p:nvSpPr>
-        <p:spPr/>
-        <p:txBody>
-          <a:bodyPr>
-            <a:normAutofit fontScale="92500" lnSpcReduction="10000"/>
-          </a:bodyPr>
-          <a:lstStyle/>
-          <a:p>
-            <a:r>
-              <a:rPr lang="en-US" dirty="0" smtClean="0"/>
-              <a:t>Switch over to using the Functional Abundance analysis selections.</a:t>
-            </a:r>
-          </a:p>
-          <a:p>
-            <a:r>
-              <a:rPr lang="en-US" dirty="0" smtClean="0"/>
-              <a:t>Use your HMP collection</a:t>
-            </a:r>
-          </a:p>
-          <a:p>
-            <a:pPr lvl="1"/>
-            <a:r>
-              <a:rPr lang="en-US" dirty="0" smtClean="0"/>
-              <a:t>Search for enzymes involved in butyrate synthesis, like: </a:t>
-            </a:r>
-            <a:r>
-              <a:rPr lang="en-US" sz="2400" dirty="0"/>
-              <a:t>lysine 2,3-</a:t>
-            </a:r>
-            <a:r>
-              <a:rPr lang="en-US" sz="2400" dirty="0" smtClean="0"/>
-              <a:t>aminomutase (EC 5.4.3.2)</a:t>
-            </a:r>
-          </a:p>
-          <a:p>
-            <a:pPr lvl="2"/>
-            <a:r>
-              <a:rPr lang="en-US" sz="2000" dirty="0"/>
-              <a:t>How does this change with annotation source?</a:t>
-            </a:r>
-          </a:p>
-          <a:p>
-            <a:pPr lvl="2"/>
-            <a:r>
-              <a:rPr lang="en-US" sz="2000" dirty="0"/>
-              <a:t>What annotation sources would you choose and why</a:t>
-            </a:r>
-            <a:r>
-              <a:rPr lang="en-US" sz="2000" dirty="0" smtClean="0"/>
-              <a:t>?</a:t>
-            </a:r>
-            <a:endParaRPr lang="en-US" sz="2000" dirty="0" smtClean="0"/>
-          </a:p>
-          <a:p>
-            <a:pPr lvl="1"/>
-            <a:r>
-              <a:rPr lang="en-US" dirty="0" smtClean="0"/>
-              <a:t>Using the KEGG mapper </a:t>
-            </a:r>
-          </a:p>
-          <a:p>
-            <a:pPr lvl="2"/>
-            <a:r>
-              <a:rPr lang="en-US" dirty="0" smtClean="0"/>
-              <a:t>How much of the pathways described by </a:t>
-            </a:r>
-            <a:r>
-              <a:rPr lang="en-US" dirty="0" err="1" smtClean="0"/>
-              <a:t>Tiedje</a:t>
-            </a:r>
-            <a:r>
-              <a:rPr lang="en-US" dirty="0" smtClean="0"/>
-              <a:t> </a:t>
-            </a:r>
-            <a:r>
-              <a:rPr lang="en-US" dirty="0" err="1" smtClean="0"/>
-              <a:t>etal</a:t>
-            </a:r>
-            <a:r>
-              <a:rPr lang="en-US" dirty="0" smtClean="0"/>
-              <a:t> are found?  (Check out </a:t>
-            </a:r>
-            <a:r>
-              <a:rPr lang="en-US" dirty="0" err="1" smtClean="0"/>
-              <a:t>Butanoate</a:t>
-            </a:r>
-            <a:r>
-              <a:rPr lang="en-US" dirty="0" smtClean="0"/>
-              <a:t> metabolism and Lysine degradation –KEGG)</a:t>
-            </a:r>
-            <a:endParaRPr lang="en-US" dirty="0" smtClean="0"/>
-          </a:p>
-          <a:p>
-            <a:endParaRPr lang="en-US" dirty="0"/>
-          </a:p>
-        </p:txBody>
-      </p:sp>
+      <p:pic>
+        <p:nvPicPr>
+          <p:cNvPr id="6" name="Picture 5"/>
+          <p:cNvPicPr>
+            <a:picLocks noChangeAspect="1"/>
+          </p:cNvPicPr>
+          <p:nvPr/>
+        </p:nvPicPr>
+        <p:blipFill>
+          <a:blip r:embed="rId3"/>
+          <a:stretch>
+            <a:fillRect/>
+          </a:stretch>
+        </p:blipFill>
+        <p:spPr>
+          <a:xfrm>
+            <a:off x="698500" y="1590859"/>
+            <a:ext cx="7507820" cy="5176872"/>
+          </a:xfrm>
+          <a:prstGeom prst="rect">
+            <a:avLst/>
+          </a:prstGeom>
+        </p:spPr>
+      </p:pic>
     </p:spTree>
     <p:extLst>
       <p:ext uri="{BB962C8B-B14F-4D97-AF65-F5344CB8AC3E}">
-        <p14:creationId xmlns:p14="http://schemas.microsoft.com/office/powerpoint/2010/main" val="3563614271"/>
+        <p14:creationId xmlns:p14="http://schemas.microsoft.com/office/powerpoint/2010/main" val="4147225134"/>
       </p:ext>
     </p:extLst>
   </p:cSld>
   <p:clrMapOvr>
     <a:masterClrMapping/>
   </p:clrMapOvr>
+  <p:timing>
+    <p:tnLst>
+      <p:par>
+        <p:cTn xmlns:p14="http://schemas.microsoft.com/office/powerpoint/2010/main" id="1" dur="indefinite" restart="never" nodeType="tmRoot"/>
+      </p:par>
+    </p:tnLst>
+  </p:timing>
 </p:sld>
 </file>
 
@@ -10758,9 +11351,15 @@
         </p:nvSpPr>
         <p:spPr/>
         <p:txBody>
-          <a:bodyPr/>
-          <a:lstStyle/>
-          <a:p>
+          <a:bodyPr>
+            <a:normAutofit/>
+          </a:bodyPr>
+          <a:lstStyle/>
+          <a:p>
+            <a:r>
+              <a:rPr lang="en-US" dirty="0" smtClean="0"/>
+              <a:t>What taxa are in common?</a:t>
+            </a:r>
             <a:endParaRPr lang="en-US" dirty="0"/>
           </a:p>
         </p:txBody>
@@ -10773,16 +11372,15 @@
           </p:cNvPicPr>
           <p:nvPr/>
         </p:nvPicPr>
-        <p:blipFill>
+        <p:blipFill rotWithShape="1">
           <a:blip r:embed="rId3"/>
-          <a:stretch>
-            <a:fillRect/>
-          </a:stretch>
+          <a:srcRect t="25082"/>
+          <a:stretch/>
         </p:blipFill>
         <p:spPr>
           <a:xfrm>
-            <a:off x="0" y="1661284"/>
-            <a:ext cx="9144000" cy="5037966"/>
+            <a:off x="1329266" y="1417637"/>
+            <a:ext cx="6409753" cy="5067829"/>
           </a:xfrm>
           <a:prstGeom prst="rect">
             <a:avLst/>
@@ -10791,22 +11389,22 @@
       </p:pic>
       <p:sp>
         <p:nvSpPr>
-          <p:cNvPr id="5" name="Rectangle 4"/>
+          <p:cNvPr id="5" name="Oval 4"/>
           <p:cNvSpPr/>
           <p:nvPr/>
         </p:nvSpPr>
         <p:spPr>
           <a:xfrm>
-            <a:off x="5528733" y="4707467"/>
-            <a:ext cx="592667" cy="279400"/>
+            <a:off x="1117600" y="3110596"/>
+            <a:ext cx="5806892" cy="1664603"/>
           </a:xfrm>
-          <a:prstGeom prst="rect">
+          <a:prstGeom prst="ellipse">
             <a:avLst/>
           </a:prstGeom>
           <a:noFill/>
-          <a:ln w="38100" cmpd="sng">
+          <a:ln w="19050" cmpd="sng">
             <a:solidFill>
-              <a:srgbClr val="FF6600"/>
+              <a:srgbClr val="3366FF"/>
             </a:solidFill>
           </a:ln>
         </p:spPr>
@@ -10833,324 +11431,59 @@
           </a:p>
         </p:txBody>
       </p:sp>
-      <p:sp>
-        <p:nvSpPr>
-          <p:cNvPr id="6" name="Rectangle 5"/>
-          <p:cNvSpPr/>
+      <p:cxnSp>
+        <p:nvCxnSpPr>
+          <p:cNvPr id="7" name="Straight Arrow Connector 6"/>
+          <p:cNvCxnSpPr/>
           <p:nvPr/>
-        </p:nvSpPr>
+        </p:nvCxnSpPr>
         <p:spPr>
           <a:xfrm>
-            <a:off x="5317067" y="5774267"/>
-            <a:ext cx="592667" cy="279400"/>
+            <a:off x="457200" y="4368800"/>
+            <a:ext cx="1642533" cy="0"/>
           </a:xfrm>
-          <a:prstGeom prst="rect">
+          <a:prstGeom prst="straightConnector1">
             <a:avLst/>
           </a:prstGeom>
-          <a:noFill/>
           <a:ln w="38100" cmpd="sng">
             <a:solidFill>
-              <a:srgbClr val="FF6600"/>
+              <a:srgbClr val="3366FF"/>
             </a:solidFill>
+            <a:tailEnd type="arrow"/>
           </a:ln>
         </p:spPr>
         <p:style>
-          <a:lnRef idx="1">
+          <a:lnRef idx="2">
             <a:schemeClr val="accent1"/>
           </a:lnRef>
-          <a:fillRef idx="3">
+          <a:fillRef idx="0">
             <a:schemeClr val="accent1"/>
           </a:fillRef>
-          <a:effectRef idx="2">
+          <a:effectRef idx="1">
             <a:schemeClr val="accent1"/>
           </a:effectRef>
           <a:fontRef idx="minor">
-            <a:schemeClr val="lt1"/>
+            <a:schemeClr val="tx1"/>
           </a:fontRef>
         </p:style>
-        <p:txBody>
-          <a:bodyPr rtlCol="0" anchor="ctr"/>
-          <a:lstStyle/>
-          <a:p>
-            <a:pPr algn="ctr"/>
-            <a:endParaRPr lang="en-US"/>
-          </a:p>
-        </p:txBody>
-      </p:sp>
-      <p:sp>
-        <p:nvSpPr>
-          <p:cNvPr id="7" name="Rectangle 6"/>
-          <p:cNvSpPr/>
-          <p:nvPr/>
-        </p:nvSpPr>
-        <p:spPr>
-          <a:xfrm>
-            <a:off x="5147733" y="4999567"/>
-            <a:ext cx="592667" cy="279400"/>
-          </a:xfrm>
-          <a:prstGeom prst="rect">
-            <a:avLst/>
-          </a:prstGeom>
-          <a:noFill/>
-          <a:ln w="38100" cmpd="sng">
-            <a:solidFill>
-              <a:srgbClr val="FF6600"/>
-            </a:solidFill>
-          </a:ln>
-        </p:spPr>
-        <p:style>
-          <a:lnRef idx="1">
-            <a:schemeClr val="accent1"/>
-          </a:lnRef>
-          <a:fillRef idx="3">
-            <a:schemeClr val="accent1"/>
-          </a:fillRef>
-          <a:effectRef idx="2">
-            <a:schemeClr val="accent1"/>
-          </a:effectRef>
-          <a:fontRef idx="minor">
-            <a:schemeClr val="lt1"/>
-          </a:fontRef>
-        </p:style>
-        <p:txBody>
-          <a:bodyPr rtlCol="0" anchor="ctr"/>
-          <a:lstStyle/>
-          <a:p>
-            <a:pPr algn="ctr"/>
-            <a:endParaRPr lang="en-US"/>
-          </a:p>
-        </p:txBody>
-      </p:sp>
-      <p:sp>
-        <p:nvSpPr>
-          <p:cNvPr id="8" name="Rectangle 7"/>
-          <p:cNvSpPr/>
-          <p:nvPr/>
-        </p:nvSpPr>
-        <p:spPr>
-          <a:xfrm>
-            <a:off x="2709333" y="4707467"/>
-            <a:ext cx="592667" cy="279400"/>
-          </a:xfrm>
-          <a:prstGeom prst="rect">
-            <a:avLst/>
-          </a:prstGeom>
-          <a:noFill/>
-          <a:ln w="38100" cmpd="sng">
-            <a:solidFill>
-              <a:srgbClr val="FF6600"/>
-            </a:solidFill>
-          </a:ln>
-        </p:spPr>
-        <p:style>
-          <a:lnRef idx="1">
-            <a:schemeClr val="accent1"/>
-          </a:lnRef>
-          <a:fillRef idx="3">
-            <a:schemeClr val="accent1"/>
-          </a:fillRef>
-          <a:effectRef idx="2">
-            <a:schemeClr val="accent1"/>
-          </a:effectRef>
-          <a:fontRef idx="minor">
-            <a:schemeClr val="lt1"/>
-          </a:fontRef>
-        </p:style>
-        <p:txBody>
-          <a:bodyPr rtlCol="0" anchor="ctr"/>
-          <a:lstStyle/>
-          <a:p>
-            <a:pPr algn="ctr"/>
-            <a:endParaRPr lang="en-US"/>
-          </a:p>
-        </p:txBody>
-      </p:sp>
-      <p:sp>
-        <p:nvSpPr>
-          <p:cNvPr id="9" name="Rectangle 8"/>
-          <p:cNvSpPr/>
-          <p:nvPr/>
-        </p:nvSpPr>
-        <p:spPr>
-          <a:xfrm>
-            <a:off x="4622799" y="4690534"/>
-            <a:ext cx="592667" cy="279400"/>
-          </a:xfrm>
-          <a:prstGeom prst="rect">
-            <a:avLst/>
-          </a:prstGeom>
-          <a:noFill/>
-          <a:ln w="38100" cmpd="sng">
-            <a:solidFill>
-              <a:srgbClr val="FF6600"/>
-            </a:solidFill>
-          </a:ln>
-        </p:spPr>
-        <p:style>
-          <a:lnRef idx="1">
-            <a:schemeClr val="accent1"/>
-          </a:lnRef>
-          <a:fillRef idx="3">
-            <a:schemeClr val="accent1"/>
-          </a:fillRef>
-          <a:effectRef idx="2">
-            <a:schemeClr val="accent1"/>
-          </a:effectRef>
-          <a:fontRef idx="minor">
-            <a:schemeClr val="lt1"/>
-          </a:fontRef>
-        </p:style>
-        <p:txBody>
-          <a:bodyPr rtlCol="0" anchor="ctr"/>
-          <a:lstStyle/>
-          <a:p>
-            <a:pPr algn="ctr"/>
-            <a:endParaRPr lang="en-US"/>
-          </a:p>
-        </p:txBody>
-      </p:sp>
-      <p:sp>
-        <p:nvSpPr>
-          <p:cNvPr id="10" name="Rectangle 9"/>
-          <p:cNvSpPr/>
-          <p:nvPr/>
-        </p:nvSpPr>
-        <p:spPr>
-          <a:xfrm>
-            <a:off x="5977466" y="3843867"/>
-            <a:ext cx="592667" cy="279400"/>
-          </a:xfrm>
-          <a:prstGeom prst="rect">
-            <a:avLst/>
-          </a:prstGeom>
-          <a:noFill/>
-          <a:ln w="38100" cmpd="sng">
-            <a:solidFill>
-              <a:srgbClr val="FF6600"/>
-            </a:solidFill>
-          </a:ln>
-        </p:spPr>
-        <p:style>
-          <a:lnRef idx="1">
-            <a:schemeClr val="accent1"/>
-          </a:lnRef>
-          <a:fillRef idx="3">
-            <a:schemeClr val="accent1"/>
-          </a:fillRef>
-          <a:effectRef idx="2">
-            <a:schemeClr val="accent1"/>
-          </a:effectRef>
-          <a:fontRef idx="minor">
-            <a:schemeClr val="lt1"/>
-          </a:fontRef>
-        </p:style>
-        <p:txBody>
-          <a:bodyPr rtlCol="0" anchor="ctr"/>
-          <a:lstStyle/>
-          <a:p>
-            <a:pPr algn="ctr"/>
-            <a:endParaRPr lang="en-US"/>
-          </a:p>
-        </p:txBody>
-      </p:sp>
-      <p:sp>
-        <p:nvSpPr>
-          <p:cNvPr id="11" name="Rectangle 10"/>
-          <p:cNvSpPr/>
-          <p:nvPr/>
-        </p:nvSpPr>
-        <p:spPr>
-          <a:xfrm>
-            <a:off x="4919132" y="3784600"/>
-            <a:ext cx="592667" cy="279400"/>
-          </a:xfrm>
-          <a:prstGeom prst="rect">
-            <a:avLst/>
-          </a:prstGeom>
-          <a:noFill/>
-          <a:ln w="38100" cmpd="sng">
-            <a:solidFill>
-              <a:srgbClr val="FF6600"/>
-            </a:solidFill>
-          </a:ln>
-        </p:spPr>
-        <p:style>
-          <a:lnRef idx="1">
-            <a:schemeClr val="accent1"/>
-          </a:lnRef>
-          <a:fillRef idx="3">
-            <a:schemeClr val="accent1"/>
-          </a:fillRef>
-          <a:effectRef idx="2">
-            <a:schemeClr val="accent1"/>
-          </a:effectRef>
-          <a:fontRef idx="minor">
-            <a:schemeClr val="lt1"/>
-          </a:fontRef>
-        </p:style>
-        <p:txBody>
-          <a:bodyPr rtlCol="0" anchor="ctr"/>
-          <a:lstStyle/>
-          <a:p>
-            <a:pPr algn="ctr"/>
-            <a:endParaRPr lang="en-US"/>
-          </a:p>
-        </p:txBody>
-      </p:sp>
-      <p:sp>
-        <p:nvSpPr>
-          <p:cNvPr id="12" name="Rectangle 11"/>
-          <p:cNvSpPr/>
-          <p:nvPr/>
-        </p:nvSpPr>
-        <p:spPr>
-          <a:xfrm>
-            <a:off x="5528733" y="3505200"/>
-            <a:ext cx="592667" cy="279400"/>
-          </a:xfrm>
-          <a:prstGeom prst="rect">
-            <a:avLst/>
-          </a:prstGeom>
-          <a:noFill/>
-          <a:ln w="38100" cmpd="sng">
-            <a:solidFill>
-              <a:srgbClr val="FF6600"/>
-            </a:solidFill>
-          </a:ln>
-        </p:spPr>
-        <p:style>
-          <a:lnRef idx="1">
-            <a:schemeClr val="accent1"/>
-          </a:lnRef>
-          <a:fillRef idx="3">
-            <a:schemeClr val="accent1"/>
-          </a:fillRef>
-          <a:effectRef idx="2">
-            <a:schemeClr val="accent1"/>
-          </a:effectRef>
-          <a:fontRef idx="minor">
-            <a:schemeClr val="lt1"/>
-          </a:fontRef>
-        </p:style>
-        <p:txBody>
-          <a:bodyPr rtlCol="0" anchor="ctr"/>
-          <a:lstStyle/>
-          <a:p>
-            <a:pPr algn="ctr"/>
-            <a:endParaRPr lang="en-US"/>
-          </a:p>
-        </p:txBody>
-      </p:sp>
+      </p:cxnSp>
     </p:spTree>
     <p:extLst>
       <p:ext uri="{BB962C8B-B14F-4D97-AF65-F5344CB8AC3E}">
-        <p14:creationId xmlns:p14="http://schemas.microsoft.com/office/powerpoint/2010/main" val="509399972"/>
+        <p14:creationId xmlns:p14="http://schemas.microsoft.com/office/powerpoint/2010/main" val="1370748055"/>
       </p:ext>
     </p:extLst>
   </p:cSld>
   <p:clrMapOvr>
     <a:masterClrMapping/>
   </p:clrMapOvr>
+  <p:timing>
+    <p:tnLst>
+      <p:par>
+        <p:cTn xmlns:p14="http://schemas.microsoft.com/office/powerpoint/2010/main" id="1" dur="indefinite" restart="never" nodeType="tmRoot"/>
+      </p:par>
+    </p:tnLst>
+  </p:timing>
 </p:sld>
 </file>
 
@@ -11183,173 +11516,81 @@
         </p:nvSpPr>
         <p:spPr/>
         <p:txBody>
-          <a:bodyPr/>
-          <a:lstStyle/>
-          <a:p>
-            <a:endParaRPr lang="en-US"/>
-          </a:p>
-        </p:txBody>
-      </p:sp>
-      <p:pic>
-        <p:nvPicPr>
-          <p:cNvPr id="5" name="Picture 4"/>
-          <p:cNvPicPr>
-            <a:picLocks noChangeAspect="1"/>
-          </p:cNvPicPr>
-          <p:nvPr/>
-        </p:nvPicPr>
-        <p:blipFill>
-          <a:blip r:embed="rId3"/>
-          <a:stretch>
-            <a:fillRect/>
-          </a:stretch>
-        </p:blipFill>
-        <p:spPr>
-          <a:xfrm>
-            <a:off x="0" y="1689100"/>
-            <a:ext cx="9144000" cy="3460652"/>
-          </a:xfrm>
-          <a:prstGeom prst="rect">
-            <a:avLst/>
-          </a:prstGeom>
-        </p:spPr>
-      </p:pic>
-      <p:sp>
-        <p:nvSpPr>
-          <p:cNvPr id="6" name="Rectangle 5"/>
-          <p:cNvSpPr/>
-          <p:nvPr/>
-        </p:nvSpPr>
-        <p:spPr>
-          <a:xfrm>
-            <a:off x="6349999" y="2997200"/>
-            <a:ext cx="592667" cy="279400"/>
-          </a:xfrm>
-          <a:prstGeom prst="rect">
-            <a:avLst/>
-          </a:prstGeom>
-          <a:noFill/>
-          <a:ln w="38100" cmpd="sng">
-            <a:solidFill>
-              <a:srgbClr val="FF6600"/>
-            </a:solidFill>
-          </a:ln>
-        </p:spPr>
-        <p:style>
-          <a:lnRef idx="1">
-            <a:schemeClr val="accent1"/>
-          </a:lnRef>
-          <a:fillRef idx="3">
-            <a:schemeClr val="accent1"/>
-          </a:fillRef>
-          <a:effectRef idx="2">
-            <a:schemeClr val="accent1"/>
-          </a:effectRef>
-          <a:fontRef idx="minor">
-            <a:schemeClr val="lt1"/>
-          </a:fontRef>
-        </p:style>
-        <p:txBody>
-          <a:bodyPr rtlCol="0" anchor="ctr"/>
-          <a:lstStyle/>
-          <a:p>
-            <a:pPr algn="ctr"/>
-            <a:endParaRPr lang="en-US"/>
-          </a:p>
-        </p:txBody>
-      </p:sp>
-      <p:sp>
-        <p:nvSpPr>
-          <p:cNvPr id="7" name="Rectangle 6"/>
-          <p:cNvSpPr/>
-          <p:nvPr/>
-        </p:nvSpPr>
-        <p:spPr>
-          <a:xfrm>
-            <a:off x="7069666" y="2997200"/>
-            <a:ext cx="592667" cy="279400"/>
-          </a:xfrm>
-          <a:prstGeom prst="rect">
-            <a:avLst/>
-          </a:prstGeom>
-          <a:noFill/>
-          <a:ln w="38100" cmpd="sng">
-            <a:solidFill>
-              <a:srgbClr val="FF6600"/>
-            </a:solidFill>
-          </a:ln>
-        </p:spPr>
-        <p:style>
-          <a:lnRef idx="1">
-            <a:schemeClr val="accent1"/>
-          </a:lnRef>
-          <a:fillRef idx="3">
-            <a:schemeClr val="accent1"/>
-          </a:fillRef>
-          <a:effectRef idx="2">
-            <a:schemeClr val="accent1"/>
-          </a:effectRef>
-          <a:fontRef idx="minor">
-            <a:schemeClr val="lt1"/>
-          </a:fontRef>
-        </p:style>
-        <p:txBody>
-          <a:bodyPr rtlCol="0" anchor="ctr"/>
-          <a:lstStyle/>
-          <a:p>
-            <a:pPr algn="ctr"/>
-            <a:endParaRPr lang="en-US"/>
-          </a:p>
-        </p:txBody>
-      </p:sp>
-      <p:sp>
-        <p:nvSpPr>
-          <p:cNvPr id="8" name="Rectangle 7"/>
-          <p:cNvSpPr/>
-          <p:nvPr/>
-        </p:nvSpPr>
-        <p:spPr>
-          <a:xfrm>
-            <a:off x="7882465" y="2988732"/>
-            <a:ext cx="592667" cy="279400"/>
-          </a:xfrm>
-          <a:prstGeom prst="rect">
-            <a:avLst/>
-          </a:prstGeom>
-          <a:noFill/>
-          <a:ln w="38100" cmpd="sng">
-            <a:solidFill>
-              <a:srgbClr val="FF6600"/>
-            </a:solidFill>
-          </a:ln>
-        </p:spPr>
-        <p:style>
-          <a:lnRef idx="1">
-            <a:schemeClr val="accent1"/>
-          </a:lnRef>
-          <a:fillRef idx="3">
-            <a:schemeClr val="accent1"/>
-          </a:fillRef>
-          <a:effectRef idx="2">
-            <a:schemeClr val="accent1"/>
-          </a:effectRef>
-          <a:fontRef idx="minor">
-            <a:schemeClr val="lt1"/>
-          </a:fontRef>
-        </p:style>
-        <p:txBody>
-          <a:bodyPr rtlCol="0" anchor="ctr"/>
-          <a:lstStyle/>
-          <a:p>
-            <a:pPr algn="ctr"/>
-            <a:endParaRPr lang="en-US"/>
+          <a:bodyPr>
+            <a:normAutofit fontScale="90000"/>
+          </a:bodyPr>
+          <a:lstStyle/>
+          <a:p>
+            <a:r>
+              <a:rPr lang="en-US" dirty="0"/>
+              <a:t>Are there major differences in the samples</a:t>
+            </a:r>
+            <a:r>
+              <a:rPr lang="en-US" dirty="0" smtClean="0"/>
+              <a:t>?</a:t>
+            </a:r>
+            <a:endParaRPr lang="en-US" dirty="0"/>
+          </a:p>
+        </p:txBody>
+      </p:sp>
+      <p:sp>
+        <p:nvSpPr>
+          <p:cNvPr id="3" name="Content Placeholder 2"/>
+          <p:cNvSpPr>
+            <a:spLocks noGrp="1"/>
+          </p:cNvSpPr>
+          <p:nvPr>
+            <p:ph idx="1"/>
+          </p:nvPr>
+        </p:nvSpPr>
+        <p:spPr/>
+        <p:txBody>
+          <a:bodyPr>
+            <a:noAutofit/>
+          </a:bodyPr>
+          <a:lstStyle/>
+          <a:p>
+            <a:pPr lvl="1"/>
+            <a:r>
+              <a:rPr lang="en-US" dirty="0" smtClean="0"/>
+              <a:t>Comparisons of many large metagenomes can be challenging.</a:t>
+            </a:r>
+          </a:p>
+          <a:p>
+            <a:pPr lvl="1"/>
+            <a:r>
+              <a:rPr lang="en-US" dirty="0" smtClean="0"/>
+              <a:t>Out of the hundred or so HMP healthy-patient fecal samples in MG-RAST, how many did you choose?</a:t>
+            </a:r>
+          </a:p>
+          <a:p>
+            <a:pPr lvl="2"/>
+            <a:r>
+              <a:rPr lang="en-US" dirty="0" smtClean="0"/>
+              <a:t> Are we seeing different patterns based on the ones chosen?</a:t>
+            </a:r>
+          </a:p>
+          <a:p>
+            <a:pPr lvl="1"/>
+            <a:endParaRPr lang="en-US" dirty="0"/>
+          </a:p>
+          <a:p>
+            <a:pPr lvl="1"/>
+            <a:r>
+              <a:rPr lang="en-US" dirty="0" smtClean="0"/>
+              <a:t>How does subsampling impact results?</a:t>
+            </a:r>
+            <a:endParaRPr lang="en-US" dirty="0"/>
+          </a:p>
+          <a:p>
+            <a:endParaRPr lang="en-US" sz="4000" dirty="0"/>
           </a:p>
         </p:txBody>
       </p:sp>
     </p:spTree>
     <p:extLst>
       <p:ext uri="{BB962C8B-B14F-4D97-AF65-F5344CB8AC3E}">
-        <p14:creationId xmlns:p14="http://schemas.microsoft.com/office/powerpoint/2010/main" val="740631906"/>
+        <p14:creationId xmlns:p14="http://schemas.microsoft.com/office/powerpoint/2010/main" val="4184694209"/>
       </p:ext>
     </p:extLst>
   </p:cSld>
@@ -11397,7 +11638,7 @@
           <a:p>
             <a:r>
               <a:rPr lang="en-US" dirty="0" smtClean="0"/>
-              <a:t>Example 7. Digging deeper</a:t>
+              <a:t>Example 6. Functional diversity</a:t>
             </a:r>
             <a:endParaRPr lang="en-US" dirty="0"/>
           </a:p>
@@ -11416,104 +11657,103 @@
         <p:spPr/>
         <p:txBody>
           <a:bodyPr>
-            <a:normAutofit fontScale="85000" lnSpcReduction="20000"/>
+            <a:normAutofit fontScale="92500" lnSpcReduction="10000"/>
           </a:bodyPr>
           <a:lstStyle/>
           <a:p>
-            <a:pPr marL="0" indent="0">
-              <a:buNone/>
-            </a:pPr>
-            <a:r>
-              <a:rPr lang="en-US" dirty="0" smtClean="0"/>
-              <a:t>What butyrate synthesis genes are present in class Clostridia in your “best” sample for HMP healthy fecal sample?</a:t>
-            </a:r>
-          </a:p>
-          <a:p>
-            <a:pPr marL="0" indent="0">
-              <a:buNone/>
-            </a:pPr>
+            <a:r>
+              <a:rPr lang="en-US" dirty="0" smtClean="0"/>
+              <a:t>Switch over to using the Functional Abundance analysis selections.</a:t>
+            </a:r>
+          </a:p>
+          <a:p>
+            <a:r>
+              <a:rPr lang="en-US" dirty="0" smtClean="0"/>
+              <a:t>Use your HMP collection</a:t>
+            </a:r>
+          </a:p>
+          <a:p>
+            <a:pPr lvl="1"/>
+            <a:r>
+              <a:rPr lang="en-US" dirty="0" smtClean="0"/>
+              <a:t>Search for enzymes involved in butyrate synthesis, like: </a:t>
+            </a:r>
+            <a:r>
+              <a:rPr lang="en-US" sz="2400" dirty="0"/>
+              <a:t>lysine 2,3-</a:t>
+            </a:r>
+            <a:r>
+              <a:rPr lang="en-US" sz="2400" dirty="0" smtClean="0"/>
+              <a:t>aminomutase (EC 5.4.3.2)</a:t>
+            </a:r>
+          </a:p>
+          <a:p>
+            <a:pPr lvl="2"/>
+            <a:r>
+              <a:rPr lang="en-US" sz="2000" dirty="0"/>
+              <a:t>How does this change with annotation source?</a:t>
+            </a:r>
+          </a:p>
+          <a:p>
+            <a:pPr lvl="2"/>
+            <a:r>
+              <a:rPr lang="en-US" sz="2000" dirty="0"/>
+              <a:t>What annotation sources would you choose and why</a:t>
+            </a:r>
+            <a:r>
+              <a:rPr lang="en-US" sz="2000" dirty="0" smtClean="0"/>
+              <a:t>?</a:t>
+            </a:r>
+            <a:endParaRPr lang="en-US" sz="2000" dirty="0" smtClean="0"/>
+          </a:p>
+          <a:p>
+            <a:pPr lvl="1"/>
+            <a:r>
+              <a:rPr lang="en-US" dirty="0" smtClean="0"/>
+              <a:t>Using the KEGG mapper </a:t>
+            </a:r>
+          </a:p>
+          <a:p>
+            <a:pPr lvl="2"/>
+            <a:r>
+              <a:rPr lang="en-US" dirty="0" smtClean="0"/>
+              <a:t>How much of the pathways described by </a:t>
+            </a:r>
+            <a:r>
+              <a:rPr lang="en-US" dirty="0" err="1" smtClean="0"/>
+              <a:t>Tiedje</a:t>
+            </a:r>
+            <a:r>
+              <a:rPr lang="en-US" dirty="0" smtClean="0"/>
+              <a:t> </a:t>
+            </a:r>
+            <a:r>
+              <a:rPr lang="en-US" dirty="0" err="1" smtClean="0"/>
+              <a:t>etal</a:t>
+            </a:r>
+            <a:r>
+              <a:rPr lang="en-US" dirty="0" smtClean="0"/>
+              <a:t> are found?  (Check out </a:t>
+            </a:r>
+            <a:r>
+              <a:rPr lang="en-US" dirty="0" err="1" smtClean="0"/>
+              <a:t>Butanoate</a:t>
+            </a:r>
+            <a:r>
+              <a:rPr lang="en-US" dirty="0" smtClean="0"/>
+              <a:t> metabolism and Lysine degradation –KEGG)</a:t>
+            </a:r>
+            <a:endParaRPr lang="en-US" dirty="0" smtClean="0"/>
+          </a:p>
+          <a:p>
             <a:endParaRPr lang="en-US" dirty="0"/>
-          </a:p>
-          <a:p>
-            <a:pPr>
-              <a:buFontTx/>
-              <a:buChar char="-"/>
-            </a:pPr>
-            <a:r>
-              <a:rPr lang="en-US" dirty="0" smtClean="0"/>
-              <a:t>Lets look at another way to mine data via the UI!</a:t>
-            </a:r>
-          </a:p>
-          <a:p>
-            <a:pPr>
-              <a:buFontTx/>
-              <a:buChar char="-"/>
-            </a:pPr>
-            <a:r>
-              <a:rPr lang="en-US" dirty="0" smtClean="0"/>
-              <a:t>Go </a:t>
-            </a:r>
-            <a:r>
-              <a:rPr lang="en-US" dirty="0" smtClean="0"/>
-              <a:t>back to Overview page</a:t>
-            </a:r>
-          </a:p>
-          <a:p>
-            <a:pPr>
-              <a:buFontTx/>
-              <a:buChar char="-"/>
-            </a:pPr>
-            <a:r>
-              <a:rPr lang="en-US" dirty="0" smtClean="0"/>
-              <a:t>Select the clostridia pie pc and move to workbench. </a:t>
-            </a:r>
-          </a:p>
-          <a:p>
-            <a:pPr>
-              <a:buFontTx/>
-              <a:buChar char="-"/>
-            </a:pPr>
-            <a:r>
-              <a:rPr lang="en-US" dirty="0"/>
-              <a:t>What Genera are present in this clade</a:t>
-            </a:r>
-            <a:r>
-              <a:rPr lang="en-US" dirty="0" smtClean="0"/>
-              <a:t>?</a:t>
-            </a:r>
-          </a:p>
-          <a:p>
-            <a:pPr lvl="1">
-              <a:buFontTx/>
-              <a:buChar char="-"/>
-            </a:pPr>
-            <a:r>
-              <a:rPr lang="en-US" dirty="0" smtClean="0"/>
-              <a:t>Limits to how much the workbench can hold!  CL-tools/R tools will be better for larger analyses!</a:t>
-            </a:r>
-            <a:endParaRPr lang="en-US" dirty="0" smtClean="0"/>
-          </a:p>
-          <a:p>
-            <a:pPr>
-              <a:buFontTx/>
-              <a:buChar char="-"/>
-            </a:pPr>
-            <a:r>
-              <a:rPr lang="en-US" dirty="0" smtClean="0"/>
-              <a:t>Search table for butyrate-related enzyme functions</a:t>
-            </a:r>
-            <a:r>
-              <a:rPr lang="en-US" dirty="0" smtClean="0"/>
-              <a:t>.</a:t>
-            </a:r>
-            <a:endParaRPr lang="en-US" dirty="0" smtClean="0"/>
           </a:p>
         </p:txBody>
       </p:sp>
     </p:spTree>
     <p:extLst>
       <p:ext uri="{BB962C8B-B14F-4D97-AF65-F5344CB8AC3E}">
-        <p14:creationId xmlns:p14="http://schemas.microsoft.com/office/powerpoint/2010/main" val="2260370490"/>
+        <p14:creationId xmlns:p14="http://schemas.microsoft.com/office/powerpoint/2010/main" val="3563614271"/>
       </p:ext>
     </p:extLst>
   </p:cSld>
@@ -11550,76 +11790,6 @@
             <p:ph type="title"/>
           </p:nvPr>
         </p:nvSpPr>
-        <p:spPr>
-          <a:solidFill>
-            <a:srgbClr val="77933C"/>
-          </a:solidFill>
-        </p:spPr>
-        <p:txBody>
-          <a:bodyPr>
-            <a:noAutofit/>
-          </a:bodyPr>
-          <a:lstStyle/>
-          <a:p>
-            <a:pPr lvl="1" algn="ctr" defTabSz="457200" rtl="0">
-              <a:spcBef>
-                <a:spcPct val="0"/>
-              </a:spcBef>
-            </a:pPr>
-            <a:r>
-              <a:rPr lang="en-US" sz="4400" kern="1200" dirty="0">
-                <a:solidFill>
-                  <a:schemeClr val="tx1"/>
-                </a:solidFill>
-                <a:latin typeface="+mj-lt"/>
-                <a:ea typeface="+mj-ea"/>
-                <a:cs typeface="+mj-cs"/>
-              </a:rPr>
-              <a:t>Example 8. </a:t>
-            </a:r>
-            <a:r>
-              <a:rPr lang="en-US" sz="3200" kern="1200" dirty="0">
-                <a:solidFill>
-                  <a:schemeClr val="tx1"/>
-                </a:solidFill>
-                <a:latin typeface="+mj-lt"/>
-                <a:ea typeface="+mj-ea"/>
-                <a:cs typeface="+mj-cs"/>
-              </a:rPr>
-              <a:t>What are community functional differences among </a:t>
-            </a:r>
-            <a:r>
-              <a:rPr lang="en-US" sz="3200" kern="1200" dirty="0" smtClean="0">
-                <a:solidFill>
-                  <a:schemeClr val="tx1"/>
-                </a:solidFill>
-                <a:latin typeface="+mj-lt"/>
-                <a:ea typeface="+mj-ea"/>
-                <a:cs typeface="+mj-cs"/>
-              </a:rPr>
-              <a:t>3 HMP body locations?</a:t>
-            </a:r>
-            <a:endParaRPr lang="en-US" sz="4400" kern="1200" dirty="0">
-              <a:solidFill>
-                <a:schemeClr val="tx1"/>
-              </a:solidFill>
-              <a:latin typeface="+mj-lt"/>
-              <a:ea typeface="+mj-ea"/>
-              <a:cs typeface="+mj-cs"/>
-            </a:endParaRPr>
-          </a:p>
-        </p:txBody>
-      </p:sp>
-      <p:sp>
-        <p:nvSpPr>
-          <p:cNvPr id="3" name="Content Placeholder 2"/>
-          <p:cNvSpPr>
-            <a:spLocks noGrp="1"/>
-          </p:cNvSpPr>
-          <p:nvPr>
-            <p:ph idx="1"/>
-          </p:nvPr>
-        </p:nvSpPr>
         <p:spPr/>
         <p:txBody>
           <a:bodyPr/>
@@ -11627,74 +11797,392 @@
           <a:p>
             <a:r>
               <a:rPr lang="en-US" dirty="0" smtClean="0"/>
-              <a:t>Go to </a:t>
-            </a:r>
-            <a:r>
-              <a:rPr lang="en-US" dirty="0" err="1" smtClean="0"/>
-              <a:t>Kevins</a:t>
-            </a:r>
-            <a:r>
-              <a:rPr lang="en-US" dirty="0" smtClean="0"/>
-              <a:t> tutorial</a:t>
-            </a:r>
-          </a:p>
-          <a:p>
-            <a:pPr lvl="1"/>
-            <a:r>
-              <a:rPr lang="en-US" dirty="0" smtClean="0"/>
-              <a:t>Selecting, filtering, normalizing </a:t>
-            </a:r>
-            <a:r>
-              <a:rPr lang="en-US" dirty="0" err="1" smtClean="0"/>
-              <a:t>dta</a:t>
-            </a:r>
-            <a:endParaRPr lang="en-US" dirty="0" smtClean="0"/>
-          </a:p>
-          <a:p>
-            <a:pPr lvl="1"/>
-            <a:r>
-              <a:rPr lang="en-US" dirty="0" smtClean="0"/>
-              <a:t>What are community functional differences among </a:t>
-            </a:r>
-            <a:r>
-              <a:rPr lang="en-US" dirty="0"/>
-              <a:t>the three body sampling </a:t>
-            </a:r>
-            <a:r>
-              <a:rPr lang="en-US" dirty="0" smtClean="0"/>
-              <a:t>locations?</a:t>
-            </a:r>
-          </a:p>
-          <a:p>
-            <a:pPr lvl="2"/>
-            <a:r>
-              <a:rPr lang="en-US" dirty="0"/>
-              <a:t>(line 480 of </a:t>
-            </a:r>
-            <a:r>
-              <a:rPr lang="en-US" dirty="0" smtClean="0"/>
-              <a:t>tutorial.HMP_subset</a:t>
-            </a:r>
-            <a:r>
-              <a:rPr lang="en-US" dirty="0"/>
-              <a:t>.9-1-15.</a:t>
-            </a:r>
-            <a:r>
-              <a:rPr lang="en-US" dirty="0" smtClean="0"/>
-              <a:t>R)</a:t>
-            </a:r>
-            <a:endParaRPr lang="en-US" dirty="0" smtClean="0"/>
-          </a:p>
-          <a:p>
-            <a:pPr lvl="1"/>
+              <a:t>What functions did you find?</a:t>
+            </a:r>
             <a:endParaRPr lang="en-US" dirty="0"/>
+          </a:p>
+        </p:txBody>
+      </p:sp>
+      <p:pic>
+        <p:nvPicPr>
+          <p:cNvPr id="4" name="Picture 3"/>
+          <p:cNvPicPr>
+            <a:picLocks noChangeAspect="1"/>
+          </p:cNvPicPr>
+          <p:nvPr/>
+        </p:nvPicPr>
+        <p:blipFill>
+          <a:blip r:embed="rId3"/>
+          <a:stretch>
+            <a:fillRect/>
+          </a:stretch>
+        </p:blipFill>
+        <p:spPr>
+          <a:xfrm>
+            <a:off x="0" y="1661284"/>
+            <a:ext cx="9144000" cy="5037966"/>
+          </a:xfrm>
+          <a:prstGeom prst="rect">
+            <a:avLst/>
+          </a:prstGeom>
+        </p:spPr>
+      </p:pic>
+      <p:sp>
+        <p:nvSpPr>
+          <p:cNvPr id="5" name="Rectangle 4"/>
+          <p:cNvSpPr/>
+          <p:nvPr/>
+        </p:nvSpPr>
+        <p:spPr>
+          <a:xfrm>
+            <a:off x="5528733" y="4707467"/>
+            <a:ext cx="592667" cy="279400"/>
+          </a:xfrm>
+          <a:prstGeom prst="rect">
+            <a:avLst/>
+          </a:prstGeom>
+          <a:noFill/>
+          <a:ln w="38100" cmpd="sng">
+            <a:solidFill>
+              <a:srgbClr val="FF6600"/>
+            </a:solidFill>
+          </a:ln>
+        </p:spPr>
+        <p:style>
+          <a:lnRef idx="1">
+            <a:schemeClr val="accent1"/>
+          </a:lnRef>
+          <a:fillRef idx="3">
+            <a:schemeClr val="accent1"/>
+          </a:fillRef>
+          <a:effectRef idx="2">
+            <a:schemeClr val="accent1"/>
+          </a:effectRef>
+          <a:fontRef idx="minor">
+            <a:schemeClr val="lt1"/>
+          </a:fontRef>
+        </p:style>
+        <p:txBody>
+          <a:bodyPr rtlCol="0" anchor="ctr"/>
+          <a:lstStyle/>
+          <a:p>
+            <a:pPr algn="ctr"/>
+            <a:endParaRPr lang="en-US"/>
+          </a:p>
+        </p:txBody>
+      </p:sp>
+      <p:sp>
+        <p:nvSpPr>
+          <p:cNvPr id="6" name="Rectangle 5"/>
+          <p:cNvSpPr/>
+          <p:nvPr/>
+        </p:nvSpPr>
+        <p:spPr>
+          <a:xfrm>
+            <a:off x="5317067" y="5774267"/>
+            <a:ext cx="592667" cy="279400"/>
+          </a:xfrm>
+          <a:prstGeom prst="rect">
+            <a:avLst/>
+          </a:prstGeom>
+          <a:noFill/>
+          <a:ln w="38100" cmpd="sng">
+            <a:solidFill>
+              <a:srgbClr val="FF6600"/>
+            </a:solidFill>
+          </a:ln>
+        </p:spPr>
+        <p:style>
+          <a:lnRef idx="1">
+            <a:schemeClr val="accent1"/>
+          </a:lnRef>
+          <a:fillRef idx="3">
+            <a:schemeClr val="accent1"/>
+          </a:fillRef>
+          <a:effectRef idx="2">
+            <a:schemeClr val="accent1"/>
+          </a:effectRef>
+          <a:fontRef idx="minor">
+            <a:schemeClr val="lt1"/>
+          </a:fontRef>
+        </p:style>
+        <p:txBody>
+          <a:bodyPr rtlCol="0" anchor="ctr"/>
+          <a:lstStyle/>
+          <a:p>
+            <a:pPr algn="ctr"/>
+            <a:endParaRPr lang="en-US"/>
+          </a:p>
+        </p:txBody>
+      </p:sp>
+      <p:sp>
+        <p:nvSpPr>
+          <p:cNvPr id="7" name="Rectangle 6"/>
+          <p:cNvSpPr/>
+          <p:nvPr/>
+        </p:nvSpPr>
+        <p:spPr>
+          <a:xfrm>
+            <a:off x="5147733" y="4999567"/>
+            <a:ext cx="592667" cy="279400"/>
+          </a:xfrm>
+          <a:prstGeom prst="rect">
+            <a:avLst/>
+          </a:prstGeom>
+          <a:noFill/>
+          <a:ln w="38100" cmpd="sng">
+            <a:solidFill>
+              <a:srgbClr val="FF6600"/>
+            </a:solidFill>
+          </a:ln>
+        </p:spPr>
+        <p:style>
+          <a:lnRef idx="1">
+            <a:schemeClr val="accent1"/>
+          </a:lnRef>
+          <a:fillRef idx="3">
+            <a:schemeClr val="accent1"/>
+          </a:fillRef>
+          <a:effectRef idx="2">
+            <a:schemeClr val="accent1"/>
+          </a:effectRef>
+          <a:fontRef idx="minor">
+            <a:schemeClr val="lt1"/>
+          </a:fontRef>
+        </p:style>
+        <p:txBody>
+          <a:bodyPr rtlCol="0" anchor="ctr"/>
+          <a:lstStyle/>
+          <a:p>
+            <a:pPr algn="ctr"/>
+            <a:endParaRPr lang="en-US"/>
+          </a:p>
+        </p:txBody>
+      </p:sp>
+      <p:sp>
+        <p:nvSpPr>
+          <p:cNvPr id="8" name="Rectangle 7"/>
+          <p:cNvSpPr/>
+          <p:nvPr/>
+        </p:nvSpPr>
+        <p:spPr>
+          <a:xfrm>
+            <a:off x="2709333" y="4707467"/>
+            <a:ext cx="592667" cy="279400"/>
+          </a:xfrm>
+          <a:prstGeom prst="rect">
+            <a:avLst/>
+          </a:prstGeom>
+          <a:noFill/>
+          <a:ln w="38100" cmpd="sng">
+            <a:solidFill>
+              <a:srgbClr val="FF6600"/>
+            </a:solidFill>
+          </a:ln>
+        </p:spPr>
+        <p:style>
+          <a:lnRef idx="1">
+            <a:schemeClr val="accent1"/>
+          </a:lnRef>
+          <a:fillRef idx="3">
+            <a:schemeClr val="accent1"/>
+          </a:fillRef>
+          <a:effectRef idx="2">
+            <a:schemeClr val="accent1"/>
+          </a:effectRef>
+          <a:fontRef idx="minor">
+            <a:schemeClr val="lt1"/>
+          </a:fontRef>
+        </p:style>
+        <p:txBody>
+          <a:bodyPr rtlCol="0" anchor="ctr"/>
+          <a:lstStyle/>
+          <a:p>
+            <a:pPr algn="ctr"/>
+            <a:endParaRPr lang="en-US"/>
+          </a:p>
+        </p:txBody>
+      </p:sp>
+      <p:sp>
+        <p:nvSpPr>
+          <p:cNvPr id="9" name="Rectangle 8"/>
+          <p:cNvSpPr/>
+          <p:nvPr/>
+        </p:nvSpPr>
+        <p:spPr>
+          <a:xfrm>
+            <a:off x="4622799" y="4690534"/>
+            <a:ext cx="592667" cy="279400"/>
+          </a:xfrm>
+          <a:prstGeom prst="rect">
+            <a:avLst/>
+          </a:prstGeom>
+          <a:noFill/>
+          <a:ln w="38100" cmpd="sng">
+            <a:solidFill>
+              <a:srgbClr val="FF6600"/>
+            </a:solidFill>
+          </a:ln>
+        </p:spPr>
+        <p:style>
+          <a:lnRef idx="1">
+            <a:schemeClr val="accent1"/>
+          </a:lnRef>
+          <a:fillRef idx="3">
+            <a:schemeClr val="accent1"/>
+          </a:fillRef>
+          <a:effectRef idx="2">
+            <a:schemeClr val="accent1"/>
+          </a:effectRef>
+          <a:fontRef idx="minor">
+            <a:schemeClr val="lt1"/>
+          </a:fontRef>
+        </p:style>
+        <p:txBody>
+          <a:bodyPr rtlCol="0" anchor="ctr"/>
+          <a:lstStyle/>
+          <a:p>
+            <a:pPr algn="ctr"/>
+            <a:endParaRPr lang="en-US"/>
+          </a:p>
+        </p:txBody>
+      </p:sp>
+      <p:sp>
+        <p:nvSpPr>
+          <p:cNvPr id="10" name="Rectangle 9"/>
+          <p:cNvSpPr/>
+          <p:nvPr/>
+        </p:nvSpPr>
+        <p:spPr>
+          <a:xfrm>
+            <a:off x="5977466" y="3843867"/>
+            <a:ext cx="592667" cy="279400"/>
+          </a:xfrm>
+          <a:prstGeom prst="rect">
+            <a:avLst/>
+          </a:prstGeom>
+          <a:noFill/>
+          <a:ln w="38100" cmpd="sng">
+            <a:solidFill>
+              <a:srgbClr val="FF6600"/>
+            </a:solidFill>
+          </a:ln>
+        </p:spPr>
+        <p:style>
+          <a:lnRef idx="1">
+            <a:schemeClr val="accent1"/>
+          </a:lnRef>
+          <a:fillRef idx="3">
+            <a:schemeClr val="accent1"/>
+          </a:fillRef>
+          <a:effectRef idx="2">
+            <a:schemeClr val="accent1"/>
+          </a:effectRef>
+          <a:fontRef idx="minor">
+            <a:schemeClr val="lt1"/>
+          </a:fontRef>
+        </p:style>
+        <p:txBody>
+          <a:bodyPr rtlCol="0" anchor="ctr"/>
+          <a:lstStyle/>
+          <a:p>
+            <a:pPr algn="ctr"/>
+            <a:endParaRPr lang="en-US"/>
+          </a:p>
+        </p:txBody>
+      </p:sp>
+      <p:sp>
+        <p:nvSpPr>
+          <p:cNvPr id="11" name="Rectangle 10"/>
+          <p:cNvSpPr/>
+          <p:nvPr/>
+        </p:nvSpPr>
+        <p:spPr>
+          <a:xfrm>
+            <a:off x="4919132" y="3784600"/>
+            <a:ext cx="592667" cy="279400"/>
+          </a:xfrm>
+          <a:prstGeom prst="rect">
+            <a:avLst/>
+          </a:prstGeom>
+          <a:noFill/>
+          <a:ln w="38100" cmpd="sng">
+            <a:solidFill>
+              <a:srgbClr val="FF6600"/>
+            </a:solidFill>
+          </a:ln>
+        </p:spPr>
+        <p:style>
+          <a:lnRef idx="1">
+            <a:schemeClr val="accent1"/>
+          </a:lnRef>
+          <a:fillRef idx="3">
+            <a:schemeClr val="accent1"/>
+          </a:fillRef>
+          <a:effectRef idx="2">
+            <a:schemeClr val="accent1"/>
+          </a:effectRef>
+          <a:fontRef idx="minor">
+            <a:schemeClr val="lt1"/>
+          </a:fontRef>
+        </p:style>
+        <p:txBody>
+          <a:bodyPr rtlCol="0" anchor="ctr"/>
+          <a:lstStyle/>
+          <a:p>
+            <a:pPr algn="ctr"/>
+            <a:endParaRPr lang="en-US"/>
+          </a:p>
+        </p:txBody>
+      </p:sp>
+      <p:sp>
+        <p:nvSpPr>
+          <p:cNvPr id="12" name="Rectangle 11"/>
+          <p:cNvSpPr/>
+          <p:nvPr/>
+        </p:nvSpPr>
+        <p:spPr>
+          <a:xfrm>
+            <a:off x="5528733" y="3505200"/>
+            <a:ext cx="592667" cy="279400"/>
+          </a:xfrm>
+          <a:prstGeom prst="rect">
+            <a:avLst/>
+          </a:prstGeom>
+          <a:noFill/>
+          <a:ln w="38100" cmpd="sng">
+            <a:solidFill>
+              <a:srgbClr val="FF6600"/>
+            </a:solidFill>
+          </a:ln>
+        </p:spPr>
+        <p:style>
+          <a:lnRef idx="1">
+            <a:schemeClr val="accent1"/>
+          </a:lnRef>
+          <a:fillRef idx="3">
+            <a:schemeClr val="accent1"/>
+          </a:fillRef>
+          <a:effectRef idx="2">
+            <a:schemeClr val="accent1"/>
+          </a:effectRef>
+          <a:fontRef idx="minor">
+            <a:schemeClr val="lt1"/>
+          </a:fontRef>
+        </p:style>
+        <p:txBody>
+          <a:bodyPr rtlCol="0" anchor="ctr"/>
+          <a:lstStyle/>
+          <a:p>
+            <a:pPr algn="ctr"/>
+            <a:endParaRPr lang="en-US"/>
           </a:p>
         </p:txBody>
       </p:sp>
     </p:spTree>
     <p:extLst>
       <p:ext uri="{BB962C8B-B14F-4D97-AF65-F5344CB8AC3E}">
-        <p14:creationId xmlns:p14="http://schemas.microsoft.com/office/powerpoint/2010/main" val="87061649"/>
+        <p14:creationId xmlns:p14="http://schemas.microsoft.com/office/powerpoint/2010/main" val="509399972"/>
       </p:ext>
     </p:extLst>
   </p:cSld>
@@ -11731,11 +12219,218 @@
             <p:ph type="title"/>
           </p:nvPr>
         </p:nvSpPr>
+        <p:spPr/>
+        <p:txBody>
+          <a:bodyPr/>
+          <a:lstStyle/>
+          <a:p>
+            <a:r>
+              <a:rPr lang="en-US" dirty="0" smtClean="0"/>
+              <a:t>What functions did you find?</a:t>
+            </a:r>
+            <a:endParaRPr lang="en-US" dirty="0"/>
+          </a:p>
+        </p:txBody>
+      </p:sp>
+      <p:pic>
+        <p:nvPicPr>
+          <p:cNvPr id="5" name="Picture 4"/>
+          <p:cNvPicPr>
+            <a:picLocks noChangeAspect="1"/>
+          </p:cNvPicPr>
+          <p:nvPr/>
+        </p:nvPicPr>
+        <p:blipFill>
+          <a:blip r:embed="rId3"/>
+          <a:stretch>
+            <a:fillRect/>
+          </a:stretch>
+        </p:blipFill>
+        <p:spPr>
+          <a:xfrm>
+            <a:off x="0" y="1689100"/>
+            <a:ext cx="9144000" cy="3460652"/>
+          </a:xfrm>
+          <a:prstGeom prst="rect">
+            <a:avLst/>
+          </a:prstGeom>
+        </p:spPr>
+      </p:pic>
+      <p:sp>
+        <p:nvSpPr>
+          <p:cNvPr id="6" name="Rectangle 5"/>
+          <p:cNvSpPr/>
+          <p:nvPr/>
+        </p:nvSpPr>
+        <p:spPr>
+          <a:xfrm>
+            <a:off x="6349999" y="2997200"/>
+            <a:ext cx="592667" cy="279400"/>
+          </a:xfrm>
+          <a:prstGeom prst="rect">
+            <a:avLst/>
+          </a:prstGeom>
+          <a:noFill/>
+          <a:ln w="38100" cmpd="sng">
+            <a:solidFill>
+              <a:srgbClr val="FF6600"/>
+            </a:solidFill>
+          </a:ln>
+        </p:spPr>
+        <p:style>
+          <a:lnRef idx="1">
+            <a:schemeClr val="accent1"/>
+          </a:lnRef>
+          <a:fillRef idx="3">
+            <a:schemeClr val="accent1"/>
+          </a:fillRef>
+          <a:effectRef idx="2">
+            <a:schemeClr val="accent1"/>
+          </a:effectRef>
+          <a:fontRef idx="minor">
+            <a:schemeClr val="lt1"/>
+          </a:fontRef>
+        </p:style>
+        <p:txBody>
+          <a:bodyPr rtlCol="0" anchor="ctr"/>
+          <a:lstStyle/>
+          <a:p>
+            <a:pPr algn="ctr"/>
+            <a:endParaRPr lang="en-US"/>
+          </a:p>
+        </p:txBody>
+      </p:sp>
+      <p:sp>
+        <p:nvSpPr>
+          <p:cNvPr id="7" name="Rectangle 6"/>
+          <p:cNvSpPr/>
+          <p:nvPr/>
+        </p:nvSpPr>
+        <p:spPr>
+          <a:xfrm>
+            <a:off x="7069666" y="2997200"/>
+            <a:ext cx="592667" cy="279400"/>
+          </a:xfrm>
+          <a:prstGeom prst="rect">
+            <a:avLst/>
+          </a:prstGeom>
+          <a:noFill/>
+          <a:ln w="38100" cmpd="sng">
+            <a:solidFill>
+              <a:srgbClr val="FF6600"/>
+            </a:solidFill>
+          </a:ln>
+        </p:spPr>
+        <p:style>
+          <a:lnRef idx="1">
+            <a:schemeClr val="accent1"/>
+          </a:lnRef>
+          <a:fillRef idx="3">
+            <a:schemeClr val="accent1"/>
+          </a:fillRef>
+          <a:effectRef idx="2">
+            <a:schemeClr val="accent1"/>
+          </a:effectRef>
+          <a:fontRef idx="minor">
+            <a:schemeClr val="lt1"/>
+          </a:fontRef>
+        </p:style>
+        <p:txBody>
+          <a:bodyPr rtlCol="0" anchor="ctr"/>
+          <a:lstStyle/>
+          <a:p>
+            <a:pPr algn="ctr"/>
+            <a:endParaRPr lang="en-US"/>
+          </a:p>
+        </p:txBody>
+      </p:sp>
+      <p:sp>
+        <p:nvSpPr>
+          <p:cNvPr id="8" name="Rectangle 7"/>
+          <p:cNvSpPr/>
+          <p:nvPr/>
+        </p:nvSpPr>
+        <p:spPr>
+          <a:xfrm>
+            <a:off x="7882465" y="2988732"/>
+            <a:ext cx="592667" cy="279400"/>
+          </a:xfrm>
+          <a:prstGeom prst="rect">
+            <a:avLst/>
+          </a:prstGeom>
+          <a:noFill/>
+          <a:ln w="38100" cmpd="sng">
+            <a:solidFill>
+              <a:srgbClr val="FF6600"/>
+            </a:solidFill>
+          </a:ln>
+        </p:spPr>
+        <p:style>
+          <a:lnRef idx="1">
+            <a:schemeClr val="accent1"/>
+          </a:lnRef>
+          <a:fillRef idx="3">
+            <a:schemeClr val="accent1"/>
+          </a:fillRef>
+          <a:effectRef idx="2">
+            <a:schemeClr val="accent1"/>
+          </a:effectRef>
+          <a:fontRef idx="minor">
+            <a:schemeClr val="lt1"/>
+          </a:fontRef>
+        </p:style>
+        <p:txBody>
+          <a:bodyPr rtlCol="0" anchor="ctr"/>
+          <a:lstStyle/>
+          <a:p>
+            <a:pPr algn="ctr"/>
+            <a:endParaRPr lang="en-US"/>
+          </a:p>
+        </p:txBody>
+      </p:sp>
+    </p:spTree>
+    <p:extLst>
+      <p:ext uri="{BB962C8B-B14F-4D97-AF65-F5344CB8AC3E}">
+        <p14:creationId xmlns:p14="http://schemas.microsoft.com/office/powerpoint/2010/main" val="740631906"/>
+      </p:ext>
+    </p:extLst>
+  </p:cSld>
+  <p:clrMapOvr>
+    <a:masterClrMapping/>
+  </p:clrMapOvr>
+</p:sld>
+</file>
+
+<file path=ppt/slides/slide45.xml><?xml version="1.0" encoding="utf-8"?>
+<p:sld xmlns:a="http://schemas.openxmlformats.org/drawingml/2006/main" xmlns:r="http://schemas.openxmlformats.org/officeDocument/2006/relationships" xmlns:p="http://schemas.openxmlformats.org/presentationml/2006/main">
+  <p:cSld>
+    <p:spTree>
+      <p:nvGrpSpPr>
+        <p:cNvPr id="1" name=""/>
+        <p:cNvGrpSpPr/>
+        <p:nvPr/>
+      </p:nvGrpSpPr>
+      <p:grpSpPr>
+        <a:xfrm>
+          <a:off x="0" y="0"/>
+          <a:ext cx="0" cy="0"/>
+          <a:chOff x="0" y="0"/>
+          <a:chExt cx="0" cy="0"/>
+        </a:xfrm>
+      </p:grpSpPr>
+      <p:sp>
+        <p:nvSpPr>
+          <p:cNvPr id="2" name="Title 1"/>
+          <p:cNvSpPr>
+            <a:spLocks noGrp="1"/>
+          </p:cNvSpPr>
+          <p:nvPr>
+            <p:ph type="title"/>
+          </p:nvPr>
+        </p:nvSpPr>
         <p:spPr>
           <a:solidFill>
-            <a:schemeClr val="accent3">
-              <a:lumMod val="75000"/>
-            </a:schemeClr>
+            <a:srgbClr val="77933C"/>
           </a:solidFill>
         </p:spPr>
         <p:txBody>
@@ -11744,7 +12439,7 @@
           <a:p>
             <a:r>
               <a:rPr lang="en-US" dirty="0" smtClean="0"/>
-              <a:t>Example 9: Exotic operations</a:t>
+              <a:t>Example 7. Digging deeper</a:t>
             </a:r>
             <a:endParaRPr lang="en-US" dirty="0"/>
           </a:p>
@@ -11762,78 +12457,17 @@
         </p:nvSpPr>
         <p:spPr/>
         <p:txBody>
-          <a:bodyPr/>
-          <a:lstStyle/>
-          <a:p>
-            <a:endParaRPr lang="en-US" dirty="0"/>
-          </a:p>
-          <a:p>
-            <a:pPr lvl="1" fontAlgn="base"/>
-            <a:r>
-              <a:rPr lang="en-US" dirty="0" smtClean="0"/>
-              <a:t>Using the </a:t>
-            </a:r>
-            <a:r>
-              <a:rPr lang="en-US" dirty="0" err="1" smtClean="0"/>
-              <a:t>cmd</a:t>
-            </a:r>
-            <a:r>
-              <a:rPr lang="en-US" dirty="0" smtClean="0"/>
-              <a:t>-line tools</a:t>
-            </a:r>
-          </a:p>
-          <a:p>
-            <a:pPr lvl="2" fontAlgn="base"/>
-            <a:r>
-              <a:rPr lang="en-US" dirty="0" smtClean="0"/>
-              <a:t>download </a:t>
-            </a:r>
-            <a:r>
-              <a:rPr lang="en-US" dirty="0"/>
-              <a:t>all </a:t>
-            </a:r>
-            <a:r>
-              <a:rPr lang="en-US" dirty="0" err="1"/>
-              <a:t>unannotated</a:t>
-            </a:r>
-            <a:r>
-              <a:rPr lang="en-US" dirty="0"/>
-              <a:t> reads</a:t>
-            </a:r>
-          </a:p>
-          <a:p>
-            <a:pPr lvl="2" fontAlgn="base"/>
-            <a:r>
-              <a:rPr lang="en-US" dirty="0"/>
-              <a:t>download all </a:t>
-            </a:r>
-            <a:r>
-              <a:rPr lang="en-US" dirty="0" err="1"/>
-              <a:t>dnaK</a:t>
-            </a:r>
-            <a:r>
-              <a:rPr lang="en-US" dirty="0"/>
-              <a:t>, </a:t>
-            </a:r>
-            <a:r>
-              <a:rPr lang="en-US" dirty="0" err="1"/>
-              <a:t>amoA</a:t>
-            </a:r>
-            <a:r>
-              <a:rPr lang="en-US" dirty="0"/>
-              <a:t> genes from </a:t>
-            </a:r>
-            <a:r>
-              <a:rPr lang="en-US" dirty="0" smtClean="0"/>
-              <a:t>MANY metagenomes</a:t>
-            </a:r>
-            <a:endParaRPr lang="en-US" dirty="0"/>
-          </a:p>
-          <a:p>
-            <a:pPr lvl="2" fontAlgn="base"/>
-            <a:r>
-              <a:rPr lang="en-US" dirty="0"/>
-              <a:t>sequence search against all/many data sets</a:t>
+          <a:bodyPr>
+            <a:normAutofit fontScale="85000" lnSpcReduction="20000"/>
+          </a:bodyPr>
+          <a:lstStyle/>
+          <a:p>
+            <a:pPr marL="0" indent="0">
+              <a:buNone/>
+            </a:pPr>
+            <a:r>
+              <a:rPr lang="en-US" dirty="0" smtClean="0"/>
+              <a:t>What butyrate synthesis genes are present in class Clostridia in your “best” sample for HMP healthy fecal sample?</a:t>
             </a:r>
           </a:p>
           <a:p>
@@ -11842,12 +12476,1058 @@
             </a:pPr>
             <a:endParaRPr lang="en-US" dirty="0"/>
           </a:p>
+          <a:p>
+            <a:pPr marL="0" indent="0">
+              <a:buNone/>
+            </a:pPr>
+            <a:r>
+              <a:rPr lang="en-US" dirty="0" smtClean="0"/>
+              <a:t>Lets look at another way to mine data via the UI!</a:t>
+            </a:r>
+          </a:p>
+          <a:p>
+            <a:pPr>
+              <a:buFontTx/>
+              <a:buChar char="-"/>
+            </a:pPr>
+            <a:r>
+              <a:rPr lang="en-US" dirty="0" smtClean="0"/>
+              <a:t>Go </a:t>
+            </a:r>
+            <a:r>
+              <a:rPr lang="en-US" dirty="0" smtClean="0"/>
+              <a:t>back to Overview page</a:t>
+            </a:r>
+          </a:p>
+          <a:p>
+            <a:pPr>
+              <a:buFontTx/>
+              <a:buChar char="-"/>
+            </a:pPr>
+            <a:r>
+              <a:rPr lang="en-US" dirty="0" smtClean="0"/>
+              <a:t>What </a:t>
+            </a:r>
+            <a:r>
+              <a:rPr lang="en-US" dirty="0"/>
+              <a:t>Genera are present in this clade</a:t>
+            </a:r>
+            <a:r>
+              <a:rPr lang="en-US" dirty="0" smtClean="0"/>
+              <a:t>?</a:t>
+            </a:r>
+          </a:p>
+          <a:p>
+            <a:pPr lvl="1">
+              <a:buFontTx/>
+              <a:buChar char="-"/>
+            </a:pPr>
+            <a:r>
+              <a:rPr lang="en-US" dirty="0" smtClean="0"/>
+              <a:t>Limits to how much the workbench can hold!  CL-tools/R tools will be better for larger analyses!</a:t>
+            </a:r>
+            <a:endParaRPr lang="en-US" dirty="0" smtClean="0"/>
+          </a:p>
+          <a:p>
+            <a:pPr>
+              <a:buFontTx/>
+              <a:buChar char="-"/>
+            </a:pPr>
+            <a:r>
+              <a:rPr lang="en-US" dirty="0" smtClean="0"/>
+              <a:t>Search table for butyrate-related enzyme functions</a:t>
+            </a:r>
+            <a:r>
+              <a:rPr lang="en-US" dirty="0" smtClean="0"/>
+              <a:t>. </a:t>
+            </a:r>
+            <a:r>
+              <a:rPr lang="en-US" dirty="0"/>
+              <a:t>(e.g. </a:t>
+            </a:r>
+            <a:r>
+              <a:rPr lang="en-US" dirty="0" smtClean="0"/>
+              <a:t>5.4.3.2 in </a:t>
+            </a:r>
+            <a:endParaRPr lang="en-US" dirty="0" smtClean="0"/>
+          </a:p>
         </p:txBody>
       </p:sp>
     </p:spTree>
     <p:extLst>
       <p:ext uri="{BB962C8B-B14F-4D97-AF65-F5344CB8AC3E}">
-        <p14:creationId xmlns:p14="http://schemas.microsoft.com/office/powerpoint/2010/main" val="419681251"/>
+        <p14:creationId xmlns:p14="http://schemas.microsoft.com/office/powerpoint/2010/main" val="2260370490"/>
+      </p:ext>
+    </p:extLst>
+  </p:cSld>
+  <p:clrMapOvr>
+    <a:masterClrMapping/>
+  </p:clrMapOvr>
+</p:sld>
+</file>
+
+<file path=ppt/slides/slide46.xml><?xml version="1.0" encoding="utf-8"?>
+<p:sld xmlns:a="http://schemas.openxmlformats.org/drawingml/2006/main" xmlns:r="http://schemas.openxmlformats.org/officeDocument/2006/relationships" xmlns:p="http://schemas.openxmlformats.org/presentationml/2006/main">
+  <p:cSld>
+    <p:spTree>
+      <p:nvGrpSpPr>
+        <p:cNvPr id="1" name=""/>
+        <p:cNvGrpSpPr/>
+        <p:nvPr/>
+      </p:nvGrpSpPr>
+      <p:grpSpPr>
+        <a:xfrm>
+          <a:off x="0" y="0"/>
+          <a:ext cx="0" cy="0"/>
+          <a:chOff x="0" y="0"/>
+          <a:chExt cx="0" cy="0"/>
+        </a:xfrm>
+      </p:grpSpPr>
+      <p:sp>
+        <p:nvSpPr>
+          <p:cNvPr id="2" name="Title 1"/>
+          <p:cNvSpPr>
+            <a:spLocks noGrp="1"/>
+          </p:cNvSpPr>
+          <p:nvPr>
+            <p:ph type="title"/>
+          </p:nvPr>
+        </p:nvSpPr>
+        <p:spPr/>
+        <p:txBody>
+          <a:bodyPr>
+            <a:normAutofit fontScale="90000"/>
+          </a:bodyPr>
+          <a:lstStyle/>
+          <a:p>
+            <a:r>
+              <a:rPr lang="en-US" dirty="0"/>
+              <a:t>Select </a:t>
+            </a:r>
+            <a:r>
+              <a:rPr lang="en-US" dirty="0" smtClean="0"/>
+              <a:t>taxon group and </a:t>
+            </a:r>
+            <a:r>
+              <a:rPr lang="en-US" dirty="0"/>
+              <a:t>move to workbench. </a:t>
+            </a:r>
+          </a:p>
+        </p:txBody>
+      </p:sp>
+      <p:grpSp>
+        <p:nvGrpSpPr>
+          <p:cNvPr id="9" name="Group 8"/>
+          <p:cNvGrpSpPr/>
+          <p:nvPr/>
+        </p:nvGrpSpPr>
+        <p:grpSpPr>
+          <a:xfrm>
+            <a:off x="2184400" y="2019300"/>
+            <a:ext cx="6337300" cy="4678942"/>
+            <a:chOff x="643467" y="1417638"/>
+            <a:chExt cx="7878233" cy="5280604"/>
+          </a:xfrm>
+        </p:grpSpPr>
+        <p:pic>
+          <p:nvPicPr>
+            <p:cNvPr id="5" name="Picture 4"/>
+            <p:cNvPicPr>
+              <a:picLocks noChangeAspect="1"/>
+            </p:cNvPicPr>
+            <p:nvPr/>
+          </p:nvPicPr>
+          <p:blipFill>
+            <a:blip r:embed="rId2"/>
+            <a:stretch>
+              <a:fillRect/>
+            </a:stretch>
+          </p:blipFill>
+          <p:spPr>
+            <a:xfrm>
+              <a:off x="643467" y="1417638"/>
+              <a:ext cx="7162800" cy="5280604"/>
+            </a:xfrm>
+            <a:prstGeom prst="rect">
+              <a:avLst/>
+            </a:prstGeom>
+          </p:spPr>
+        </p:pic>
+        <p:cxnSp>
+          <p:nvCxnSpPr>
+            <p:cNvPr id="7" name="Straight Arrow Connector 6"/>
+            <p:cNvCxnSpPr/>
+            <p:nvPr/>
+          </p:nvCxnSpPr>
+          <p:spPr>
+            <a:xfrm flipH="1">
+              <a:off x="7416800" y="3048000"/>
+              <a:ext cx="1104900" cy="0"/>
+            </a:xfrm>
+            <a:prstGeom prst="straightConnector1">
+              <a:avLst/>
+            </a:prstGeom>
+            <a:ln w="38100" cmpd="sng">
+              <a:solidFill>
+                <a:srgbClr val="FF0000"/>
+              </a:solidFill>
+              <a:tailEnd type="arrow"/>
+            </a:ln>
+          </p:spPr>
+          <p:style>
+            <a:lnRef idx="2">
+              <a:schemeClr val="accent1"/>
+            </a:lnRef>
+            <a:fillRef idx="0">
+              <a:schemeClr val="accent1"/>
+            </a:fillRef>
+            <a:effectRef idx="1">
+              <a:schemeClr val="accent1"/>
+            </a:effectRef>
+            <a:fontRef idx="minor">
+              <a:schemeClr val="tx1"/>
+            </a:fontRef>
+          </p:style>
+        </p:cxnSp>
+        <p:cxnSp>
+          <p:nvCxnSpPr>
+            <p:cNvPr id="8" name="Straight Arrow Connector 7"/>
+            <p:cNvCxnSpPr/>
+            <p:nvPr/>
+          </p:nvCxnSpPr>
+          <p:spPr>
+            <a:xfrm flipH="1">
+              <a:off x="3924300" y="5207000"/>
+              <a:ext cx="1104900" cy="0"/>
+            </a:xfrm>
+            <a:prstGeom prst="straightConnector1">
+              <a:avLst/>
+            </a:prstGeom>
+            <a:ln w="38100" cmpd="sng">
+              <a:solidFill>
+                <a:srgbClr val="FF0000"/>
+              </a:solidFill>
+              <a:tailEnd type="arrow"/>
+            </a:ln>
+          </p:spPr>
+          <p:style>
+            <a:lnRef idx="2">
+              <a:schemeClr val="accent1"/>
+            </a:lnRef>
+            <a:fillRef idx="0">
+              <a:schemeClr val="accent1"/>
+            </a:fillRef>
+            <a:effectRef idx="1">
+              <a:schemeClr val="accent1"/>
+            </a:effectRef>
+            <a:fontRef idx="minor">
+              <a:schemeClr val="tx1"/>
+            </a:fontRef>
+          </p:style>
+        </p:cxnSp>
+      </p:grpSp>
+      <p:sp>
+        <p:nvSpPr>
+          <p:cNvPr id="10" name="Rectangle 9"/>
+          <p:cNvSpPr/>
+          <p:nvPr/>
+        </p:nvSpPr>
+        <p:spPr>
+          <a:xfrm>
+            <a:off x="96354" y="1649968"/>
+            <a:ext cx="2496935" cy="646331"/>
+          </a:xfrm>
+          <a:prstGeom prst="rect">
+            <a:avLst/>
+          </a:prstGeom>
+        </p:spPr>
+        <p:txBody>
+          <a:bodyPr wrap="none">
+            <a:spAutoFit/>
+          </a:bodyPr>
+          <a:lstStyle/>
+          <a:p>
+            <a:r>
+              <a:rPr lang="en-US" dirty="0" smtClean="0"/>
+              <a:t>Metagenome 4472164.3</a:t>
+            </a:r>
+          </a:p>
+          <a:p>
+            <a:r>
+              <a:rPr lang="en-US" dirty="0"/>
+              <a:t>Family </a:t>
+            </a:r>
+            <a:r>
+              <a:rPr lang="en-US" i="1" dirty="0" err="1"/>
+              <a:t>Clostridiaceae</a:t>
+            </a:r>
+            <a:endParaRPr lang="en-US" i="1" dirty="0"/>
+          </a:p>
+        </p:txBody>
+      </p:sp>
+      <p:cxnSp>
+        <p:nvCxnSpPr>
+          <p:cNvPr id="12" name="Straight Arrow Connector 11"/>
+          <p:cNvCxnSpPr>
+            <a:endCxn id="5" idx="1"/>
+          </p:cNvCxnSpPr>
+          <p:nvPr/>
+        </p:nvCxnSpPr>
+        <p:spPr>
+          <a:xfrm>
+            <a:off x="1473200" y="2296299"/>
+            <a:ext cx="711200" cy="2062472"/>
+          </a:xfrm>
+          <a:prstGeom prst="straightConnector1">
+            <a:avLst/>
+          </a:prstGeom>
+          <a:ln w="38100" cmpd="sng">
+            <a:solidFill>
+              <a:srgbClr val="FF0000"/>
+            </a:solidFill>
+            <a:tailEnd type="arrow"/>
+          </a:ln>
+        </p:spPr>
+        <p:style>
+          <a:lnRef idx="2">
+            <a:schemeClr val="accent1"/>
+          </a:lnRef>
+          <a:fillRef idx="0">
+            <a:schemeClr val="accent1"/>
+          </a:fillRef>
+          <a:effectRef idx="1">
+            <a:schemeClr val="accent1"/>
+          </a:effectRef>
+          <a:fontRef idx="minor">
+            <a:schemeClr val="tx1"/>
+          </a:fontRef>
+        </p:style>
+      </p:cxnSp>
+      <p:sp>
+        <p:nvSpPr>
+          <p:cNvPr id="14" name="TextBox 13"/>
+          <p:cNvSpPr txBox="1"/>
+          <p:nvPr/>
+        </p:nvSpPr>
+        <p:spPr>
+          <a:xfrm>
+            <a:off x="241301" y="5156200"/>
+            <a:ext cx="2108200" cy="646331"/>
+          </a:xfrm>
+          <a:prstGeom prst="rect">
+            <a:avLst/>
+          </a:prstGeom>
+          <a:noFill/>
+        </p:spPr>
+        <p:txBody>
+          <a:bodyPr wrap="square" rtlCol="0">
+            <a:spAutoFit/>
+          </a:bodyPr>
+          <a:lstStyle/>
+          <a:p>
+            <a:r>
+              <a:rPr lang="en-US" dirty="0" smtClean="0"/>
+              <a:t>Moved featured to workbench!</a:t>
+            </a:r>
+            <a:endParaRPr lang="en-US" dirty="0"/>
+          </a:p>
+        </p:txBody>
+      </p:sp>
+    </p:spTree>
+    <p:extLst>
+      <p:ext uri="{BB962C8B-B14F-4D97-AF65-F5344CB8AC3E}">
+        <p14:creationId xmlns:p14="http://schemas.microsoft.com/office/powerpoint/2010/main" val="270061427"/>
+      </p:ext>
+    </p:extLst>
+  </p:cSld>
+  <p:clrMapOvr>
+    <a:masterClrMapping/>
+  </p:clrMapOvr>
+</p:sld>
+</file>
+
+<file path=ppt/slides/slide47.xml><?xml version="1.0" encoding="utf-8"?>
+<p:sld xmlns:a="http://schemas.openxmlformats.org/drawingml/2006/main" xmlns:r="http://schemas.openxmlformats.org/officeDocument/2006/relationships" xmlns:p="http://schemas.openxmlformats.org/presentationml/2006/main">
+  <p:cSld>
+    <p:spTree>
+      <p:nvGrpSpPr>
+        <p:cNvPr id="1" name=""/>
+        <p:cNvGrpSpPr/>
+        <p:nvPr/>
+      </p:nvGrpSpPr>
+      <p:grpSpPr>
+        <a:xfrm>
+          <a:off x="0" y="0"/>
+          <a:ext cx="0" cy="0"/>
+          <a:chOff x="0" y="0"/>
+          <a:chExt cx="0" cy="0"/>
+        </a:xfrm>
+      </p:grpSpPr>
+      <p:sp>
+        <p:nvSpPr>
+          <p:cNvPr id="2" name="Title 1"/>
+          <p:cNvSpPr>
+            <a:spLocks noGrp="1"/>
+          </p:cNvSpPr>
+          <p:nvPr>
+            <p:ph type="title"/>
+          </p:nvPr>
+        </p:nvSpPr>
+        <p:spPr/>
+        <p:txBody>
+          <a:bodyPr/>
+          <a:lstStyle/>
+          <a:p>
+            <a:r>
+              <a:rPr lang="en-US" dirty="0" smtClean="0"/>
+              <a:t>Create Function Table</a:t>
+            </a:r>
+            <a:endParaRPr lang="en-US" dirty="0"/>
+          </a:p>
+        </p:txBody>
+      </p:sp>
+      <p:pic>
+        <p:nvPicPr>
+          <p:cNvPr id="4" name="Picture 3"/>
+          <p:cNvPicPr>
+            <a:picLocks noChangeAspect="1"/>
+          </p:cNvPicPr>
+          <p:nvPr/>
+        </p:nvPicPr>
+        <p:blipFill>
+          <a:blip r:embed="rId2"/>
+          <a:stretch>
+            <a:fillRect/>
+          </a:stretch>
+        </p:blipFill>
+        <p:spPr>
+          <a:xfrm>
+            <a:off x="0" y="1638300"/>
+            <a:ext cx="9144000" cy="3581073"/>
+          </a:xfrm>
+          <a:prstGeom prst="rect">
+            <a:avLst/>
+          </a:prstGeom>
+        </p:spPr>
+      </p:pic>
+      <p:sp>
+        <p:nvSpPr>
+          <p:cNvPr id="5" name="Oval 4"/>
+          <p:cNvSpPr/>
+          <p:nvPr/>
+        </p:nvSpPr>
+        <p:spPr>
+          <a:xfrm>
+            <a:off x="3441700" y="3060700"/>
+            <a:ext cx="2425700" cy="419100"/>
+          </a:xfrm>
+          <a:prstGeom prst="ellipse">
+            <a:avLst/>
+          </a:prstGeom>
+          <a:noFill/>
+          <a:ln w="38100" cmpd="sng">
+            <a:solidFill>
+              <a:srgbClr val="FF0000"/>
+            </a:solidFill>
+          </a:ln>
+        </p:spPr>
+        <p:style>
+          <a:lnRef idx="1">
+            <a:schemeClr val="accent1"/>
+          </a:lnRef>
+          <a:fillRef idx="3">
+            <a:schemeClr val="accent1"/>
+          </a:fillRef>
+          <a:effectRef idx="2">
+            <a:schemeClr val="accent1"/>
+          </a:effectRef>
+          <a:fontRef idx="minor">
+            <a:schemeClr val="lt1"/>
+          </a:fontRef>
+        </p:style>
+        <p:txBody>
+          <a:bodyPr rtlCol="0" anchor="ctr"/>
+          <a:lstStyle/>
+          <a:p>
+            <a:pPr algn="ctr"/>
+            <a:endParaRPr lang="en-US"/>
+          </a:p>
+        </p:txBody>
+      </p:sp>
+      <p:sp>
+        <p:nvSpPr>
+          <p:cNvPr id="6" name="TextBox 5"/>
+          <p:cNvSpPr txBox="1"/>
+          <p:nvPr/>
+        </p:nvSpPr>
+        <p:spPr>
+          <a:xfrm>
+            <a:off x="6278179" y="1626632"/>
+            <a:ext cx="2408621" cy="923330"/>
+          </a:xfrm>
+          <a:prstGeom prst="rect">
+            <a:avLst/>
+          </a:prstGeom>
+          <a:noFill/>
+        </p:spPr>
+        <p:txBody>
+          <a:bodyPr wrap="square" rtlCol="0">
+            <a:spAutoFit/>
+          </a:bodyPr>
+          <a:lstStyle/>
+          <a:p>
+            <a:r>
+              <a:rPr lang="en-US" dirty="0" smtClean="0">
+                <a:solidFill>
+                  <a:srgbClr val="FF0000"/>
+                </a:solidFill>
+              </a:rPr>
+              <a:t>Don’t forget to check that you want to use workbench data!</a:t>
+            </a:r>
+            <a:endParaRPr lang="en-US" dirty="0">
+              <a:solidFill>
+                <a:srgbClr val="FF0000"/>
+              </a:solidFill>
+            </a:endParaRPr>
+          </a:p>
+        </p:txBody>
+      </p:sp>
+      <p:cxnSp>
+        <p:nvCxnSpPr>
+          <p:cNvPr id="8" name="Straight Arrow Connector 7"/>
+          <p:cNvCxnSpPr/>
+          <p:nvPr/>
+        </p:nvCxnSpPr>
+        <p:spPr>
+          <a:xfrm flipH="1">
+            <a:off x="5626100" y="2549962"/>
+            <a:ext cx="652079" cy="510738"/>
+          </a:xfrm>
+          <a:prstGeom prst="straightConnector1">
+            <a:avLst/>
+          </a:prstGeom>
+          <a:ln w="38100" cmpd="sng">
+            <a:solidFill>
+              <a:srgbClr val="FF0000"/>
+            </a:solidFill>
+            <a:tailEnd type="arrow"/>
+          </a:ln>
+        </p:spPr>
+        <p:style>
+          <a:lnRef idx="2">
+            <a:schemeClr val="accent1"/>
+          </a:lnRef>
+          <a:fillRef idx="0">
+            <a:schemeClr val="accent1"/>
+          </a:fillRef>
+          <a:effectRef idx="1">
+            <a:schemeClr val="accent1"/>
+          </a:effectRef>
+          <a:fontRef idx="minor">
+            <a:schemeClr val="tx1"/>
+          </a:fontRef>
+        </p:style>
+      </p:cxnSp>
+      <p:sp>
+        <p:nvSpPr>
+          <p:cNvPr id="9" name="Oval 8"/>
+          <p:cNvSpPr/>
+          <p:nvPr/>
+        </p:nvSpPr>
+        <p:spPr>
+          <a:xfrm>
+            <a:off x="-50800" y="4572000"/>
+            <a:ext cx="2057400" cy="419100"/>
+          </a:xfrm>
+          <a:prstGeom prst="ellipse">
+            <a:avLst/>
+          </a:prstGeom>
+          <a:noFill/>
+          <a:ln w="38100" cmpd="sng">
+            <a:solidFill>
+              <a:srgbClr val="FF0000"/>
+            </a:solidFill>
+          </a:ln>
+        </p:spPr>
+        <p:style>
+          <a:lnRef idx="1">
+            <a:schemeClr val="accent1"/>
+          </a:lnRef>
+          <a:fillRef idx="3">
+            <a:schemeClr val="accent1"/>
+          </a:fillRef>
+          <a:effectRef idx="2">
+            <a:schemeClr val="accent1"/>
+          </a:effectRef>
+          <a:fontRef idx="minor">
+            <a:schemeClr val="lt1"/>
+          </a:fontRef>
+        </p:style>
+        <p:txBody>
+          <a:bodyPr rtlCol="0" anchor="ctr"/>
+          <a:lstStyle/>
+          <a:p>
+            <a:pPr algn="ctr"/>
+            <a:endParaRPr lang="en-US"/>
+          </a:p>
+        </p:txBody>
+      </p:sp>
+      <p:sp>
+        <p:nvSpPr>
+          <p:cNvPr id="10" name="Oval 9"/>
+          <p:cNvSpPr/>
+          <p:nvPr/>
+        </p:nvSpPr>
+        <p:spPr>
+          <a:xfrm>
+            <a:off x="6083300" y="4267200"/>
+            <a:ext cx="825500" cy="419100"/>
+          </a:xfrm>
+          <a:prstGeom prst="ellipse">
+            <a:avLst/>
+          </a:prstGeom>
+          <a:noFill/>
+          <a:ln w="38100" cmpd="sng">
+            <a:solidFill>
+              <a:srgbClr val="FF0000"/>
+            </a:solidFill>
+          </a:ln>
+        </p:spPr>
+        <p:style>
+          <a:lnRef idx="1">
+            <a:schemeClr val="accent1"/>
+          </a:lnRef>
+          <a:fillRef idx="3">
+            <a:schemeClr val="accent1"/>
+          </a:fillRef>
+          <a:effectRef idx="2">
+            <a:schemeClr val="accent1"/>
+          </a:effectRef>
+          <a:fontRef idx="minor">
+            <a:schemeClr val="lt1"/>
+          </a:fontRef>
+        </p:style>
+        <p:txBody>
+          <a:bodyPr rtlCol="0" anchor="ctr"/>
+          <a:lstStyle/>
+          <a:p>
+            <a:pPr algn="ctr"/>
+            <a:endParaRPr lang="en-US"/>
+          </a:p>
+        </p:txBody>
+      </p:sp>
+    </p:spTree>
+    <p:extLst>
+      <p:ext uri="{BB962C8B-B14F-4D97-AF65-F5344CB8AC3E}">
+        <p14:creationId xmlns:p14="http://schemas.microsoft.com/office/powerpoint/2010/main" val="1505434788"/>
+      </p:ext>
+    </p:extLst>
+  </p:cSld>
+  <p:clrMapOvr>
+    <a:masterClrMapping/>
+  </p:clrMapOvr>
+</p:sld>
+</file>
+
+<file path=ppt/slides/slide48.xml><?xml version="1.0" encoding="utf-8"?>
+<p:sld xmlns:a="http://schemas.openxmlformats.org/drawingml/2006/main" xmlns:r="http://schemas.openxmlformats.org/officeDocument/2006/relationships" xmlns:p="http://schemas.openxmlformats.org/presentationml/2006/main">
+  <p:cSld>
+    <p:spTree>
+      <p:nvGrpSpPr>
+        <p:cNvPr id="1" name=""/>
+        <p:cNvGrpSpPr/>
+        <p:nvPr/>
+      </p:nvGrpSpPr>
+      <p:grpSpPr>
+        <a:xfrm>
+          <a:off x="0" y="0"/>
+          <a:ext cx="0" cy="0"/>
+          <a:chOff x="0" y="0"/>
+          <a:chExt cx="0" cy="0"/>
+        </a:xfrm>
+      </p:grpSpPr>
+      <p:sp>
+        <p:nvSpPr>
+          <p:cNvPr id="2" name="Title 1"/>
+          <p:cNvSpPr>
+            <a:spLocks noGrp="1"/>
+          </p:cNvSpPr>
+          <p:nvPr>
+            <p:ph type="title"/>
+          </p:nvPr>
+        </p:nvSpPr>
+        <p:spPr/>
+        <p:txBody>
+          <a:bodyPr/>
+          <a:lstStyle/>
+          <a:p>
+            <a:r>
+              <a:rPr lang="en-US" dirty="0" smtClean="0"/>
+              <a:t>Search for function</a:t>
+            </a:r>
+            <a:endParaRPr lang="en-US" dirty="0"/>
+          </a:p>
+        </p:txBody>
+      </p:sp>
+      <p:pic>
+        <p:nvPicPr>
+          <p:cNvPr id="4" name="Content Placeholder 3"/>
+          <p:cNvPicPr>
+            <a:picLocks noGrp="1" noChangeAspect="1"/>
+          </p:cNvPicPr>
+          <p:nvPr>
+            <p:ph idx="1"/>
+          </p:nvPr>
+        </p:nvPicPr>
+        <p:blipFill rotWithShape="1">
+          <a:blip r:embed="rId2"/>
+          <a:srcRect l="3319" r="3319" b="20309"/>
+          <a:stretch/>
+        </p:blipFill>
+        <p:spPr>
+          <a:xfrm>
+            <a:off x="457200" y="1600201"/>
+            <a:ext cx="8229600" cy="3606800"/>
+          </a:xfrm>
+        </p:spPr>
+      </p:pic>
+      <p:sp>
+        <p:nvSpPr>
+          <p:cNvPr id="5" name="Oval 4"/>
+          <p:cNvSpPr/>
+          <p:nvPr/>
+        </p:nvSpPr>
+        <p:spPr>
+          <a:xfrm>
+            <a:off x="2806700" y="3810000"/>
+            <a:ext cx="1168400" cy="508000"/>
+          </a:xfrm>
+          <a:prstGeom prst="ellipse">
+            <a:avLst/>
+          </a:prstGeom>
+          <a:noFill/>
+          <a:ln w="38100" cmpd="sng">
+            <a:solidFill>
+              <a:srgbClr val="FF0000"/>
+            </a:solidFill>
+          </a:ln>
+        </p:spPr>
+        <p:style>
+          <a:lnRef idx="1">
+            <a:schemeClr val="accent1"/>
+          </a:lnRef>
+          <a:fillRef idx="3">
+            <a:schemeClr val="accent1"/>
+          </a:fillRef>
+          <a:effectRef idx="2">
+            <a:schemeClr val="accent1"/>
+          </a:effectRef>
+          <a:fontRef idx="minor">
+            <a:schemeClr val="lt1"/>
+          </a:fontRef>
+        </p:style>
+        <p:txBody>
+          <a:bodyPr rtlCol="0" anchor="ctr"/>
+          <a:lstStyle/>
+          <a:p>
+            <a:pPr algn="ctr"/>
+            <a:endParaRPr lang="en-US"/>
+          </a:p>
+        </p:txBody>
+      </p:sp>
+      <p:sp>
+        <p:nvSpPr>
+          <p:cNvPr id="3" name="Rectangle 2"/>
+          <p:cNvSpPr/>
+          <p:nvPr/>
+        </p:nvSpPr>
+        <p:spPr>
+          <a:xfrm>
+            <a:off x="3975100" y="3619500"/>
+            <a:ext cx="1270000" cy="190500"/>
+          </a:xfrm>
+          <a:prstGeom prst="rect">
+            <a:avLst/>
+          </a:prstGeom>
+          <a:ln>
+            <a:noFill/>
+          </a:ln>
+        </p:spPr>
+        <p:style>
+          <a:lnRef idx="2">
+            <a:schemeClr val="accent3"/>
+          </a:lnRef>
+          <a:fillRef idx="1">
+            <a:schemeClr val="lt1"/>
+          </a:fillRef>
+          <a:effectRef idx="0">
+            <a:schemeClr val="accent3"/>
+          </a:effectRef>
+          <a:fontRef idx="minor">
+            <a:schemeClr val="dk1"/>
+          </a:fontRef>
+        </p:style>
+        <p:txBody>
+          <a:bodyPr rtlCol="0" anchor="ctr"/>
+          <a:lstStyle/>
+          <a:p>
+            <a:pPr algn="ctr"/>
+            <a:endParaRPr lang="en-US"/>
+          </a:p>
+        </p:txBody>
+      </p:sp>
+      <p:cxnSp>
+        <p:nvCxnSpPr>
+          <p:cNvPr id="8" name="Straight Arrow Connector 7"/>
+          <p:cNvCxnSpPr/>
+          <p:nvPr/>
+        </p:nvCxnSpPr>
+        <p:spPr>
+          <a:xfrm flipH="1" flipV="1">
+            <a:off x="4254500" y="5207001"/>
+            <a:ext cx="444500" cy="800099"/>
+          </a:xfrm>
+          <a:prstGeom prst="straightConnector1">
+            <a:avLst/>
+          </a:prstGeom>
+          <a:ln>
+            <a:solidFill>
+              <a:srgbClr val="FF0000"/>
+            </a:solidFill>
+            <a:tailEnd type="arrow"/>
+          </a:ln>
+        </p:spPr>
+        <p:style>
+          <a:lnRef idx="2">
+            <a:schemeClr val="accent1"/>
+          </a:lnRef>
+          <a:fillRef idx="0">
+            <a:schemeClr val="accent1"/>
+          </a:fillRef>
+          <a:effectRef idx="1">
+            <a:schemeClr val="accent1"/>
+          </a:effectRef>
+          <a:fontRef idx="minor">
+            <a:schemeClr val="tx1"/>
+          </a:fontRef>
+        </p:style>
+      </p:cxnSp>
+      <p:cxnSp>
+        <p:nvCxnSpPr>
+          <p:cNvPr id="9" name="Straight Arrow Connector 8"/>
+          <p:cNvCxnSpPr/>
+          <p:nvPr/>
+        </p:nvCxnSpPr>
+        <p:spPr>
+          <a:xfrm flipV="1">
+            <a:off x="4851400" y="4927600"/>
+            <a:ext cx="0" cy="1231901"/>
+          </a:xfrm>
+          <a:prstGeom prst="straightConnector1">
+            <a:avLst/>
+          </a:prstGeom>
+          <a:ln>
+            <a:solidFill>
+              <a:srgbClr val="FF0000"/>
+            </a:solidFill>
+            <a:tailEnd type="arrow"/>
+          </a:ln>
+        </p:spPr>
+        <p:style>
+          <a:lnRef idx="2">
+            <a:schemeClr val="accent1"/>
+          </a:lnRef>
+          <a:fillRef idx="0">
+            <a:schemeClr val="accent1"/>
+          </a:fillRef>
+          <a:effectRef idx="1">
+            <a:schemeClr val="accent1"/>
+          </a:effectRef>
+          <a:fontRef idx="minor">
+            <a:schemeClr val="tx1"/>
+          </a:fontRef>
+        </p:style>
+      </p:cxnSp>
+    </p:spTree>
+    <p:extLst>
+      <p:ext uri="{BB962C8B-B14F-4D97-AF65-F5344CB8AC3E}">
+        <p14:creationId xmlns:p14="http://schemas.microsoft.com/office/powerpoint/2010/main" val="4059998250"/>
+      </p:ext>
+    </p:extLst>
+  </p:cSld>
+  <p:clrMapOvr>
+    <a:masterClrMapping/>
+  </p:clrMapOvr>
+</p:sld>
+</file>
+
+<file path=ppt/slides/slide49.xml><?xml version="1.0" encoding="utf-8"?>
+<p:sld xmlns:a="http://schemas.openxmlformats.org/drawingml/2006/main" xmlns:r="http://schemas.openxmlformats.org/officeDocument/2006/relationships" xmlns:p="http://schemas.openxmlformats.org/presentationml/2006/main">
+  <p:cSld>
+    <p:spTree>
+      <p:nvGrpSpPr>
+        <p:cNvPr id="1" name=""/>
+        <p:cNvGrpSpPr/>
+        <p:nvPr/>
+      </p:nvGrpSpPr>
+      <p:grpSpPr>
+        <a:xfrm>
+          <a:off x="0" y="0"/>
+          <a:ext cx="0" cy="0"/>
+          <a:chOff x="0" y="0"/>
+          <a:chExt cx="0" cy="0"/>
+        </a:xfrm>
+      </p:grpSpPr>
+      <p:sp>
+        <p:nvSpPr>
+          <p:cNvPr id="2" name="Title 1"/>
+          <p:cNvSpPr>
+            <a:spLocks noGrp="1"/>
+          </p:cNvSpPr>
+          <p:nvPr>
+            <p:ph type="title"/>
+          </p:nvPr>
+        </p:nvSpPr>
+        <p:spPr>
+          <a:solidFill>
+            <a:srgbClr val="77933C"/>
+          </a:solidFill>
+        </p:spPr>
+        <p:txBody>
+          <a:bodyPr>
+            <a:noAutofit/>
+          </a:bodyPr>
+          <a:lstStyle/>
+          <a:p>
+            <a:pPr lvl="1" algn="ctr" defTabSz="457200" rtl="0">
+              <a:spcBef>
+                <a:spcPct val="0"/>
+              </a:spcBef>
+            </a:pPr>
+            <a:r>
+              <a:rPr lang="en-US" sz="4400" kern="1200" dirty="0">
+                <a:solidFill>
+                  <a:schemeClr val="tx1"/>
+                </a:solidFill>
+                <a:latin typeface="+mj-lt"/>
+                <a:ea typeface="+mj-ea"/>
+                <a:cs typeface="+mj-cs"/>
+              </a:rPr>
+              <a:t>Example 8. </a:t>
+            </a:r>
+            <a:r>
+              <a:rPr lang="en-US" sz="3200" kern="1200" dirty="0">
+                <a:solidFill>
+                  <a:schemeClr val="tx1"/>
+                </a:solidFill>
+                <a:latin typeface="+mj-lt"/>
+                <a:ea typeface="+mj-ea"/>
+                <a:cs typeface="+mj-cs"/>
+              </a:rPr>
+              <a:t>What are community functional differences among </a:t>
+            </a:r>
+            <a:r>
+              <a:rPr lang="en-US" sz="3200" kern="1200" dirty="0" smtClean="0">
+                <a:solidFill>
+                  <a:schemeClr val="tx1"/>
+                </a:solidFill>
+                <a:latin typeface="+mj-lt"/>
+                <a:ea typeface="+mj-ea"/>
+                <a:cs typeface="+mj-cs"/>
+              </a:rPr>
+              <a:t>3 HMP body locations?</a:t>
+            </a:r>
+            <a:endParaRPr lang="en-US" sz="4400" kern="1200" dirty="0">
+              <a:solidFill>
+                <a:schemeClr val="tx1"/>
+              </a:solidFill>
+              <a:latin typeface="+mj-lt"/>
+              <a:ea typeface="+mj-ea"/>
+              <a:cs typeface="+mj-cs"/>
+            </a:endParaRPr>
+          </a:p>
+        </p:txBody>
+      </p:sp>
+      <p:sp>
+        <p:nvSpPr>
+          <p:cNvPr id="3" name="Content Placeholder 2"/>
+          <p:cNvSpPr>
+            <a:spLocks noGrp="1"/>
+          </p:cNvSpPr>
+          <p:nvPr>
+            <p:ph idx="1"/>
+          </p:nvPr>
+        </p:nvSpPr>
+        <p:spPr/>
+        <p:txBody>
+          <a:bodyPr/>
+          <a:lstStyle/>
+          <a:p>
+            <a:r>
+              <a:rPr lang="en-US" dirty="0" smtClean="0"/>
+              <a:t>Go to </a:t>
+            </a:r>
+            <a:r>
+              <a:rPr lang="en-US" dirty="0" err="1" smtClean="0"/>
+              <a:t>matR</a:t>
+            </a:r>
+            <a:r>
+              <a:rPr lang="en-US" dirty="0" smtClean="0"/>
+              <a:t> </a:t>
+            </a:r>
+            <a:r>
+              <a:rPr lang="en-US" dirty="0" smtClean="0"/>
+              <a:t>tutorial</a:t>
+            </a:r>
+          </a:p>
+          <a:p>
+            <a:pPr lvl="1"/>
+            <a:r>
+              <a:rPr lang="en-US" dirty="0" smtClean="0"/>
+              <a:t>Selecting, filtering, normalizing data</a:t>
+            </a:r>
+          </a:p>
+          <a:p>
+            <a:pPr lvl="1"/>
+            <a:r>
+              <a:rPr lang="en-US" dirty="0" smtClean="0"/>
+              <a:t>What are community functional differences among </a:t>
+            </a:r>
+            <a:r>
+              <a:rPr lang="en-US" dirty="0"/>
+              <a:t>the three body sampling </a:t>
+            </a:r>
+            <a:r>
+              <a:rPr lang="en-US" dirty="0" smtClean="0"/>
+              <a:t>locations?</a:t>
+            </a:r>
+          </a:p>
+          <a:p>
+            <a:pPr lvl="2"/>
+            <a:r>
+              <a:rPr lang="en-US" dirty="0" smtClean="0"/>
+              <a:t>(see tutorial.HMP_subset</a:t>
+            </a:r>
+            <a:r>
+              <a:rPr lang="en-US" dirty="0"/>
+              <a:t>.9-1-15.</a:t>
+            </a:r>
+            <a:r>
+              <a:rPr lang="en-US" dirty="0" smtClean="0"/>
+              <a:t>R)</a:t>
+            </a:r>
+            <a:endParaRPr lang="en-US" dirty="0" smtClean="0"/>
+          </a:p>
+          <a:p>
+            <a:pPr lvl="1"/>
+            <a:endParaRPr lang="en-US" dirty="0"/>
+          </a:p>
+        </p:txBody>
+      </p:sp>
+    </p:spTree>
+    <p:extLst>
+      <p:ext uri="{BB962C8B-B14F-4D97-AF65-F5344CB8AC3E}">
+        <p14:creationId xmlns:p14="http://schemas.microsoft.com/office/powerpoint/2010/main" val="87061649"/>
       </p:ext>
     </p:extLst>
   </p:cSld>
@@ -12101,6 +13781,159 @@
     <p:extLst>
       <p:ext uri="{BB962C8B-B14F-4D97-AF65-F5344CB8AC3E}">
         <p14:creationId xmlns:p14="http://schemas.microsoft.com/office/powerpoint/2010/main" val="2425136567"/>
+      </p:ext>
+    </p:extLst>
+  </p:cSld>
+  <p:clrMapOvr>
+    <a:masterClrMapping/>
+  </p:clrMapOvr>
+</p:sld>
+</file>
+
+<file path=ppt/slides/slide50.xml><?xml version="1.0" encoding="utf-8"?>
+<p:sld xmlns:a="http://schemas.openxmlformats.org/drawingml/2006/main" xmlns:r="http://schemas.openxmlformats.org/officeDocument/2006/relationships" xmlns:p="http://schemas.openxmlformats.org/presentationml/2006/main">
+  <p:cSld>
+    <p:spTree>
+      <p:nvGrpSpPr>
+        <p:cNvPr id="1" name=""/>
+        <p:cNvGrpSpPr/>
+        <p:nvPr/>
+      </p:nvGrpSpPr>
+      <p:grpSpPr>
+        <a:xfrm>
+          <a:off x="0" y="0"/>
+          <a:ext cx="0" cy="0"/>
+          <a:chOff x="0" y="0"/>
+          <a:chExt cx="0" cy="0"/>
+        </a:xfrm>
+      </p:grpSpPr>
+      <p:sp>
+        <p:nvSpPr>
+          <p:cNvPr id="2" name="Title 1"/>
+          <p:cNvSpPr>
+            <a:spLocks noGrp="1"/>
+          </p:cNvSpPr>
+          <p:nvPr>
+            <p:ph type="title"/>
+          </p:nvPr>
+        </p:nvSpPr>
+        <p:spPr>
+          <a:solidFill>
+            <a:schemeClr val="accent3">
+              <a:lumMod val="75000"/>
+            </a:schemeClr>
+          </a:solidFill>
+        </p:spPr>
+        <p:txBody>
+          <a:bodyPr/>
+          <a:lstStyle/>
+          <a:p>
+            <a:r>
+              <a:rPr lang="en-US" dirty="0" smtClean="0"/>
+              <a:t>Example 9: Exotic operations</a:t>
+            </a:r>
+            <a:endParaRPr lang="en-US" dirty="0"/>
+          </a:p>
+        </p:txBody>
+      </p:sp>
+      <p:sp>
+        <p:nvSpPr>
+          <p:cNvPr id="3" name="Content Placeholder 2"/>
+          <p:cNvSpPr>
+            <a:spLocks noGrp="1"/>
+          </p:cNvSpPr>
+          <p:nvPr>
+            <p:ph idx="1"/>
+          </p:nvPr>
+        </p:nvSpPr>
+        <p:spPr/>
+        <p:txBody>
+          <a:bodyPr/>
+          <a:lstStyle/>
+          <a:p>
+            <a:endParaRPr lang="en-US" dirty="0"/>
+          </a:p>
+          <a:p>
+            <a:pPr lvl="1" fontAlgn="base"/>
+            <a:r>
+              <a:rPr lang="en-US" dirty="0" smtClean="0"/>
+              <a:t>Using the </a:t>
+            </a:r>
+            <a:r>
+              <a:rPr lang="en-US" dirty="0" err="1" smtClean="0"/>
+              <a:t>cmd</a:t>
+            </a:r>
+            <a:r>
+              <a:rPr lang="en-US" dirty="0" smtClean="0"/>
+              <a:t>-line tools</a:t>
+            </a:r>
+          </a:p>
+          <a:p>
+            <a:pPr lvl="2" fontAlgn="base"/>
+            <a:r>
+              <a:rPr lang="en-US" dirty="0" smtClean="0"/>
+              <a:t>download </a:t>
+            </a:r>
+            <a:r>
+              <a:rPr lang="en-US" dirty="0"/>
+              <a:t>all </a:t>
+            </a:r>
+            <a:r>
+              <a:rPr lang="en-US" dirty="0" err="1"/>
+              <a:t>unannotated</a:t>
+            </a:r>
+            <a:r>
+              <a:rPr lang="en-US" dirty="0"/>
+              <a:t> reads</a:t>
+            </a:r>
+          </a:p>
+          <a:p>
+            <a:pPr lvl="2" fontAlgn="base"/>
+            <a:r>
+              <a:rPr lang="en-US" dirty="0"/>
+              <a:t>download all </a:t>
+            </a:r>
+            <a:r>
+              <a:rPr lang="en-US" dirty="0" err="1"/>
+              <a:t>dnaK</a:t>
+            </a:r>
+            <a:r>
+              <a:rPr lang="en-US" dirty="0"/>
+              <a:t>, </a:t>
+            </a:r>
+            <a:r>
+              <a:rPr lang="en-US" dirty="0" err="1"/>
+              <a:t>amoA</a:t>
+            </a:r>
+            <a:r>
+              <a:rPr lang="en-US" dirty="0"/>
+              <a:t> genes from </a:t>
+            </a:r>
+            <a:r>
+              <a:rPr lang="en-US" dirty="0" smtClean="0"/>
+              <a:t>MANY metagenomes</a:t>
+            </a:r>
+            <a:endParaRPr lang="en-US" dirty="0"/>
+          </a:p>
+          <a:p>
+            <a:pPr lvl="2" fontAlgn="base"/>
+            <a:r>
+              <a:rPr lang="en-US" dirty="0"/>
+              <a:t>sequence search against all/many data sets</a:t>
+            </a:r>
+          </a:p>
+          <a:p>
+            <a:pPr marL="0" indent="0">
+              <a:buNone/>
+            </a:pPr>
+            <a:endParaRPr lang="en-US" dirty="0"/>
+          </a:p>
+        </p:txBody>
+      </p:sp>
+    </p:spTree>
+    <p:extLst>
+      <p:ext uri="{BB962C8B-B14F-4D97-AF65-F5344CB8AC3E}">
+        <p14:creationId xmlns:p14="http://schemas.microsoft.com/office/powerpoint/2010/main" val="419681251"/>
       </p:ext>
     </p:extLst>
   </p:cSld>
@@ -12808,7 +14641,15 @@
             <a:pPr lvl="1"/>
             <a:r>
               <a:rPr lang="en-US" sz="2400" dirty="0" smtClean="0"/>
-              <a:t>Limitation in number of data sets hat can be compared</a:t>
+              <a:t>Limitation in number of data sets </a:t>
+            </a:r>
+            <a:r>
+              <a:rPr lang="en-US" sz="2400" dirty="0" smtClean="0"/>
+              <a:t>that </a:t>
+            </a:r>
+            <a:r>
+              <a:rPr lang="en-US" sz="2400" dirty="0" smtClean="0"/>
+              <a:t>can be compared</a:t>
             </a:r>
           </a:p>
           <a:p>
@@ -12982,7 +14823,7 @@
         <p:spPr/>
         <p:txBody>
           <a:bodyPr>
-            <a:normAutofit fontScale="92500" lnSpcReduction="20000"/>
+            <a:normAutofit lnSpcReduction="10000"/>
           </a:bodyPr>
           <a:lstStyle/>
           <a:p>
@@ -12996,14 +14837,12 @@
           </a:p>
           <a:p>
             <a:r>
+              <a:rPr lang="en-US" sz="2000" dirty="0" smtClean="0"/>
+              <a:t>A </a:t>
+            </a:r>
+            <a:r>
               <a:rPr lang="en-US" sz="2000" dirty="0"/>
-              <a:t>An internet connection</a:t>
-            </a:r>
-          </a:p>
-          <a:p>
-            <a:r>
-              <a:rPr lang="en-US" sz="2000" dirty="0"/>
-              <a:t>A MG-RAST account (http://</a:t>
+              <a:t>MG-RAST account (http://</a:t>
             </a:r>
             <a:r>
               <a:rPr lang="en-US" sz="2000" dirty="0" err="1"/>
@@ -13069,15 +14908,13 @@
             <a:pPr lvl="1"/>
             <a:r>
               <a:rPr lang="en-US" sz="1400" dirty="0"/>
-              <a:t>OS Shell</a:t>
-            </a:r>
-            <a:endParaRPr lang="en-US" sz="1800" dirty="0"/>
-          </a:p>
-          <a:p>
-            <a:r>
-              <a:rPr lang="en-US" sz="2000" dirty="0"/>
-              <a:t>Python</a:t>
-            </a:r>
+              <a:t>OS </a:t>
+            </a:r>
+            <a:r>
+              <a:rPr lang="en-US" sz="1400" dirty="0" smtClean="0"/>
+              <a:t>Shell</a:t>
+            </a:r>
+            <a:endParaRPr lang="en-US" sz="2000" dirty="0"/>
           </a:p>
           <a:p>
             <a:r>

--- a/ui/MG-RAST_Class_v3.6.1.pptx
+++ b/ui/MG-RAST_Class_v3.6.1.pptx
@@ -250,7 +250,7 @@
           <a:p>
             <a:fld id="{38B6A1B9-0A86-7A4E-8C0C-CD08297FA88D}" type="datetimeFigureOut">
               <a:rPr lang="en-US" smtClean="0"/>
-              <a:t>9/8/15</a:t>
+              <a:t>9/14/15</a:t>
             </a:fld>
             <a:endParaRPr lang="en-US"/>
           </a:p>
@@ -1525,7 +1525,7 @@
           <a:p>
             <a:fld id="{DD7EB58A-7A6A-0642-B680-4B77282166D6}" type="datetimeFigureOut">
               <a:rPr lang="en-US" smtClean="0"/>
-              <a:t>9/8/15</a:t>
+              <a:t>9/14/15</a:t>
             </a:fld>
             <a:endParaRPr lang="en-US"/>
           </a:p>
@@ -1695,7 +1695,7 @@
           <a:p>
             <a:fld id="{DD7EB58A-7A6A-0642-B680-4B77282166D6}" type="datetimeFigureOut">
               <a:rPr lang="en-US" smtClean="0"/>
-              <a:t>9/8/15</a:t>
+              <a:t>9/14/15</a:t>
             </a:fld>
             <a:endParaRPr lang="en-US"/>
           </a:p>
@@ -1875,7 +1875,7 @@
           <a:p>
             <a:fld id="{DD7EB58A-7A6A-0642-B680-4B77282166D6}" type="datetimeFigureOut">
               <a:rPr lang="en-US" smtClean="0"/>
-              <a:t>9/8/15</a:t>
+              <a:t>9/14/15</a:t>
             </a:fld>
             <a:endParaRPr lang="en-US"/>
           </a:p>
@@ -2045,7 +2045,7 @@
           <a:p>
             <a:fld id="{DD7EB58A-7A6A-0642-B680-4B77282166D6}" type="datetimeFigureOut">
               <a:rPr lang="en-US" smtClean="0"/>
-              <a:t>9/8/15</a:t>
+              <a:t>9/14/15</a:t>
             </a:fld>
             <a:endParaRPr lang="en-US"/>
           </a:p>
@@ -2291,7 +2291,7 @@
           <a:p>
             <a:fld id="{DD7EB58A-7A6A-0642-B680-4B77282166D6}" type="datetimeFigureOut">
               <a:rPr lang="en-US" smtClean="0"/>
-              <a:t>9/8/15</a:t>
+              <a:t>9/14/15</a:t>
             </a:fld>
             <a:endParaRPr lang="en-US"/>
           </a:p>
@@ -2579,7 +2579,7 @@
           <a:p>
             <a:fld id="{DD7EB58A-7A6A-0642-B680-4B77282166D6}" type="datetimeFigureOut">
               <a:rPr lang="en-US" smtClean="0"/>
-              <a:t>9/8/15</a:t>
+              <a:t>9/14/15</a:t>
             </a:fld>
             <a:endParaRPr lang="en-US"/>
           </a:p>
@@ -3001,7 +3001,7 @@
           <a:p>
             <a:fld id="{DD7EB58A-7A6A-0642-B680-4B77282166D6}" type="datetimeFigureOut">
               <a:rPr lang="en-US" smtClean="0"/>
-              <a:t>9/8/15</a:t>
+              <a:t>9/14/15</a:t>
             </a:fld>
             <a:endParaRPr lang="en-US"/>
           </a:p>
@@ -3119,7 +3119,7 @@
           <a:p>
             <a:fld id="{DD7EB58A-7A6A-0642-B680-4B77282166D6}" type="datetimeFigureOut">
               <a:rPr lang="en-US" smtClean="0"/>
-              <a:t>9/8/15</a:t>
+              <a:t>9/14/15</a:t>
             </a:fld>
             <a:endParaRPr lang="en-US"/>
           </a:p>
@@ -3214,7 +3214,7 @@
           <a:p>
             <a:fld id="{DD7EB58A-7A6A-0642-B680-4B77282166D6}" type="datetimeFigureOut">
               <a:rPr lang="en-US" smtClean="0"/>
-              <a:t>9/8/15</a:t>
+              <a:t>9/14/15</a:t>
             </a:fld>
             <a:endParaRPr lang="en-US"/>
           </a:p>
@@ -3491,7 +3491,7 @@
           <a:p>
             <a:fld id="{DD7EB58A-7A6A-0642-B680-4B77282166D6}" type="datetimeFigureOut">
               <a:rPr lang="en-US" smtClean="0"/>
-              <a:t>9/8/15</a:t>
+              <a:t>9/14/15</a:t>
             </a:fld>
             <a:endParaRPr lang="en-US"/>
           </a:p>
@@ -3744,7 +3744,7 @@
           <a:p>
             <a:fld id="{DD7EB58A-7A6A-0642-B680-4B77282166D6}" type="datetimeFigureOut">
               <a:rPr lang="en-US" smtClean="0"/>
-              <a:t>9/8/15</a:t>
+              <a:t>9/14/15</a:t>
             </a:fld>
             <a:endParaRPr lang="en-US"/>
           </a:p>
@@ -3957,7 +3957,7 @@
           <a:p>
             <a:fld id="{DD7EB58A-7A6A-0642-B680-4B77282166D6}" type="datetimeFigureOut">
               <a:rPr lang="en-US" smtClean="0"/>
-              <a:t>9/8/15</a:t>
+              <a:t>9/14/15</a:t>
             </a:fld>
             <a:endParaRPr lang="en-US"/>
           </a:p>
@@ -4627,18 +4627,22 @@
             </a:r>
             <a:r>
               <a:rPr lang="en-US" dirty="0" smtClean="0"/>
-              <a:t>approach.</a:t>
-            </a:r>
-          </a:p>
-          <a:p>
-            <a:pPr marL="0" indent="0">
-              <a:buNone/>
-            </a:pPr>
-            <a:r>
-              <a:rPr lang="en-US" dirty="0" smtClean="0"/>
-              <a:t>&lt;&lt;figure on stats here????&gt;&gt;&gt; </a:t>
-            </a:r>
-            <a:endParaRPr lang="en-US" dirty="0"/>
+              <a:t>approach</a:t>
+            </a:r>
+            <a:r>
+              <a:rPr lang="en-US" dirty="0" smtClean="0"/>
+              <a:t>.</a:t>
+            </a:r>
+          </a:p>
+          <a:p>
+            <a:pPr lvl="1"/>
+            <a:r>
+              <a:rPr lang="en-US" dirty="0"/>
+              <a:t>Reproducible workflows (AWE + Shock)</a:t>
+            </a:r>
+          </a:p>
+          <a:p>
+            <a:endParaRPr lang="en-US" dirty="0" smtClean="0"/>
           </a:p>
         </p:txBody>
       </p:sp>
@@ -5405,9 +5409,96 @@
         </p:nvSpPr>
         <p:spPr/>
         <p:txBody>
-          <a:bodyPr/>
-          <a:lstStyle/>
-          <a:p>
+          <a:bodyPr>
+            <a:normAutofit lnSpcReduction="10000"/>
+          </a:bodyPr>
+          <a:lstStyle/>
+          <a:p>
+            <a:r>
+              <a:rPr lang="en-US" dirty="0"/>
+              <a:t>CV’s for metadata</a:t>
+            </a:r>
+          </a:p>
+          <a:p>
+            <a:r>
+              <a:rPr lang="en-US" dirty="0"/>
+              <a:t>CVs/Ontologies changing over time</a:t>
+            </a:r>
+            <a:br>
+              <a:rPr lang="en-US" dirty="0"/>
+            </a:br>
+            <a:r>
+              <a:rPr lang="en-US" dirty="0"/>
+              <a:t>(http://</a:t>
+            </a:r>
+            <a:r>
+              <a:rPr lang="en-US" dirty="0" err="1"/>
+              <a:t>bioportal.bioontology.org</a:t>
+            </a:r>
+            <a:r>
+              <a:rPr lang="en-US" dirty="0"/>
+              <a:t>/)</a:t>
+            </a:r>
+          </a:p>
+          <a:p>
+            <a:pPr marL="342900" lvl="1" indent="-342900">
+              <a:buFont typeface="Arial"/>
+              <a:buChar char="•"/>
+            </a:pPr>
+            <a:r>
+              <a:rPr lang="en-US" dirty="0"/>
+              <a:t>Import of </a:t>
+            </a:r>
+            <a:r>
+              <a:rPr lang="en-US" dirty="0" err="1"/>
+              <a:t>exsiting</a:t>
+            </a:r>
+            <a:r>
+              <a:rPr lang="en-US" dirty="0"/>
+              <a:t> CVs into MG-RAST</a:t>
+            </a:r>
+          </a:p>
+          <a:p>
+            <a:pPr marL="742950" lvl="2" indent="-342900"/>
+            <a:r>
+              <a:rPr lang="en-US" dirty="0" err="1"/>
+              <a:t>api.metagenomics.anl.gov</a:t>
+            </a:r>
+            <a:r>
+              <a:rPr lang="en-US" dirty="0"/>
+              <a:t>/metadata</a:t>
+            </a:r>
+          </a:p>
+          <a:p>
+            <a:r>
+              <a:rPr lang="en-US" dirty="0"/>
+              <a:t>Defined project wide</a:t>
+            </a:r>
+          </a:p>
+          <a:p>
+            <a:r>
+              <a:rPr lang="en-US" dirty="0"/>
+              <a:t>Support multiple versions</a:t>
+            </a:r>
+          </a:p>
+          <a:p>
+            <a:pPr lvl="1"/>
+            <a:r>
+              <a:rPr lang="en-US" dirty="0"/>
+              <a:t>Default latest</a:t>
+            </a:r>
+          </a:p>
+          <a:p>
+            <a:pPr lvl="1"/>
+            <a:r>
+              <a:rPr lang="en-US" dirty="0"/>
+              <a:t>Defined within a project</a:t>
+            </a:r>
+          </a:p>
+          <a:p>
+            <a:pPr marL="0" indent="0">
+              <a:buNone/>
+            </a:pPr>
             <a:endParaRPr lang="en-US" dirty="0"/>
           </a:p>
         </p:txBody>
@@ -9810,27 +9901,14 @@
             </a:r>
             <a:r>
               <a:rPr lang="en-US" sz="2000" dirty="0" smtClean="0"/>
-              <a:t>) Create </a:t>
-            </a:r>
-            <a:r>
-              <a:rPr lang="en-US" sz="2000" dirty="0" smtClean="0"/>
-              <a:t>table </a:t>
-            </a:r>
-            <a:endParaRPr lang="en-US" sz="2000" dirty="0" smtClean="0"/>
+              <a:t>) Create table </a:t>
+            </a:r>
           </a:p>
           <a:p>
             <a:pPr lvl="2"/>
             <a:r>
               <a:rPr lang="en-US" sz="1600" dirty="0" smtClean="0"/>
-              <a:t>Select </a:t>
-            </a:r>
-            <a:r>
-              <a:rPr lang="en-US" sz="1600" dirty="0" smtClean="0"/>
-              <a:t>on </a:t>
-            </a:r>
-            <a:r>
-              <a:rPr lang="en-US" sz="1600" dirty="0" smtClean="0"/>
-              <a:t>order </a:t>
+              <a:t>Select on order </a:t>
             </a:r>
             <a:r>
               <a:rPr lang="en-US" sz="1600" dirty="0" err="1" smtClean="0"/>
@@ -9863,7 +9941,6 @@
               <a:rPr lang="en-US" sz="1200" dirty="0" smtClean="0"/>
               <a:t>-line!</a:t>
             </a:r>
-            <a:endParaRPr lang="en-US" sz="1200" dirty="0" smtClean="0"/>
           </a:p>
           <a:p>
             <a:r>
@@ -10263,7 +10340,6 @@
               <a:rPr lang="en-US" sz="2000" dirty="0" smtClean="0"/>
               <a:t>?</a:t>
             </a:r>
-            <a:endParaRPr lang="en-US" sz="2000" dirty="0" smtClean="0"/>
           </a:p>
           <a:p>
             <a:pPr lvl="1"/>
@@ -10302,7 +10378,6 @@
               <a:rPr lang="en-US" dirty="0" smtClean="0"/>
               <a:t> metabolism and Lysine degradation –KEGG)</a:t>
             </a:r>
-            <a:endParaRPr lang="en-US" dirty="0" smtClean="0"/>
           </a:p>
           <a:p>
             <a:endParaRPr lang="en-US" dirty="0"/>
@@ -11451,11 +11526,7 @@
             </a:pPr>
             <a:r>
               <a:rPr lang="en-US" dirty="0" smtClean="0"/>
-              <a:t>Go </a:t>
-            </a:r>
-            <a:r>
-              <a:rPr lang="en-US" dirty="0" smtClean="0"/>
-              <a:t>back to Overview page</a:t>
+              <a:t>Go back to Overview page</a:t>
             </a:r>
           </a:p>
           <a:p>
@@ -11491,7 +11562,6 @@
               <a:rPr lang="en-US" dirty="0" smtClean="0"/>
               <a:t>Limits to how much the workbench can hold!  CL-tools/R tools will be better for larger analyses!</a:t>
             </a:r>
-            <a:endParaRPr lang="en-US" dirty="0" smtClean="0"/>
           </a:p>
           <a:p>
             <a:pPr>
@@ -11500,13 +11570,8 @@
             </a:pPr>
             <a:r>
               <a:rPr lang="en-US" dirty="0" smtClean="0"/>
-              <a:t>Search table for butyrate-related enzyme functions</a:t>
-            </a:r>
-            <a:r>
-              <a:rPr lang="en-US" dirty="0" smtClean="0"/>
-              <a:t>.</a:t>
-            </a:r>
-            <a:endParaRPr lang="en-US" dirty="0" smtClean="0"/>
+              <a:t>Search table for butyrate-related enzyme functions.</a:t>
+            </a:r>
           </a:p>
         </p:txBody>
       </p:sp>
@@ -11683,7 +11748,6 @@
               <a:rPr lang="en-US" dirty="0" smtClean="0"/>
               <a:t>R)</a:t>
             </a:r>
-            <a:endParaRPr lang="en-US" dirty="0" smtClean="0"/>
           </a:p>
           <a:p>
             <a:pPr lvl="1"/>
@@ -13291,13 +13355,20 @@
           </a:p>
           <a:p>
             <a:pPr lvl="2" fontAlgn="base"/>
-            <a:endParaRPr lang="en-US" dirty="0"/>
+            <a:r>
+              <a:rPr lang="en-US" dirty="0"/>
+              <a:t>enable queries and fast data retrieval</a:t>
+            </a:r>
           </a:p>
           <a:p>
             <a:pPr lvl="1" fontAlgn="base"/>
             <a:r>
               <a:rPr lang="en-US" dirty="0" smtClean="0"/>
-              <a:t>controlled vocabularies</a:t>
+              <a:t>controlled </a:t>
+            </a:r>
+            <a:r>
+              <a:rPr lang="en-US" dirty="0" smtClean="0"/>
+              <a:t>vocabularies</a:t>
             </a:r>
           </a:p>
           <a:p>
